--- a/doc/slides/main.pptx
+++ b/doc/slides/main.pptx
@@ -5847,13 +5847,22 @@
               <a:buChar char="•"/>
             </a:pPr>
             <a:r>
+              <a:rPr lang="en-US" sz="3200" b="1">
+                <a:solidFill>
+                  <a:srgbClr val="604C37"/>
+                </a:solidFill>
+                <a:latin typeface="Helvetica Rounded" pitchFamily="2" charset="77"/>
+              </a:rPr>
+              <a:t>we continue as </a:t>
+            </a:r>
+            <a:r>
               <a:rPr lang="en-US" sz="3200" b="1" dirty="0">
                 <a:solidFill>
                   <a:srgbClr val="604C37"/>
                 </a:solidFill>
                 <a:latin typeface="Helvetica Rounded" pitchFamily="2" charset="77"/>
               </a:rPr>
-              <a:t>we’ve got two processes living in parallel.</a:t>
+              <a:t>two processes living in parallel.</a:t>
             </a:r>
           </a:p>
         </p:txBody>

--- a/doc/slides/main.pptx
+++ b/doc/slides/main.pptx
@@ -507,7 +507,214 @@
           <a:p>
             <a:r>
               <a:rPr lang="en-US" dirty="0"/>
-              <a:t>[7] So in essence, what I’m doing when I write an email is, I’m forking off a process which represents the data of the email, and then I’m giving my supervisor access to it...</a:t>
+              <a:t>Talking about ”Taking Linear Logic Apart”... </a:t>
+            </a:r>
+          </a:p>
+          <a:p>
+            <a:r>
+              <a:rPr lang="en-US" dirty="0"/>
+              <a:t>We’ll see what that means in a second.</a:t>
+            </a:r>
+          </a:p>
+          <a:p>
+            <a:r>
+              <a:rPr lang="en-US" dirty="0"/>
+              <a:t>Joint work with Fabrizio </a:t>
+            </a:r>
+            <a:r>
+              <a:rPr lang="en-US" dirty="0" err="1"/>
+              <a:t>Montesi</a:t>
+            </a:r>
+            <a:r>
+              <a:rPr lang="en-US" dirty="0"/>
+              <a:t> and Marco </a:t>
+            </a:r>
+            <a:r>
+              <a:rPr lang="en-US" dirty="0" err="1"/>
+              <a:t>Peressotti</a:t>
+            </a:r>
+            <a:r>
+              <a:rPr lang="en-US" dirty="0"/>
+              <a:t>, who couldn’t be here today, because they live in Denmark.</a:t>
+            </a:r>
+          </a:p>
+        </p:txBody>
+      </p:sp>
+      <p:sp>
+        <p:nvSpPr>
+          <p:cNvPr id="4" name="Slide Number Placeholder 3"/>
+          <p:cNvSpPr>
+            <a:spLocks noGrp="1"/>
+          </p:cNvSpPr>
+          <p:nvPr>
+            <p:ph type="sldNum" sz="quarter" idx="10"/>
+          </p:nvPr>
+        </p:nvSpPr>
+        <p:spPr/>
+        <p:txBody>
+          <a:bodyPr/>
+          <a:lstStyle/>
+          <a:p>
+            <a:fld id="{DFE3F239-427C-A149-8C48-8C46C7B53C32}" type="slidenum">
+              <a:rPr lang="en-US" smtClean="0"/>
+              <a:t>1</a:t>
+            </a:fld>
+            <a:endParaRPr lang="en-US"/>
+          </a:p>
+        </p:txBody>
+      </p:sp>
+    </p:spTree>
+    <p:extLst>
+      <p:ext uri="{BB962C8B-B14F-4D97-AF65-F5344CB8AC3E}">
+        <p14:creationId xmlns:p14="http://schemas.microsoft.com/office/powerpoint/2010/main" val="548659669"/>
+      </p:ext>
+    </p:extLst>
+  </p:cSld>
+  <p:clrMapOvr>
+    <a:masterClrMapping/>
+  </p:clrMapOvr>
+</p:notes>
+</file>
+
+<file path=ppt/notesSlides/notesSlide2.xml><?xml version="1.0" encoding="utf-8"?>
+<p:notes xmlns:a="http://schemas.openxmlformats.org/drawingml/2006/main" xmlns:r="http://schemas.openxmlformats.org/officeDocument/2006/relationships" xmlns:p="http://schemas.openxmlformats.org/presentationml/2006/main">
+  <p:cSld>
+    <p:spTree>
+      <p:nvGrpSpPr>
+        <p:cNvPr id="1" name=""/>
+        <p:cNvGrpSpPr/>
+        <p:nvPr/>
+      </p:nvGrpSpPr>
+      <p:grpSpPr>
+        <a:xfrm>
+          <a:off x="0" y="0"/>
+          <a:ext cx="0" cy="0"/>
+          <a:chOff x="0" y="0"/>
+          <a:chExt cx="0" cy="0"/>
+        </a:xfrm>
+      </p:grpSpPr>
+      <p:sp>
+        <p:nvSpPr>
+          <p:cNvPr id="2" name="Slide Image Placeholder 1"/>
+          <p:cNvSpPr>
+            <a:spLocks noGrp="1" noRot="1" noChangeAspect="1"/>
+          </p:cNvSpPr>
+          <p:nvPr>
+            <p:ph type="sldImg"/>
+          </p:nvPr>
+        </p:nvSpPr>
+        <p:spPr/>
+      </p:sp>
+      <p:sp>
+        <p:nvSpPr>
+          <p:cNvPr id="3" name="Notes Placeholder 2"/>
+          <p:cNvSpPr>
+            <a:spLocks noGrp="1"/>
+          </p:cNvSpPr>
+          <p:nvPr>
+            <p:ph type="body" idx="1"/>
+          </p:nvPr>
+        </p:nvSpPr>
+        <p:spPr/>
+        <p:txBody>
+          <a:bodyPr/>
+          <a:lstStyle/>
+          <a:p>
+            <a:pPr marL="228600" indent="-228600">
+              <a:buFont typeface="+mj-lt"/>
+              <a:buAutoNum type="arabicPeriod"/>
+            </a:pPr>
+            <a:r>
+              <a:rPr lang="en-US" dirty="0"/>
+              <a:t>So... Like all good presentations, let’s start with an example... In this case, me, sending an email, to my supervisor!</a:t>
+            </a:r>
+          </a:p>
+          <a:p>
+            <a:pPr marL="228600" indent="-228600">
+              <a:buFont typeface="+mj-lt"/>
+              <a:buAutoNum type="arabicPeriod"/>
+            </a:pPr>
+            <a:r>
+              <a:rPr lang="en-US" dirty="0"/>
+              <a:t>That’s me!</a:t>
+            </a:r>
+          </a:p>
+          <a:p>
+            <a:pPr marL="228600" indent="-228600">
+              <a:buFont typeface="+mj-lt"/>
+              <a:buAutoNum type="arabicPeriod"/>
+            </a:pPr>
+            <a:r>
+              <a:rPr lang="en-US" dirty="0"/>
+              <a:t>And that’s my supervisor...</a:t>
+            </a:r>
+          </a:p>
+          <a:p>
+            <a:pPr marL="228600" indent="-228600">
+              <a:buFont typeface="+mj-lt"/>
+              <a:buAutoNum type="arabicPeriod"/>
+            </a:pPr>
+            <a:r>
+              <a:rPr lang="en-US" dirty="0"/>
+              <a:t>That’s the email I wrote...</a:t>
+            </a:r>
+          </a:p>
+          <a:p>
+            <a:pPr marL="228600" indent="-228600">
+              <a:buFont typeface="+mj-lt"/>
+              <a:buAutoNum type="arabicPeriod"/>
+            </a:pPr>
+            <a:r>
+              <a:rPr lang="en-US" dirty="0"/>
+              <a:t>And that’s me, continuing to do some work after I send the email...</a:t>
+            </a:r>
+          </a:p>
+          <a:p>
+            <a:pPr marL="228600" indent="-228600">
+              <a:buFont typeface="+mj-lt"/>
+              <a:buAutoNum type="arabicPeriod"/>
+            </a:pPr>
+            <a:r>
+              <a:rPr lang="en-US" dirty="0"/>
+              <a:t>Or going climbing...</a:t>
+            </a:r>
+          </a:p>
+          <a:p>
+            <a:pPr marL="228600" indent="-228600">
+              <a:buFont typeface="+mj-lt"/>
+              <a:buAutoNum type="arabicPeriod"/>
+            </a:pPr>
+            <a:r>
+              <a:rPr lang="en-US" dirty="0"/>
+              <a:t>Or doing whatever... The point is, we don’t really care about what I do </a:t>
+            </a:r>
+            <a:r>
+              <a:rPr lang="en-US" i="1" dirty="0"/>
+              <a:t>after</a:t>
+            </a:r>
+            <a:r>
+              <a:rPr lang="en-US" i="0" dirty="0"/>
+              <a:t> I send the email...</a:t>
+            </a:r>
+          </a:p>
+          <a:p>
+            <a:pPr marL="228600" indent="-228600">
+              <a:buFont typeface="+mj-lt"/>
+              <a:buAutoNum type="arabicPeriod"/>
+            </a:pPr>
+            <a:r>
+              <a:rPr lang="en-US" dirty="0"/>
+              <a:t>So that “y”, that’s a channel which gives you access to the email. In essence, what I’m doing when I write an email is, I’m forking off a process which represents the data of the email, and then I’m giving my supervisor access to it...</a:t>
+            </a:r>
+          </a:p>
+          <a:p>
+            <a:pPr marL="228600" indent="-228600">
+              <a:buFont typeface="+mj-lt"/>
+              <a:buAutoNum type="arabicPeriod"/>
+            </a:pPr>
+            <a:r>
+              <a:rPr lang="en-US" dirty="0"/>
+              <a:t>And that “x”, well, that’s for future communication with me....</a:t>
             </a:r>
           </a:p>
         </p:txBody>
@@ -3772,7 +3979,7 @@
       </p:grpSpPr>
       <p:pic>
         <p:nvPicPr>
-          <p:cNvPr id="4" name="Picture 3">
+          <p:cNvPr id="4" name="Slide title">
             <a:extLst>
               <a:ext uri="{FF2B5EF4-FFF2-40B4-BE49-F238E27FC236}">
                 <a16:creationId xmlns:a16="http://schemas.microsoft.com/office/drawing/2014/main" id="{648BCCDF-081B-7D43-AC91-73E6E6C5BB68}"/>
@@ -3785,7 +3992,7 @@
           <p:nvPr/>
         </p:nvPicPr>
         <p:blipFill>
-          <a:blip r:embed="rId2"/>
+          <a:blip r:embed="rId3"/>
           <a:stretch>
             <a:fillRect/>
           </a:stretch>
@@ -3793,7 +4000,7 @@
         <p:spPr>
           <a:xfrm>
             <a:off x="0" y="0"/>
-            <a:ext cx="12209928" cy="6858000"/>
+            <a:ext cx="12193200" cy="6858000"/>
           </a:xfrm>
           <a:prstGeom prst="rect">
             <a:avLst/>
@@ -3852,8 +4059,8 @@
         </p:blipFill>
         <p:spPr>
           <a:xfrm>
-            <a:off x="-17929" y="0"/>
-            <a:ext cx="12209929" cy="6858000"/>
+            <a:off x="0" y="0"/>
+            <a:ext cx="12193200" cy="6858000"/>
           </a:xfrm>
           <a:prstGeom prst="rect">
             <a:avLst/>
@@ -3883,7 +4090,7 @@
         <p:spPr>
           <a:xfrm>
             <a:off x="-1" y="0"/>
-            <a:ext cx="12209929" cy="6858000"/>
+            <a:ext cx="12193200" cy="6858000"/>
           </a:xfrm>
           <a:prstGeom prst="rect">
             <a:avLst/>
@@ -3913,7 +4120,7 @@
         <p:spPr>
           <a:xfrm>
             <a:off x="0" y="0"/>
-            <a:ext cx="12192000" cy="6847930"/>
+            <a:ext cx="12193200" cy="6858000"/>
           </a:xfrm>
           <a:prstGeom prst="rect">
             <a:avLst/>
@@ -5377,10 +5584,10 @@
       </p:grpSpPr>
       <p:pic>
         <p:nvPicPr>
-          <p:cNvPr id="2" name="Slide cut highlighted">
-            <a:extLst>
-              <a:ext uri="{FF2B5EF4-FFF2-40B4-BE49-F238E27FC236}">
-                <a16:creationId xmlns:a16="http://schemas.microsoft.com/office/drawing/2014/main" id="{DAA524E1-AFFA-594B-810D-0434E7CF923A}"/>
+          <p:cNvPr id="22" name="Slide whatever">
+            <a:extLst>
+              <a:ext uri="{FF2B5EF4-FFF2-40B4-BE49-F238E27FC236}">
+                <a16:creationId xmlns:a16="http://schemas.microsoft.com/office/drawing/2014/main" id="{D98D4005-93E3-804B-97F9-9628EB9B481A}"/>
               </a:ext>
             </a:extLst>
           </p:cNvPr>
@@ -5397,8 +5604,8 @@
         </p:blipFill>
         <p:spPr>
           <a:xfrm>
-            <a:off x="0" y="0"/>
-            <a:ext cx="12192000" cy="6847930"/>
+            <a:off x="-1" y="0"/>
+            <a:ext cx="12193200" cy="6858714"/>
           </a:xfrm>
           <a:prstGeom prst="rect">
             <a:avLst/>
@@ -5407,10 +5614,10 @@
       </p:pic>
       <p:pic>
         <p:nvPicPr>
-          <p:cNvPr id="20" name="Slide cut &amp; send highlighted">
-            <a:extLst>
-              <a:ext uri="{FF2B5EF4-FFF2-40B4-BE49-F238E27FC236}">
-                <a16:creationId xmlns:a16="http://schemas.microsoft.com/office/drawing/2014/main" id="{E6DC485E-EF58-AF4B-9165-DF632FC67980}"/>
+          <p:cNvPr id="2" name="Slide cut highlighted">
+            <a:extLst>
+              <a:ext uri="{FF2B5EF4-FFF2-40B4-BE49-F238E27FC236}">
+                <a16:creationId xmlns:a16="http://schemas.microsoft.com/office/drawing/2014/main" id="{DAA524E1-AFFA-594B-810D-0434E7CF923A}"/>
               </a:ext>
             </a:extLst>
           </p:cNvPr>
@@ -5427,8 +5634,38 @@
         </p:blipFill>
         <p:spPr>
           <a:xfrm>
-            <a:off x="-17930" y="-10071"/>
-            <a:ext cx="12209929" cy="6858001"/>
+            <a:off x="0" y="0"/>
+            <a:ext cx="12193200" cy="6858000"/>
+          </a:xfrm>
+          <a:prstGeom prst="rect">
+            <a:avLst/>
+          </a:prstGeom>
+        </p:spPr>
+      </p:pic>
+      <p:pic>
+        <p:nvPicPr>
+          <p:cNvPr id="20" name="Slide cut &amp; send highlighted">
+            <a:extLst>
+              <a:ext uri="{FF2B5EF4-FFF2-40B4-BE49-F238E27FC236}">
+                <a16:creationId xmlns:a16="http://schemas.microsoft.com/office/drawing/2014/main" id="{E6DC485E-EF58-AF4B-9165-DF632FC67980}"/>
+              </a:ext>
+            </a:extLst>
+          </p:cNvPr>
+          <p:cNvPicPr>
+            <a:picLocks noChangeAspect="1"/>
+          </p:cNvPicPr>
+          <p:nvPr/>
+        </p:nvPicPr>
+        <p:blipFill>
+          <a:blip r:embed="rId4"/>
+          <a:stretch>
+            <a:fillRect/>
+          </a:stretch>
+        </p:blipFill>
+        <p:spPr>
+          <a:xfrm>
+            <a:off x="0" y="0"/>
+            <a:ext cx="12193200" cy="6858001"/>
           </a:xfrm>
           <a:prstGeom prst="rect">
             <a:avLst/>
@@ -5847,22 +6084,13 @@
               <a:buChar char="•"/>
             </a:pPr>
             <a:r>
-              <a:rPr lang="en-US" sz="3200" b="1">
-                <a:solidFill>
-                  <a:srgbClr val="604C37"/>
-                </a:solidFill>
-                <a:latin typeface="Helvetica Rounded" pitchFamily="2" charset="77"/>
-              </a:rPr>
-              <a:t>we continue as </a:t>
-            </a:r>
-            <a:r>
               <a:rPr lang="en-US" sz="3200" b="1" dirty="0">
                 <a:solidFill>
                   <a:srgbClr val="604C37"/>
                 </a:solidFill>
                 <a:latin typeface="Helvetica Rounded" pitchFamily="2" charset="77"/>
               </a:rPr>
-              <a:t>two processes living in parallel.</a:t>
+              <a:t>we continue as two processes living in parallel.</a:t>
             </a:r>
           </a:p>
         </p:txBody>
@@ -6086,7 +6314,7 @@
                             </p:stCondLst>
                             <p:childTnLst>
                               <p:par>
-                                <p:cTn id="5" presetID="1" presetClass="entr" presetSubtype="0" fill="hold" grpId="0" nodeType="clickEffect">
+                                <p:cTn id="5" presetID="1" presetClass="entr" presetSubtype="0" fill="hold" nodeType="clickEffect">
                                   <p:stCondLst>
                                     <p:cond delay="0"/>
                                   </p:stCondLst>
@@ -6099,7 +6327,34 @@
                                           </p:stCondLst>
                                         </p:cTn>
                                         <p:tgtEl>
-                                          <p:spTgt spid="10"/>
+                                          <p:spTgt spid="2"/>
+                                        </p:tgtEl>
+                                        <p:attrNameLst>
+                                          <p:attrName>style.visibility</p:attrName>
+                                        </p:attrNameLst>
+                                      </p:cBhvr>
+                                      <p:to>
+                                        <p:strVal val="visible"/>
+                                      </p:to>
+                                    </p:set>
+                                  </p:childTnLst>
+                                </p:cTn>
+                              </p:par>
+                              <p:par>
+                                <p:cTn id="7" presetID="1" presetClass="entr" presetSubtype="0" fill="hold" grpId="1" nodeType="withEffect">
+                                  <p:stCondLst>
+                                    <p:cond delay="0"/>
+                                  </p:stCondLst>
+                                  <p:childTnLst>
+                                    <p:set>
+                                      <p:cBhvr>
+                                        <p:cTn id="8" dur="1" fill="hold">
+                                          <p:stCondLst>
+                                            <p:cond delay="0"/>
+                                          </p:stCondLst>
+                                        </p:cTn>
+                                        <p:tgtEl>
+                                          <p:spTgt spid="3"/>
                                         </p:tgtEl>
                                         <p:attrNameLst>
                                           <p:attrName>style.visibility</p:attrName>
@@ -6119,46 +6374,19 @@
                     </p:cTn>
                   </p:par>
                   <p:par>
-                    <p:cTn id="7" fill="hold">
+                    <p:cTn id="9" fill="hold">
                       <p:stCondLst>
                         <p:cond delay="indefinite"/>
                       </p:stCondLst>
                       <p:childTnLst>
                         <p:par>
-                          <p:cTn id="8" fill="hold">
+                          <p:cTn id="10" fill="hold">
                             <p:stCondLst>
                               <p:cond delay="0"/>
                             </p:stCondLst>
                             <p:childTnLst>
                               <p:par>
-                                <p:cTn id="9" presetID="1" presetClass="exit" presetSubtype="0" fill="hold" grpId="0" nodeType="clickEffect">
-                                  <p:stCondLst>
-                                    <p:cond delay="0"/>
-                                  </p:stCondLst>
-                                  <p:childTnLst>
-                                    <p:set>
-                                      <p:cBhvr>
-                                        <p:cTn id="10" dur="1" fill="hold">
-                                          <p:stCondLst>
-                                            <p:cond delay="0"/>
-                                          </p:stCondLst>
-                                        </p:cTn>
-                                        <p:tgtEl>
-                                          <p:spTgt spid="3"/>
-                                        </p:tgtEl>
-                                        <p:attrNameLst>
-                                          <p:attrName>style.visibility</p:attrName>
-                                        </p:attrNameLst>
-                                      </p:cBhvr>
-                                      <p:to>
-                                        <p:strVal val="hidden"/>
-                                      </p:to>
-                                    </p:set>
-                                  </p:childTnLst>
-                                </p:cTn>
-                              </p:par>
-                              <p:par>
-                                <p:cTn id="11" presetID="1" presetClass="entr" presetSubtype="0" fill="hold" grpId="0" nodeType="withEffect">
+                                <p:cTn id="11" presetID="1" presetClass="entr" presetSubtype="0" fill="hold" grpId="0" nodeType="clickEffect">
                                   <p:stCondLst>
                                     <p:cond delay="0"/>
                                   </p:stCondLst>
@@ -6171,7 +6399,7 @@
                                           </p:stCondLst>
                                         </p:cTn>
                                         <p:tgtEl>
-                                          <p:spTgt spid="11"/>
+                                          <p:spTgt spid="10"/>
                                         </p:tgtEl>
                                         <p:attrNameLst>
                                           <p:attrName>style.visibility</p:attrName>
@@ -6203,7 +6431,7 @@
                             </p:stCondLst>
                             <p:childTnLst>
                               <p:par>
-                                <p:cTn id="15" presetID="1" presetClass="entr" presetSubtype="0" fill="hold" grpId="0" nodeType="clickEffect">
+                                <p:cTn id="15" presetID="1" presetClass="exit" presetSubtype="0" fill="hold" grpId="0" nodeType="clickEffect">
                                   <p:stCondLst>
                                     <p:cond delay="0"/>
                                   </p:stCondLst>
@@ -6211,6 +6439,78 @@
                                     <p:set>
                                       <p:cBhvr>
                                         <p:cTn id="16" dur="1" fill="hold">
+                                          <p:stCondLst>
+                                            <p:cond delay="0"/>
+                                          </p:stCondLst>
+                                        </p:cTn>
+                                        <p:tgtEl>
+                                          <p:spTgt spid="3"/>
+                                        </p:tgtEl>
+                                        <p:attrNameLst>
+                                          <p:attrName>style.visibility</p:attrName>
+                                        </p:attrNameLst>
+                                      </p:cBhvr>
+                                      <p:to>
+                                        <p:strVal val="hidden"/>
+                                      </p:to>
+                                    </p:set>
+                                  </p:childTnLst>
+                                </p:cTn>
+                              </p:par>
+                              <p:par>
+                                <p:cTn id="17" presetID="1" presetClass="entr" presetSubtype="0" fill="hold" grpId="0" nodeType="withEffect">
+                                  <p:stCondLst>
+                                    <p:cond delay="0"/>
+                                  </p:stCondLst>
+                                  <p:childTnLst>
+                                    <p:set>
+                                      <p:cBhvr>
+                                        <p:cTn id="18" dur="1" fill="hold">
+                                          <p:stCondLst>
+                                            <p:cond delay="0"/>
+                                          </p:stCondLst>
+                                        </p:cTn>
+                                        <p:tgtEl>
+                                          <p:spTgt spid="11"/>
+                                        </p:tgtEl>
+                                        <p:attrNameLst>
+                                          <p:attrName>style.visibility</p:attrName>
+                                        </p:attrNameLst>
+                                      </p:cBhvr>
+                                      <p:to>
+                                        <p:strVal val="visible"/>
+                                      </p:to>
+                                    </p:set>
+                                  </p:childTnLst>
+                                </p:cTn>
+                              </p:par>
+                            </p:childTnLst>
+                          </p:cTn>
+                        </p:par>
+                      </p:childTnLst>
+                    </p:cTn>
+                  </p:par>
+                  <p:par>
+                    <p:cTn id="19" fill="hold">
+                      <p:stCondLst>
+                        <p:cond delay="indefinite"/>
+                      </p:stCondLst>
+                      <p:childTnLst>
+                        <p:par>
+                          <p:cTn id="20" fill="hold">
+                            <p:stCondLst>
+                              <p:cond delay="0"/>
+                            </p:stCondLst>
+                            <p:childTnLst>
+                              <p:par>
+                                <p:cTn id="21" presetID="1" presetClass="entr" presetSubtype="0" fill="hold" grpId="0" nodeType="clickEffect">
+                                  <p:stCondLst>
+                                    <p:cond delay="0"/>
+                                  </p:stCondLst>
+                                  <p:childTnLst>
+                                    <p:set>
+                                      <p:cBhvr>
+                                        <p:cTn id="22" dur="1" fill="hold">
                                           <p:stCondLst>
                                             <p:cond delay="0"/>
                                           </p:stCondLst>
@@ -6236,26 +6536,26 @@
                     </p:cTn>
                   </p:par>
                   <p:par>
-                    <p:cTn id="17" fill="hold">
+                    <p:cTn id="23" fill="hold">
                       <p:stCondLst>
                         <p:cond delay="indefinite"/>
                       </p:stCondLst>
                       <p:childTnLst>
                         <p:par>
-                          <p:cTn id="18" fill="hold">
+                          <p:cTn id="24" fill="hold">
                             <p:stCondLst>
                               <p:cond delay="0"/>
                             </p:stCondLst>
                             <p:childTnLst>
                               <p:par>
-                                <p:cTn id="19" presetID="1" presetClass="entr" presetSubtype="0" fill="hold" nodeType="clickEffect">
+                                <p:cTn id="25" presetID="1" presetClass="entr" presetSubtype="0" fill="hold" nodeType="clickEffect">
                                   <p:stCondLst>
                                     <p:cond delay="0"/>
                                   </p:stCondLst>
                                   <p:childTnLst>
                                     <p:set>
                                       <p:cBhvr>
-                                        <p:cTn id="20" dur="1" fill="hold">
+                                        <p:cTn id="26" dur="1" fill="hold">
                                           <p:stCondLst>
                                             <p:cond delay="0"/>
                                           </p:stCondLst>
@@ -6275,14 +6575,14 @@
                                 </p:cTn>
                               </p:par>
                               <p:par>
-                                <p:cTn id="21" presetID="1" presetClass="exit" presetSubtype="0" fill="hold" grpId="1" nodeType="withEffect">
+                                <p:cTn id="27" presetID="1" presetClass="exit" presetSubtype="0" fill="hold" grpId="1" nodeType="withEffect">
                                   <p:stCondLst>
                                     <p:cond delay="0"/>
                                   </p:stCondLst>
                                   <p:childTnLst>
                                     <p:set>
                                       <p:cBhvr>
-                                        <p:cTn id="22" dur="1" fill="hold">
+                                        <p:cTn id="28" dur="1" fill="hold">
                                           <p:stCondLst>
                                             <p:cond delay="0"/>
                                           </p:stCondLst>
@@ -6302,14 +6602,14 @@
                                 </p:cTn>
                               </p:par>
                               <p:par>
-                                <p:cTn id="23" presetID="1" presetClass="exit" presetSubtype="0" fill="hold" grpId="1" nodeType="withEffect">
+                                <p:cTn id="29" presetID="1" presetClass="exit" presetSubtype="0" fill="hold" grpId="1" nodeType="withEffect">
                                   <p:stCondLst>
                                     <p:cond delay="0"/>
                                   </p:stCondLst>
                                   <p:childTnLst>
                                     <p:set>
                                       <p:cBhvr>
-                                        <p:cTn id="24" dur="1" fill="hold">
+                                        <p:cTn id="30" dur="1" fill="hold">
                                           <p:stCondLst>
                                             <p:cond delay="0"/>
                                           </p:stCondLst>
@@ -6329,14 +6629,14 @@
                                 </p:cTn>
                               </p:par>
                               <p:par>
-                                <p:cTn id="25" presetID="1" presetClass="entr" presetSubtype="0" fill="hold" grpId="0" nodeType="withEffect">
+                                <p:cTn id="31" presetID="1" presetClass="entr" presetSubtype="0" fill="hold" grpId="0" nodeType="withEffect">
                                   <p:stCondLst>
                                     <p:cond delay="0"/>
                                   </p:stCondLst>
                                   <p:childTnLst>
                                     <p:set>
                                       <p:cBhvr>
-                                        <p:cTn id="26" dur="1" fill="hold">
+                                        <p:cTn id="32" dur="1" fill="hold">
                                           <p:stCondLst>
                                             <p:cond delay="0"/>
                                           </p:stCondLst>
@@ -6356,14 +6656,14 @@
                                 </p:cTn>
                               </p:par>
                               <p:par>
-                                <p:cTn id="27" presetID="1" presetClass="entr" presetSubtype="0" fill="hold" grpId="0" nodeType="withEffect">
+                                <p:cTn id="33" presetID="1" presetClass="entr" presetSubtype="0" fill="hold" grpId="0" nodeType="withEffect">
                                   <p:stCondLst>
                                     <p:cond delay="0"/>
                                   </p:stCondLst>
                                   <p:childTnLst>
                                     <p:set>
                                       <p:cBhvr>
-                                        <p:cTn id="28" dur="1" fill="hold">
+                                        <p:cTn id="34" dur="1" fill="hold">
                                           <p:stCondLst>
                                             <p:cond delay="0"/>
                                           </p:stCondLst>
@@ -6411,6 +6711,7 @@
     </p:tnLst>
     <p:bldLst>
       <p:bldP spid="3" grpId="0"/>
+      <p:bldP spid="3" grpId="1"/>
       <p:bldP spid="10" grpId="0"/>
       <p:bldP spid="10" grpId="1"/>
       <p:bldP spid="11" grpId="0"/>

--- a/doc/slides/main.pptx
+++ b/doc/slides/main.pptx
@@ -746,6 +746,164 @@
     <p:extLst>
       <p:ext uri="{BB962C8B-B14F-4D97-AF65-F5344CB8AC3E}">
         <p14:creationId xmlns:p14="http://schemas.microsoft.com/office/powerpoint/2010/main" val="3202475306"/>
+      </p:ext>
+    </p:extLst>
+  </p:cSld>
+  <p:clrMapOvr>
+    <a:masterClrMapping/>
+  </p:clrMapOvr>
+</p:notes>
+</file>
+
+<file path=ppt/notesSlides/notesSlide3.xml><?xml version="1.0" encoding="utf-8"?>
+<p:notes xmlns:a="http://schemas.openxmlformats.org/drawingml/2006/main" xmlns:r="http://schemas.openxmlformats.org/officeDocument/2006/relationships" xmlns:p="http://schemas.openxmlformats.org/presentationml/2006/main">
+  <p:cSld>
+    <p:spTree>
+      <p:nvGrpSpPr>
+        <p:cNvPr id="1" name=""/>
+        <p:cNvGrpSpPr/>
+        <p:nvPr/>
+      </p:nvGrpSpPr>
+      <p:grpSpPr>
+        <a:xfrm>
+          <a:off x="0" y="0"/>
+          <a:ext cx="0" cy="0"/>
+          <a:chOff x="0" y="0"/>
+          <a:chExt cx="0" cy="0"/>
+        </a:xfrm>
+      </p:grpSpPr>
+      <p:sp>
+        <p:nvSpPr>
+          <p:cNvPr id="2" name="Slide Image Placeholder 1"/>
+          <p:cNvSpPr>
+            <a:spLocks noGrp="1" noRot="1" noChangeAspect="1"/>
+          </p:cNvSpPr>
+          <p:nvPr>
+            <p:ph type="sldImg"/>
+          </p:nvPr>
+        </p:nvSpPr>
+        <p:spPr/>
+      </p:sp>
+      <p:sp>
+        <p:nvSpPr>
+          <p:cNvPr id="3" name="Notes Placeholder 2"/>
+          <p:cNvSpPr>
+            <a:spLocks noGrp="1"/>
+          </p:cNvSpPr>
+          <p:nvPr>
+            <p:ph type="body" idx="1"/>
+          </p:nvPr>
+        </p:nvSpPr>
+        <p:spPr/>
+        <p:txBody>
+          <a:bodyPr/>
+          <a:lstStyle/>
+          <a:p>
+            <a:pPr marL="228600" indent="-228600">
+              <a:buFont typeface="+mj-lt"/>
+              <a:buAutoNum type="arabicPeriod"/>
+            </a:pPr>
+            <a:r>
+              <a:rPr lang="en-US" dirty="0"/>
+              <a:t>There’s one bit of syntax which we haven’t addressed yet.</a:t>
+            </a:r>
+          </a:p>
+          <a:p>
+            <a:pPr marL="228600" indent="-228600">
+              <a:buFont typeface="+mj-lt"/>
+              <a:buAutoNum type="arabicPeriod"/>
+            </a:pPr>
+            <a:r>
+              <a:rPr lang="en-US" dirty="0"/>
+              <a:t>What’s this cruft?</a:t>
+            </a:r>
+          </a:p>
+          <a:p>
+            <a:pPr marL="228600" indent="-228600">
+              <a:buFont typeface="+mj-lt"/>
+              <a:buAutoNum type="arabicPeriod"/>
+            </a:pPr>
+            <a:r>
+              <a:rPr lang="en-US" dirty="0"/>
+              <a:t>We’ll, it says that we’ve got a shared communication channel called “x”, and that we’re two processes living in parallel.</a:t>
+            </a:r>
+          </a:p>
+          <a:p>
+            <a:pPr marL="228600" indent="-228600">
+              <a:buFont typeface="+mj-lt"/>
+              <a:buAutoNum type="arabicPeriod"/>
+            </a:pPr>
+            <a:r>
+              <a:rPr lang="en-US" dirty="0"/>
+              <a:t>What’s the problem with this?</a:t>
+            </a:r>
+          </a:p>
+          <a:p>
+            <a:pPr marL="228600" indent="-228600">
+              <a:buFont typeface="+mj-lt"/>
+              <a:buAutoNum type="arabicPeriod"/>
+            </a:pPr>
+            <a:r>
+              <a:rPr lang="en-US" i="1" dirty="0"/>
+              <a:t>That’s</a:t>
+            </a:r>
+            <a:r>
+              <a:rPr lang="en-US" i="0" dirty="0"/>
+              <a:t> the problem with this. This thing is a single, </a:t>
+            </a:r>
+            <a:r>
+              <a:rPr lang="en-US" i="1" dirty="0"/>
+              <a:t>atomic</a:t>
+            </a:r>
+            <a:r>
+              <a:rPr lang="en-US" i="0" dirty="0"/>
+              <a:t> construct, but it’s doing two different jobs! And actually, we have another one of those...</a:t>
+            </a:r>
+          </a:p>
+          <a:p>
+            <a:pPr marL="228600" indent="-228600">
+              <a:buFont typeface="+mj-lt"/>
+              <a:buAutoNum type="arabicPeriod"/>
+            </a:pPr>
+            <a:r>
+              <a:rPr lang="en-US" i="0" dirty="0"/>
+              <a:t>This send construct tells us that we’re sending “y” over “x”, but it also tells us that we continue as two independent </a:t>
+            </a:r>
+            <a:r>
+              <a:rPr lang="en-US" i="0"/>
+              <a:t>parallel processes!</a:t>
+            </a:r>
+            <a:endParaRPr lang="en-US" i="1"/>
+          </a:p>
+        </p:txBody>
+      </p:sp>
+      <p:sp>
+        <p:nvSpPr>
+          <p:cNvPr id="4" name="Slide Number Placeholder 3"/>
+          <p:cNvSpPr>
+            <a:spLocks noGrp="1"/>
+          </p:cNvSpPr>
+          <p:nvPr>
+            <p:ph type="sldNum" sz="quarter" idx="10"/>
+          </p:nvPr>
+        </p:nvSpPr>
+        <p:spPr/>
+        <p:txBody>
+          <a:bodyPr/>
+          <a:lstStyle/>
+          <a:p>
+            <a:fld id="{DFE3F239-427C-A149-8C48-8C46C7B53C32}" type="slidenum">
+              <a:rPr lang="en-US" smtClean="0"/>
+              <a:t>3</a:t>
+            </a:fld>
+            <a:endParaRPr lang="en-US"/>
+          </a:p>
+        </p:txBody>
+      </p:sp>
+    </p:spTree>
+    <p:extLst>
+      <p:ext uri="{BB962C8B-B14F-4D97-AF65-F5344CB8AC3E}">
+        <p14:creationId xmlns:p14="http://schemas.microsoft.com/office/powerpoint/2010/main" val="1258089110"/>
       </p:ext>
     </p:extLst>
   </p:cSld>
@@ -5597,7 +5755,7 @@
           <p:nvPr/>
         </p:nvPicPr>
         <p:blipFill>
-          <a:blip r:embed="rId2"/>
+          <a:blip r:embed="rId3"/>
           <a:stretch>
             <a:fillRect/>
           </a:stretch>
@@ -5627,7 +5785,7 @@
           <p:nvPr/>
         </p:nvPicPr>
         <p:blipFill>
-          <a:blip r:embed="rId3"/>
+          <a:blip r:embed="rId4"/>
           <a:stretch>
             <a:fillRect/>
           </a:stretch>
@@ -5657,7 +5815,7 @@
           <p:nvPr/>
         </p:nvPicPr>
         <p:blipFill>
-          <a:blip r:embed="rId4"/>
+          <a:blip r:embed="rId5"/>
           <a:stretch>
             <a:fillRect/>
           </a:stretch>

--- a/doc/slides/main.pptx
+++ b/doc/slides/main.pptx
@@ -5,12 +5,24 @@
     <p:sldMasterId id="2147483648" r:id="rId1"/>
   </p:sldMasterIdLst>
   <p:notesMasterIdLst>
-    <p:notesMasterId r:id="rId5"/>
+    <p:notesMasterId r:id="rId17"/>
   </p:notesMasterIdLst>
   <p:sldIdLst>
     <p:sldId id="256" r:id="rId2"/>
-    <p:sldId id="257" r:id="rId3"/>
-    <p:sldId id="259" r:id="rId4"/>
+    <p:sldId id="266" r:id="rId3"/>
+    <p:sldId id="267" r:id="rId4"/>
+    <p:sldId id="257" r:id="rId5"/>
+    <p:sldId id="259" r:id="rId6"/>
+    <p:sldId id="260" r:id="rId7"/>
+    <p:sldId id="261" r:id="rId8"/>
+    <p:sldId id="262" r:id="rId9"/>
+    <p:sldId id="270" r:id="rId10"/>
+    <p:sldId id="263" r:id="rId11"/>
+    <p:sldId id="264" r:id="rId12"/>
+    <p:sldId id="265" r:id="rId13"/>
+    <p:sldId id="268" r:id="rId14"/>
+    <p:sldId id="269" r:id="rId15"/>
+    <p:sldId id="271" r:id="rId16"/>
   </p:sldIdLst>
   <p:sldSz cx="12192000" cy="6858000"/>
   <p:notesSz cx="6858000" cy="9144000"/>
@@ -109,6 +121,11 @@
       </a:defRPr>
     </a:lvl9pPr>
   </p:defaultTextStyle>
+  <p:extLst>
+    <p:ext uri="{EFAFB233-063F-42B5-8137-9DF3F51BA10A}">
+      <p15:sldGuideLst xmlns:p15="http://schemas.microsoft.com/office/powerpoint/2012/main"/>
+    </p:ext>
+  </p:extLst>
 </p:presentation>
 </file>
 
@@ -157,11 +174,13 @@
           <a:bodyPr vert="horz" lIns="91440" tIns="45720" rIns="91440" bIns="45720" rtlCol="0"/>
           <a:lstStyle>
             <a:lvl1pPr algn="l">
-              <a:defRPr sz="1200"/>
+              <a:defRPr sz="1200" b="1" i="0">
+                <a:latin typeface="Helvetica Rounded Bold" pitchFamily="2" charset="77"/>
+              </a:defRPr>
             </a:lvl1pPr>
           </a:lstStyle>
           <a:p>
-            <a:endParaRPr lang="en-US"/>
+            <a:endParaRPr lang="en-US" dirty="0"/>
           </a:p>
         </p:txBody>
       </p:sp>
@@ -188,15 +207,18 @@
           <a:bodyPr vert="horz" lIns="91440" tIns="45720" rIns="91440" bIns="45720" rtlCol="0"/>
           <a:lstStyle>
             <a:lvl1pPr algn="r">
-              <a:defRPr sz="1200"/>
+              <a:defRPr sz="1200" b="1" i="0">
+                <a:latin typeface="Helvetica Rounded Bold" pitchFamily="2" charset="77"/>
+              </a:defRPr>
             </a:lvl1pPr>
           </a:lstStyle>
           <a:p>
             <a:fld id="{A655CB7A-8085-8A45-BE17-D2630B9F2550}" type="datetimeFigureOut">
               <a:rPr lang="en-US" smtClean="0"/>
-              <a:t>5/29/18</a:t>
+              <a:pPr/>
+              <a:t>6/4/18</a:t>
             </a:fld>
-            <a:endParaRPr lang="en-US"/>
+            <a:endParaRPr lang="en-US" dirty="0"/>
           </a:p>
         </p:txBody>
       </p:sp>
@@ -229,7 +251,7 @@
           <a:bodyPr vert="horz" lIns="91440" tIns="45720" rIns="91440" bIns="45720" rtlCol="0" anchor="ctr"/>
           <a:lstStyle/>
           <a:p>
-            <a:endParaRPr lang="en-US"/>
+            <a:endParaRPr lang="en-US" dirty="0"/>
           </a:p>
         </p:txBody>
       </p:sp>
@@ -258,35 +280,35 @@
           <a:p>
             <a:pPr lvl="0"/>
             <a:r>
-              <a:rPr lang="en-US"/>
+              <a:rPr lang="en-US" dirty="0"/>
               <a:t>Edit Master text styles</a:t>
             </a:r>
           </a:p>
           <a:p>
             <a:pPr lvl="1"/>
             <a:r>
-              <a:rPr lang="en-US"/>
+              <a:rPr lang="en-US" dirty="0"/>
               <a:t>Second level</a:t>
             </a:r>
           </a:p>
           <a:p>
             <a:pPr lvl="2"/>
             <a:r>
-              <a:rPr lang="en-US"/>
+              <a:rPr lang="en-US" dirty="0"/>
               <a:t>Third level</a:t>
             </a:r>
           </a:p>
           <a:p>
             <a:pPr lvl="3"/>
             <a:r>
-              <a:rPr lang="en-US"/>
+              <a:rPr lang="en-US" dirty="0"/>
               <a:t>Fourth level</a:t>
             </a:r>
           </a:p>
           <a:p>
             <a:pPr lvl="4"/>
             <a:r>
-              <a:rPr lang="en-US"/>
+              <a:rPr lang="en-US" dirty="0"/>
               <a:t>Fifth level</a:t>
             </a:r>
           </a:p>
@@ -315,11 +337,13 @@
           <a:bodyPr vert="horz" lIns="91440" tIns="45720" rIns="91440" bIns="45720" rtlCol="0" anchor="b"/>
           <a:lstStyle>
             <a:lvl1pPr algn="l">
-              <a:defRPr sz="1200"/>
+              <a:defRPr sz="1200" b="1" i="0">
+                <a:latin typeface="Helvetica Rounded Bold" pitchFamily="2" charset="77"/>
+              </a:defRPr>
             </a:lvl1pPr>
           </a:lstStyle>
           <a:p>
-            <a:endParaRPr lang="en-US"/>
+            <a:endParaRPr lang="en-US" dirty="0"/>
           </a:p>
         </p:txBody>
       </p:sp>
@@ -346,15 +370,18 @@
           <a:bodyPr vert="horz" lIns="91440" tIns="45720" rIns="91440" bIns="45720" rtlCol="0" anchor="b"/>
           <a:lstStyle>
             <a:lvl1pPr algn="r">
-              <a:defRPr sz="1200"/>
+              <a:defRPr sz="1200" b="1" i="0">
+                <a:latin typeface="Helvetica Rounded Bold" pitchFamily="2" charset="77"/>
+              </a:defRPr>
             </a:lvl1pPr>
           </a:lstStyle>
           <a:p>
             <a:fld id="{DFE3F239-427C-A149-8C48-8C46C7B53C32}" type="slidenum">
               <a:rPr lang="en-US" smtClean="0"/>
+              <a:pPr/>
               <a:t>‹#›</a:t>
             </a:fld>
-            <a:endParaRPr lang="en-US"/>
+            <a:endParaRPr lang="en-US" dirty="0"/>
           </a:p>
         </p:txBody>
       </p:sp>
@@ -368,51 +395,51 @@
   <p:clrMap bg1="lt1" tx1="dk1" bg2="lt2" tx2="dk2" accent1="accent1" accent2="accent2" accent3="accent3" accent4="accent4" accent5="accent5" accent6="accent6" hlink="hlink" folHlink="folHlink"/>
   <p:notesStyle>
     <a:lvl1pPr marL="0" algn="l" defTabSz="914400" rtl="0" eaLnBrk="1" latinLnBrk="0" hangingPunct="1">
-      <a:defRPr sz="1200" kern="1200">
+      <a:defRPr sz="1200" b="1" i="0" kern="1200">
         <a:solidFill>
           <a:schemeClr val="tx1"/>
         </a:solidFill>
-        <a:latin typeface="+mn-lt"/>
+        <a:latin typeface="Helvetica Rounded Bold" pitchFamily="2" charset="77"/>
         <a:ea typeface="+mn-ea"/>
         <a:cs typeface="+mn-cs"/>
       </a:defRPr>
     </a:lvl1pPr>
     <a:lvl2pPr marL="457200" algn="l" defTabSz="914400" rtl="0" eaLnBrk="1" latinLnBrk="0" hangingPunct="1">
-      <a:defRPr sz="1200" kern="1200">
+      <a:defRPr sz="1200" b="1" i="0" kern="1200">
         <a:solidFill>
           <a:schemeClr val="tx1"/>
         </a:solidFill>
-        <a:latin typeface="+mn-lt"/>
+        <a:latin typeface="Helvetica Rounded Bold" pitchFamily="2" charset="77"/>
         <a:ea typeface="+mn-ea"/>
         <a:cs typeface="+mn-cs"/>
       </a:defRPr>
     </a:lvl2pPr>
     <a:lvl3pPr marL="914400" algn="l" defTabSz="914400" rtl="0" eaLnBrk="1" latinLnBrk="0" hangingPunct="1">
-      <a:defRPr sz="1200" kern="1200">
+      <a:defRPr sz="1200" b="1" i="0" kern="1200">
         <a:solidFill>
           <a:schemeClr val="tx1"/>
         </a:solidFill>
-        <a:latin typeface="+mn-lt"/>
+        <a:latin typeface="Helvetica Rounded Bold" pitchFamily="2" charset="77"/>
         <a:ea typeface="+mn-ea"/>
         <a:cs typeface="+mn-cs"/>
       </a:defRPr>
     </a:lvl3pPr>
     <a:lvl4pPr marL="1371600" algn="l" defTabSz="914400" rtl="0" eaLnBrk="1" latinLnBrk="0" hangingPunct="1">
-      <a:defRPr sz="1200" kern="1200">
+      <a:defRPr sz="1200" b="1" i="0" kern="1200">
         <a:solidFill>
           <a:schemeClr val="tx1"/>
         </a:solidFill>
-        <a:latin typeface="+mn-lt"/>
+        <a:latin typeface="Helvetica Rounded Bold" pitchFamily="2" charset="77"/>
         <a:ea typeface="+mn-ea"/>
         <a:cs typeface="+mn-cs"/>
       </a:defRPr>
     </a:lvl4pPr>
     <a:lvl5pPr marL="1828800" algn="l" defTabSz="914400" rtl="0" eaLnBrk="1" latinLnBrk="0" hangingPunct="1">
-      <a:defRPr sz="1200" kern="1200">
+      <a:defRPr sz="1200" b="1" i="0" kern="1200">
         <a:solidFill>
           <a:schemeClr val="tx1"/>
         </a:solidFill>
-        <a:latin typeface="+mn-lt"/>
+        <a:latin typeface="Helvetica Rounded Bold" pitchFamily="2" charset="77"/>
         <a:ea typeface="+mn-ea"/>
         <a:cs typeface="+mn-cs"/>
       </a:defRPr>
@@ -505,36 +532,62 @@
           <a:bodyPr/>
           <a:lstStyle/>
           <a:p>
+            <a:pPr marL="228600" indent="-228600">
+              <a:buFont typeface="+mj-lt"/>
+              <a:buAutoNum type="arabicPeriod"/>
+            </a:pPr>
             <a:r>
-              <a:rPr lang="en-US" dirty="0"/>
+              <a:rPr lang="en-US" sz="1800" b="0" dirty="0">
+                <a:latin typeface="Helvetica" pitchFamily="2" charset="0"/>
+              </a:rPr>
               <a:t>Talking about ”Taking Linear Logic Apart”... </a:t>
             </a:r>
           </a:p>
           <a:p>
+            <a:pPr marL="228600" indent="-228600">
+              <a:buFont typeface="+mj-lt"/>
+              <a:buAutoNum type="arabicPeriod"/>
+            </a:pPr>
             <a:r>
-              <a:rPr lang="en-US" dirty="0"/>
+              <a:rPr lang="en-US" sz="1800" b="0" dirty="0">
+                <a:latin typeface="Helvetica" pitchFamily="2" charset="0"/>
+              </a:rPr>
               <a:t>We’ll see what that means in a second.</a:t>
             </a:r>
           </a:p>
           <a:p>
+            <a:pPr marL="228600" indent="-228600">
+              <a:buFont typeface="+mj-lt"/>
+              <a:buAutoNum type="arabicPeriod"/>
+            </a:pPr>
             <a:r>
-              <a:rPr lang="en-US" dirty="0"/>
+              <a:rPr lang="en-US" sz="1800" b="0" dirty="0">
+                <a:latin typeface="Helvetica" pitchFamily="2" charset="0"/>
+              </a:rPr>
               <a:t>Joint work with Fabrizio </a:t>
             </a:r>
             <a:r>
-              <a:rPr lang="en-US" dirty="0" err="1"/>
+              <a:rPr lang="en-US" sz="1800" b="0" dirty="0" err="1">
+                <a:latin typeface="Helvetica" pitchFamily="2" charset="0"/>
+              </a:rPr>
               <a:t>Montesi</a:t>
             </a:r>
             <a:r>
-              <a:rPr lang="en-US" dirty="0"/>
+              <a:rPr lang="en-US" sz="1800" b="0" dirty="0">
+                <a:latin typeface="Helvetica" pitchFamily="2" charset="0"/>
+              </a:rPr>
               <a:t> and Marco </a:t>
             </a:r>
             <a:r>
-              <a:rPr lang="en-US" dirty="0" err="1"/>
+              <a:rPr lang="en-US" sz="1800" b="0" dirty="0" err="1">
+                <a:latin typeface="Helvetica" pitchFamily="2" charset="0"/>
+              </a:rPr>
               <a:t>Peressotti</a:t>
             </a:r>
             <a:r>
-              <a:rPr lang="en-US" dirty="0"/>
+              <a:rPr lang="en-US" sz="1800" b="0" dirty="0">
+                <a:latin typeface="Helvetica" pitchFamily="2" charset="0"/>
+              </a:rPr>
               <a:t>, who couldn’t be here today, because they live in Denmark.</a:t>
             </a:r>
           </a:p>
@@ -625,8 +678,43 @@
               <a:buAutoNum type="arabicPeriod"/>
             </a:pPr>
             <a:r>
-              <a:rPr lang="en-US" dirty="0"/>
-              <a:t>So... Like all good presentations, let’s start with an example... In this case, me, sending an email, to my supervisor!</a:t>
+              <a:rPr lang="en-US" sz="1800" b="0" dirty="0">
+                <a:latin typeface="Helvetica" pitchFamily="2" charset="0"/>
+              </a:rPr>
+              <a:t>So... </a:t>
+            </a:r>
+            <a:br>
+              <a:rPr lang="en-US" sz="1800" b="0" dirty="0">
+                <a:latin typeface="Helvetica" pitchFamily="2" charset="0"/>
+              </a:rPr>
+            </a:br>
+            <a:r>
+              <a:rPr lang="en-US" sz="1800" b="0" dirty="0">
+                <a:latin typeface="Helvetica" pitchFamily="2" charset="0"/>
+              </a:rPr>
+              <a:t>Like all good presentations, let’s start with an example... </a:t>
+            </a:r>
+            <a:br>
+              <a:rPr lang="en-US" sz="1800" b="0" dirty="0">
+                <a:latin typeface="Helvetica" pitchFamily="2" charset="0"/>
+              </a:rPr>
+            </a:br>
+            <a:r>
+              <a:rPr lang="en-US" sz="1800" b="0" dirty="0">
+                <a:latin typeface="Helvetica" pitchFamily="2" charset="0"/>
+              </a:rPr>
+              <a:t>In this case, me, sending an email, to my supervisor!</a:t>
+            </a:r>
+            <a:br>
+              <a:rPr lang="en-US" sz="1800" b="0" dirty="0">
+                <a:latin typeface="Helvetica" pitchFamily="2" charset="0"/>
+              </a:rPr>
+            </a:br>
+            <a:r>
+              <a:rPr lang="en-US" sz="1800" b="0" dirty="0">
+                <a:latin typeface="Helvetica" pitchFamily="2" charset="0"/>
+              </a:rPr>
+              <a:t>We’re writing in CP, which is a process calculus with a strong correspondence to linear logic. </a:t>
             </a:r>
           </a:p>
           <a:p>
@@ -635,7 +723,20 @@
               <a:buAutoNum type="arabicPeriod"/>
             </a:pPr>
             <a:r>
-              <a:rPr lang="en-US" dirty="0"/>
+              <a:rPr lang="en-US" sz="1800" b="0" dirty="0">
+                <a:latin typeface="Helvetica" pitchFamily="2" charset="0"/>
+              </a:rPr>
+              <a:t>So...</a:t>
+            </a:r>
+            <a:br>
+              <a:rPr lang="en-US" sz="1800" b="0" dirty="0">
+                <a:latin typeface="Helvetica" pitchFamily="2" charset="0"/>
+              </a:rPr>
+            </a:br>
+            <a:r>
+              <a:rPr lang="en-US" sz="1800" b="0" dirty="0">
+                <a:latin typeface="Helvetica" pitchFamily="2" charset="0"/>
+              </a:rPr>
               <a:t>That’s me!</a:t>
             </a:r>
           </a:p>
@@ -645,7 +746,9 @@
               <a:buAutoNum type="arabicPeriod"/>
             </a:pPr>
             <a:r>
-              <a:rPr lang="en-US" dirty="0"/>
+              <a:rPr lang="en-US" sz="1800" b="0" dirty="0">
+                <a:latin typeface="Helvetica" pitchFamily="2" charset="0"/>
+              </a:rPr>
               <a:t>And that’s my supervisor...</a:t>
             </a:r>
           </a:p>
@@ -655,7 +758,9 @@
               <a:buAutoNum type="arabicPeriod"/>
             </a:pPr>
             <a:r>
-              <a:rPr lang="en-US" dirty="0"/>
+              <a:rPr lang="en-US" sz="1800" b="0" dirty="0">
+                <a:latin typeface="Helvetica" pitchFamily="2" charset="0"/>
+              </a:rPr>
               <a:t>That’s the email I wrote...</a:t>
             </a:r>
           </a:p>
@@ -665,7 +770,9 @@
               <a:buAutoNum type="arabicPeriod"/>
             </a:pPr>
             <a:r>
-              <a:rPr lang="en-US" dirty="0"/>
+              <a:rPr lang="en-US" sz="1800" b="0" dirty="0">
+                <a:latin typeface="Helvetica" pitchFamily="2" charset="0"/>
+              </a:rPr>
               <a:t>And that’s me, continuing to do some work after I send the email...</a:t>
             </a:r>
           </a:p>
@@ -675,7 +782,9 @@
               <a:buAutoNum type="arabicPeriod"/>
             </a:pPr>
             <a:r>
-              <a:rPr lang="en-US" dirty="0"/>
+              <a:rPr lang="en-US" sz="1800" b="0" dirty="0">
+                <a:latin typeface="Helvetica" pitchFamily="2" charset="0"/>
+              </a:rPr>
               <a:t>Or going climbing...</a:t>
             </a:r>
           </a:p>
@@ -685,15 +794,21 @@
               <a:buAutoNum type="arabicPeriod"/>
             </a:pPr>
             <a:r>
-              <a:rPr lang="en-US" dirty="0"/>
+              <a:rPr lang="en-US" sz="1800" b="0" dirty="0">
+                <a:latin typeface="Helvetica" pitchFamily="2" charset="0"/>
+              </a:rPr>
               <a:t>Or doing whatever... The point is, we don’t really care about what I do </a:t>
             </a:r>
             <a:r>
-              <a:rPr lang="en-US" i="1" dirty="0"/>
+              <a:rPr lang="en-US" sz="1800" b="0" i="1" dirty="0">
+                <a:latin typeface="Helvetica" pitchFamily="2" charset="0"/>
+              </a:rPr>
               <a:t>after</a:t>
             </a:r>
             <a:r>
-              <a:rPr lang="en-US" i="0" dirty="0"/>
+              <a:rPr lang="en-US" sz="1800" b="0" i="0" dirty="0">
+                <a:latin typeface="Helvetica" pitchFamily="2" charset="0"/>
+              </a:rPr>
               <a:t> I send the email...</a:t>
             </a:r>
           </a:p>
@@ -703,7 +818,9 @@
               <a:buAutoNum type="arabicPeriod"/>
             </a:pPr>
             <a:r>
-              <a:rPr lang="en-US" dirty="0"/>
+              <a:rPr lang="en-US" sz="1800" b="0" dirty="0">
+                <a:latin typeface="Helvetica" pitchFamily="2" charset="0"/>
+              </a:rPr>
               <a:t>So that “y”, that’s a channel which gives you access to the email. In essence, what I’m doing when I write an email is, I’m forking off a process which represents the data of the email, and then I’m giving my supervisor access to it...</a:t>
             </a:r>
           </a:p>
@@ -713,7 +830,9 @@
               <a:buAutoNum type="arabicPeriod"/>
             </a:pPr>
             <a:r>
-              <a:rPr lang="en-US" dirty="0"/>
+              <a:rPr lang="en-US" sz="1800" b="0" dirty="0">
+                <a:latin typeface="Helvetica" pitchFamily="2" charset="0"/>
+              </a:rPr>
               <a:t>And that “x”, well, that’s for future communication with me....</a:t>
             </a:r>
           </a:p>
@@ -736,7 +855,7 @@
           <a:p>
             <a:fld id="{DFE3F239-427C-A149-8C48-8C46C7B53C32}" type="slidenum">
               <a:rPr lang="en-US" smtClean="0"/>
-              <a:t>2</a:t>
+              <a:t>4</a:t>
             </a:fld>
             <a:endParaRPr lang="en-US"/>
           </a:p>
@@ -804,7 +923,9 @@
               <a:buAutoNum type="arabicPeriod"/>
             </a:pPr>
             <a:r>
-              <a:rPr lang="en-US" dirty="0"/>
+              <a:rPr lang="en-US" sz="1800" b="0" dirty="0">
+                <a:latin typeface="Helvetica" pitchFamily="2" charset="0"/>
+              </a:rPr>
               <a:t>There’s one bit of syntax which we haven’t addressed yet.</a:t>
             </a:r>
           </a:p>
@@ -814,7 +935,9 @@
               <a:buAutoNum type="arabicPeriod"/>
             </a:pPr>
             <a:r>
-              <a:rPr lang="en-US" dirty="0"/>
+              <a:rPr lang="en-US" sz="1800" b="0" dirty="0">
+                <a:latin typeface="Helvetica" pitchFamily="2" charset="0"/>
+              </a:rPr>
               <a:t>What’s this cruft?</a:t>
             </a:r>
           </a:p>
@@ -824,7 +947,9 @@
               <a:buAutoNum type="arabicPeriod"/>
             </a:pPr>
             <a:r>
-              <a:rPr lang="en-US" dirty="0"/>
+              <a:rPr lang="en-US" sz="1800" b="0" dirty="0">
+                <a:latin typeface="Helvetica" pitchFamily="2" charset="0"/>
+              </a:rPr>
               <a:t>We’ll, it says that we’ve got a shared communication channel called “x”, and that we’re two processes living in parallel.</a:t>
             </a:r>
           </a:p>
@@ -834,7 +959,9 @@
               <a:buAutoNum type="arabicPeriod"/>
             </a:pPr>
             <a:r>
-              <a:rPr lang="en-US" dirty="0"/>
+              <a:rPr lang="en-US" sz="1800" b="0" dirty="0">
+                <a:latin typeface="Helvetica" pitchFamily="2" charset="0"/>
+              </a:rPr>
               <a:t>What’s the problem with this?</a:t>
             </a:r>
           </a:p>
@@ -844,19 +971,27 @@
               <a:buAutoNum type="arabicPeriod"/>
             </a:pPr>
             <a:r>
-              <a:rPr lang="en-US" i="1" dirty="0"/>
+              <a:rPr lang="en-US" sz="1800" b="0" i="1" dirty="0">
+                <a:latin typeface="Helvetica" pitchFamily="2" charset="0"/>
+              </a:rPr>
               <a:t>That’s</a:t>
             </a:r>
             <a:r>
-              <a:rPr lang="en-US" i="0" dirty="0"/>
+              <a:rPr lang="en-US" sz="1800" b="0" i="0" dirty="0">
+                <a:latin typeface="Helvetica" pitchFamily="2" charset="0"/>
+              </a:rPr>
               <a:t> the problem with this. This thing is a single, </a:t>
             </a:r>
             <a:r>
-              <a:rPr lang="en-US" i="1" dirty="0"/>
+              <a:rPr lang="en-US" sz="1800" b="0" i="1" dirty="0">
+                <a:latin typeface="Helvetica" pitchFamily="2" charset="0"/>
+              </a:rPr>
               <a:t>atomic</a:t>
             </a:r>
             <a:r>
-              <a:rPr lang="en-US" i="0" dirty="0"/>
+              <a:rPr lang="en-US" sz="1800" b="0" i="0" dirty="0">
+                <a:latin typeface="Helvetica" pitchFamily="2" charset="0"/>
+              </a:rPr>
               <a:t> construct, but it’s doing two different jobs! And actually, we have another one of those...</a:t>
             </a:r>
           </a:p>
@@ -866,14 +1001,14 @@
               <a:buAutoNum type="arabicPeriod"/>
             </a:pPr>
             <a:r>
-              <a:rPr lang="en-US" i="0" dirty="0"/>
-              <a:t>This send construct tells us that we’re sending “y” over “x”, but it also tells us that we continue as two independent </a:t>
+              <a:rPr lang="en-US" sz="1800" b="0" i="0" dirty="0">
+                <a:latin typeface="Helvetica" pitchFamily="2" charset="0"/>
+              </a:rPr>
+              <a:t>This send construct tells us that we’re sending “y” over “x”, but it also tells us that we continue as two independent parallel processes!</a:t>
             </a:r>
-            <a:r>
-              <a:rPr lang="en-US" i="0"/>
-              <a:t>parallel processes!</a:t>
-            </a:r>
-            <a:endParaRPr lang="en-US" i="1"/>
+            <a:endParaRPr lang="en-US" sz="1800" b="0" i="1" dirty="0">
+              <a:latin typeface="Helvetica" pitchFamily="2" charset="0"/>
+            </a:endParaRPr>
           </a:p>
         </p:txBody>
       </p:sp>
@@ -894,7 +1029,7 @@
           <a:p>
             <a:fld id="{DFE3F239-427C-A149-8C48-8C46C7B53C32}" type="slidenum">
               <a:rPr lang="en-US" smtClean="0"/>
-              <a:t>3</a:t>
+              <a:t>5</a:t>
             </a:fld>
             <a:endParaRPr lang="en-US"/>
           </a:p>
@@ -904,6 +1039,448 @@
     <p:extLst>
       <p:ext uri="{BB962C8B-B14F-4D97-AF65-F5344CB8AC3E}">
         <p14:creationId xmlns:p14="http://schemas.microsoft.com/office/powerpoint/2010/main" val="1258089110"/>
+      </p:ext>
+    </p:extLst>
+  </p:cSld>
+  <p:clrMapOvr>
+    <a:masterClrMapping/>
+  </p:clrMapOvr>
+</p:notes>
+</file>
+
+<file path=ppt/notesSlides/notesSlide4.xml><?xml version="1.0" encoding="utf-8"?>
+<p:notes xmlns:a="http://schemas.openxmlformats.org/drawingml/2006/main" xmlns:r="http://schemas.openxmlformats.org/officeDocument/2006/relationships" xmlns:p="http://schemas.openxmlformats.org/presentationml/2006/main">
+  <p:cSld>
+    <p:spTree>
+      <p:nvGrpSpPr>
+        <p:cNvPr id="1" name=""/>
+        <p:cNvGrpSpPr/>
+        <p:nvPr/>
+      </p:nvGrpSpPr>
+      <p:grpSpPr>
+        <a:xfrm>
+          <a:off x="0" y="0"/>
+          <a:ext cx="0" cy="0"/>
+          <a:chOff x="0" y="0"/>
+          <a:chExt cx="0" cy="0"/>
+        </a:xfrm>
+      </p:grpSpPr>
+      <p:sp>
+        <p:nvSpPr>
+          <p:cNvPr id="2" name="Slide Image Placeholder 1"/>
+          <p:cNvSpPr>
+            <a:spLocks noGrp="1" noRot="1" noChangeAspect="1"/>
+          </p:cNvSpPr>
+          <p:nvPr>
+            <p:ph type="sldImg"/>
+          </p:nvPr>
+        </p:nvSpPr>
+        <p:spPr/>
+      </p:sp>
+      <p:sp>
+        <p:nvSpPr>
+          <p:cNvPr id="3" name="Notes Placeholder 2"/>
+          <p:cNvSpPr>
+            <a:spLocks noGrp="1"/>
+          </p:cNvSpPr>
+          <p:nvPr>
+            <p:ph type="body" idx="1"/>
+          </p:nvPr>
+        </p:nvSpPr>
+        <p:spPr/>
+        <p:txBody>
+          <a:bodyPr/>
+          <a:lstStyle/>
+          <a:p>
+            <a:pPr marL="228600" indent="-228600">
+              <a:buFont typeface="+mj-lt"/>
+              <a:buAutoNum type="arabicPeriod"/>
+            </a:pPr>
+            <a:r>
+              <a:rPr lang="en-US" b="0" dirty="0"/>
+              <a:t>If we look at the term syntax for CP, we see that there’s actually three of these things.</a:t>
+            </a:r>
+            <a:br>
+              <a:rPr lang="en-US" b="0" dirty="0"/>
+            </a:br>
+            <a:r>
+              <a:rPr lang="en-US" b="0" dirty="0"/>
+              <a:t>That third one sends a ping </a:t>
+            </a:r>
+            <a:r>
+              <a:rPr lang="en-US" b="0" i="1" dirty="0"/>
+              <a:t>and</a:t>
+            </a:r>
+            <a:r>
+              <a:rPr lang="en-US" b="0" dirty="0"/>
+              <a:t> halts.</a:t>
+            </a:r>
+            <a:br>
+              <a:rPr lang="en-US" b="0" dirty="0"/>
+            </a:br>
+            <a:r>
+              <a:rPr lang="en-US" b="0" dirty="0"/>
+              <a:t>Makes for less interesting examples.</a:t>
+            </a:r>
+            <a:br>
+              <a:rPr lang="en-US" b="0" dirty="0"/>
+            </a:br>
+            <a:r>
+              <a:rPr lang="en-US" b="0" dirty="0"/>
+              <a:t>Anyway...</a:t>
+            </a:r>
+            <a:br>
+              <a:rPr lang="en-US" b="0" dirty="0"/>
+            </a:br>
+            <a:r>
+              <a:rPr lang="en-US" b="0" dirty="0"/>
+              <a:t>We’ve got all these atomic constructs that do one thing </a:t>
+            </a:r>
+            <a:r>
+              <a:rPr lang="en-US" b="0" i="1" dirty="0"/>
+              <a:t>and</a:t>
+            </a:r>
+            <a:r>
+              <a:rPr lang="en-US" b="0" i="0" dirty="0"/>
+              <a:t> another thing.</a:t>
+            </a:r>
+            <a:br>
+              <a:rPr lang="en-US" b="0" i="0" dirty="0"/>
+            </a:br>
+            <a:r>
+              <a:rPr lang="en-US" b="0" i="0" dirty="0"/>
+              <a:t>And to make matters worse, for two of them, that second thing is </a:t>
+            </a:r>
+            <a:r>
+              <a:rPr lang="en-US" b="0" i="1" dirty="0"/>
+              <a:t>the same</a:t>
+            </a:r>
+            <a:r>
+              <a:rPr lang="en-US" b="0" i="0" dirty="0"/>
+              <a:t>.</a:t>
+            </a:r>
+          </a:p>
+          <a:p>
+            <a:pPr marL="228600" indent="-228600">
+              <a:buFont typeface="+mj-lt"/>
+              <a:buAutoNum type="arabicPeriod"/>
+            </a:pPr>
+            <a:r>
+              <a:rPr lang="en-US" b="0" dirty="0"/>
+              <a:t>So...</a:t>
+            </a:r>
+            <a:br>
+              <a:rPr lang="en-US" b="0" dirty="0"/>
+            </a:br>
+            <a:r>
+              <a:rPr lang="en-US" b="0" dirty="0"/>
+              <a:t>We’d rather have something like this.</a:t>
+            </a:r>
+            <a:br>
+              <a:rPr lang="en-US" b="0" dirty="0"/>
+            </a:br>
+            <a:r>
+              <a:rPr lang="en-US" b="0" dirty="0"/>
+              <a:t>Where we have a single construct for parallel composition.</a:t>
+            </a:r>
+            <a:br>
+              <a:rPr lang="en-US" b="0" dirty="0"/>
+            </a:br>
+            <a:r>
+              <a:rPr lang="en-US" b="0" dirty="0"/>
+              <a:t>And every atomic construct really only does </a:t>
+            </a:r>
+            <a:r>
+              <a:rPr lang="en-US" b="0" i="1" dirty="0"/>
+              <a:t>one thing.</a:t>
+            </a:r>
+            <a:endParaRPr lang="en-US" b="0" dirty="0"/>
+          </a:p>
+        </p:txBody>
+      </p:sp>
+      <p:sp>
+        <p:nvSpPr>
+          <p:cNvPr id="4" name="Slide Number Placeholder 3"/>
+          <p:cNvSpPr>
+            <a:spLocks noGrp="1"/>
+          </p:cNvSpPr>
+          <p:nvPr>
+            <p:ph type="sldNum" sz="quarter" idx="10"/>
+          </p:nvPr>
+        </p:nvSpPr>
+        <p:spPr/>
+        <p:txBody>
+          <a:bodyPr/>
+          <a:lstStyle/>
+          <a:p>
+            <a:fld id="{DFE3F239-427C-A149-8C48-8C46C7B53C32}" type="slidenum">
+              <a:rPr lang="en-US" smtClean="0"/>
+              <a:pPr/>
+              <a:t>6</a:t>
+            </a:fld>
+            <a:endParaRPr lang="en-US" dirty="0"/>
+          </a:p>
+        </p:txBody>
+      </p:sp>
+    </p:spTree>
+    <p:extLst>
+      <p:ext uri="{BB962C8B-B14F-4D97-AF65-F5344CB8AC3E}">
+        <p14:creationId xmlns:p14="http://schemas.microsoft.com/office/powerpoint/2010/main" val="4292143888"/>
+      </p:ext>
+    </p:extLst>
+  </p:cSld>
+  <p:clrMapOvr>
+    <a:masterClrMapping/>
+  </p:clrMapOvr>
+</p:notes>
+</file>
+
+<file path=ppt/notesSlides/notesSlide5.xml><?xml version="1.0" encoding="utf-8"?>
+<p:notes xmlns:a="http://schemas.openxmlformats.org/drawingml/2006/main" xmlns:r="http://schemas.openxmlformats.org/officeDocument/2006/relationships" xmlns:p="http://schemas.openxmlformats.org/presentationml/2006/main">
+  <p:cSld>
+    <p:spTree>
+      <p:nvGrpSpPr>
+        <p:cNvPr id="1" name=""/>
+        <p:cNvGrpSpPr/>
+        <p:nvPr/>
+      </p:nvGrpSpPr>
+      <p:grpSpPr>
+        <a:xfrm>
+          <a:off x="0" y="0"/>
+          <a:ext cx="0" cy="0"/>
+          <a:chOff x="0" y="0"/>
+          <a:chExt cx="0" cy="0"/>
+        </a:xfrm>
+      </p:grpSpPr>
+      <p:sp>
+        <p:nvSpPr>
+          <p:cNvPr id="2" name="Slide Image Placeholder 1"/>
+          <p:cNvSpPr>
+            <a:spLocks noGrp="1" noRot="1" noChangeAspect="1"/>
+          </p:cNvSpPr>
+          <p:nvPr>
+            <p:ph type="sldImg"/>
+          </p:nvPr>
+        </p:nvSpPr>
+        <p:spPr/>
+      </p:sp>
+      <p:sp>
+        <p:nvSpPr>
+          <p:cNvPr id="3" name="Notes Placeholder 2"/>
+          <p:cNvSpPr>
+            <a:spLocks noGrp="1"/>
+          </p:cNvSpPr>
+          <p:nvPr>
+            <p:ph type="body" idx="1"/>
+          </p:nvPr>
+        </p:nvSpPr>
+        <p:spPr/>
+        <p:txBody>
+          <a:bodyPr/>
+          <a:lstStyle/>
+          <a:p>
+            <a:endParaRPr lang="en-US" dirty="0"/>
+          </a:p>
+        </p:txBody>
+      </p:sp>
+      <p:sp>
+        <p:nvSpPr>
+          <p:cNvPr id="4" name="Slide Number Placeholder 3"/>
+          <p:cNvSpPr>
+            <a:spLocks noGrp="1"/>
+          </p:cNvSpPr>
+          <p:nvPr>
+            <p:ph type="sldNum" sz="quarter" idx="10"/>
+          </p:nvPr>
+        </p:nvSpPr>
+        <p:spPr/>
+        <p:txBody>
+          <a:bodyPr/>
+          <a:lstStyle/>
+          <a:p>
+            <a:fld id="{DFE3F239-427C-A149-8C48-8C46C7B53C32}" type="slidenum">
+              <a:rPr lang="en-US" smtClean="0"/>
+              <a:pPr/>
+              <a:t>7</a:t>
+            </a:fld>
+            <a:endParaRPr lang="en-US" dirty="0"/>
+          </a:p>
+        </p:txBody>
+      </p:sp>
+    </p:spTree>
+    <p:extLst>
+      <p:ext uri="{BB962C8B-B14F-4D97-AF65-F5344CB8AC3E}">
+        <p14:creationId xmlns:p14="http://schemas.microsoft.com/office/powerpoint/2010/main" val="568288945"/>
+      </p:ext>
+    </p:extLst>
+  </p:cSld>
+  <p:clrMapOvr>
+    <a:masterClrMapping/>
+  </p:clrMapOvr>
+</p:notes>
+</file>
+
+<file path=ppt/notesSlides/notesSlide6.xml><?xml version="1.0" encoding="utf-8"?>
+<p:notes xmlns:a="http://schemas.openxmlformats.org/drawingml/2006/main" xmlns:r="http://schemas.openxmlformats.org/officeDocument/2006/relationships" xmlns:p="http://schemas.openxmlformats.org/presentationml/2006/main">
+  <p:cSld>
+    <p:spTree>
+      <p:nvGrpSpPr>
+        <p:cNvPr id="1" name=""/>
+        <p:cNvGrpSpPr/>
+        <p:nvPr/>
+      </p:nvGrpSpPr>
+      <p:grpSpPr>
+        <a:xfrm>
+          <a:off x="0" y="0"/>
+          <a:ext cx="0" cy="0"/>
+          <a:chOff x="0" y="0"/>
+          <a:chExt cx="0" cy="0"/>
+        </a:xfrm>
+      </p:grpSpPr>
+      <p:sp>
+        <p:nvSpPr>
+          <p:cNvPr id="2" name="Slide Image Placeholder 1"/>
+          <p:cNvSpPr>
+            <a:spLocks noGrp="1" noRot="1" noChangeAspect="1"/>
+          </p:cNvSpPr>
+          <p:nvPr>
+            <p:ph type="sldImg"/>
+          </p:nvPr>
+        </p:nvSpPr>
+        <p:spPr/>
+      </p:sp>
+      <p:sp>
+        <p:nvSpPr>
+          <p:cNvPr id="3" name="Notes Placeholder 2"/>
+          <p:cNvSpPr>
+            <a:spLocks noGrp="1"/>
+          </p:cNvSpPr>
+          <p:nvPr>
+            <p:ph type="body" idx="1"/>
+          </p:nvPr>
+        </p:nvSpPr>
+        <p:spPr/>
+        <p:txBody>
+          <a:bodyPr/>
+          <a:lstStyle/>
+          <a:p>
+            <a:endParaRPr lang="en-US" dirty="0"/>
+          </a:p>
+        </p:txBody>
+      </p:sp>
+      <p:sp>
+        <p:nvSpPr>
+          <p:cNvPr id="4" name="Slide Number Placeholder 3"/>
+          <p:cNvSpPr>
+            <a:spLocks noGrp="1"/>
+          </p:cNvSpPr>
+          <p:nvPr>
+            <p:ph type="sldNum" sz="quarter" idx="10"/>
+          </p:nvPr>
+        </p:nvSpPr>
+        <p:spPr/>
+        <p:txBody>
+          <a:bodyPr/>
+          <a:lstStyle/>
+          <a:p>
+            <a:fld id="{DFE3F239-427C-A149-8C48-8C46C7B53C32}" type="slidenum">
+              <a:rPr lang="en-US" smtClean="0"/>
+              <a:pPr/>
+              <a:t>8</a:t>
+            </a:fld>
+            <a:endParaRPr lang="en-US" dirty="0"/>
+          </a:p>
+        </p:txBody>
+      </p:sp>
+    </p:spTree>
+    <p:extLst>
+      <p:ext uri="{BB962C8B-B14F-4D97-AF65-F5344CB8AC3E}">
+        <p14:creationId xmlns:p14="http://schemas.microsoft.com/office/powerpoint/2010/main" val="577198804"/>
+      </p:ext>
+    </p:extLst>
+  </p:cSld>
+  <p:clrMapOvr>
+    <a:masterClrMapping/>
+  </p:clrMapOvr>
+</p:notes>
+</file>
+
+<file path=ppt/notesSlides/notesSlide7.xml><?xml version="1.0" encoding="utf-8"?>
+<p:notes xmlns:a="http://schemas.openxmlformats.org/drawingml/2006/main" xmlns:r="http://schemas.openxmlformats.org/officeDocument/2006/relationships" xmlns:p="http://schemas.openxmlformats.org/presentationml/2006/main">
+  <p:cSld>
+    <p:spTree>
+      <p:nvGrpSpPr>
+        <p:cNvPr id="1" name=""/>
+        <p:cNvGrpSpPr/>
+        <p:nvPr/>
+      </p:nvGrpSpPr>
+      <p:grpSpPr>
+        <a:xfrm>
+          <a:off x="0" y="0"/>
+          <a:ext cx="0" cy="0"/>
+          <a:chOff x="0" y="0"/>
+          <a:chExt cx="0" cy="0"/>
+        </a:xfrm>
+      </p:grpSpPr>
+      <p:sp>
+        <p:nvSpPr>
+          <p:cNvPr id="2" name="Slide Image Placeholder 1"/>
+          <p:cNvSpPr>
+            <a:spLocks noGrp="1" noRot="1" noChangeAspect="1"/>
+          </p:cNvSpPr>
+          <p:nvPr>
+            <p:ph type="sldImg"/>
+          </p:nvPr>
+        </p:nvSpPr>
+        <p:spPr/>
+      </p:sp>
+      <p:sp>
+        <p:nvSpPr>
+          <p:cNvPr id="3" name="Notes Placeholder 2"/>
+          <p:cNvSpPr>
+            <a:spLocks noGrp="1"/>
+          </p:cNvSpPr>
+          <p:nvPr>
+            <p:ph type="body" idx="1"/>
+          </p:nvPr>
+        </p:nvSpPr>
+        <p:spPr/>
+        <p:txBody>
+          <a:bodyPr/>
+          <a:lstStyle/>
+          <a:p>
+            <a:endParaRPr lang="en-US" dirty="0"/>
+          </a:p>
+        </p:txBody>
+      </p:sp>
+      <p:sp>
+        <p:nvSpPr>
+          <p:cNvPr id="4" name="Slide Number Placeholder 3"/>
+          <p:cNvSpPr>
+            <a:spLocks noGrp="1"/>
+          </p:cNvSpPr>
+          <p:nvPr>
+            <p:ph type="sldNum" sz="quarter" idx="10"/>
+          </p:nvPr>
+        </p:nvSpPr>
+        <p:spPr/>
+        <p:txBody>
+          <a:bodyPr/>
+          <a:lstStyle/>
+          <a:p>
+            <a:fld id="{DFE3F239-427C-A149-8C48-8C46C7B53C32}" type="slidenum">
+              <a:rPr lang="en-US" smtClean="0"/>
+              <a:pPr/>
+              <a:t>14</a:t>
+            </a:fld>
+            <a:endParaRPr lang="en-US" dirty="0"/>
+          </a:p>
+        </p:txBody>
+      </p:sp>
+    </p:spTree>
+    <p:extLst>
+      <p:ext uri="{BB962C8B-B14F-4D97-AF65-F5344CB8AC3E}">
+        <p14:creationId xmlns:p14="http://schemas.microsoft.com/office/powerpoint/2010/main" val="2022788284"/>
       </p:ext>
     </p:extLst>
   </p:cSld>
@@ -1060,7 +1637,7 @@
           <a:p>
             <a:fld id="{713EE7EA-65FC-5747-AFE7-060B716D91E8}" type="datetimeFigureOut">
               <a:rPr lang="en-US" smtClean="0"/>
-              <a:t>5/29/18</a:t>
+              <a:t>6/4/18</a:t>
             </a:fld>
             <a:endParaRPr lang="en-US"/>
           </a:p>
@@ -1258,7 +1835,7 @@
           <a:p>
             <a:fld id="{713EE7EA-65FC-5747-AFE7-060B716D91E8}" type="datetimeFigureOut">
               <a:rPr lang="en-US" smtClean="0"/>
-              <a:t>5/29/18</a:t>
+              <a:t>6/4/18</a:t>
             </a:fld>
             <a:endParaRPr lang="en-US"/>
           </a:p>
@@ -1466,7 +2043,7 @@
           <a:p>
             <a:fld id="{713EE7EA-65FC-5747-AFE7-060B716D91E8}" type="datetimeFigureOut">
               <a:rPr lang="en-US" smtClean="0"/>
-              <a:t>5/29/18</a:t>
+              <a:t>6/4/18</a:t>
             </a:fld>
             <a:endParaRPr lang="en-US"/>
           </a:p>
@@ -1664,7 +2241,7 @@
           <a:p>
             <a:fld id="{713EE7EA-65FC-5747-AFE7-060B716D91E8}" type="datetimeFigureOut">
               <a:rPr lang="en-US" smtClean="0"/>
-              <a:t>5/29/18</a:t>
+              <a:t>6/4/18</a:t>
             </a:fld>
             <a:endParaRPr lang="en-US"/>
           </a:p>
@@ -1939,7 +2516,7 @@
           <a:p>
             <a:fld id="{713EE7EA-65FC-5747-AFE7-060B716D91E8}" type="datetimeFigureOut">
               <a:rPr lang="en-US" smtClean="0"/>
-              <a:t>5/29/18</a:t>
+              <a:t>6/4/18</a:t>
             </a:fld>
             <a:endParaRPr lang="en-US"/>
           </a:p>
@@ -2204,7 +2781,7 @@
           <a:p>
             <a:fld id="{713EE7EA-65FC-5747-AFE7-060B716D91E8}" type="datetimeFigureOut">
               <a:rPr lang="en-US" smtClean="0"/>
-              <a:t>5/29/18</a:t>
+              <a:t>6/4/18</a:t>
             </a:fld>
             <a:endParaRPr lang="en-US"/>
           </a:p>
@@ -2616,7 +3193,7 @@
           <a:p>
             <a:fld id="{713EE7EA-65FC-5747-AFE7-060B716D91E8}" type="datetimeFigureOut">
               <a:rPr lang="en-US" smtClean="0"/>
-              <a:t>5/29/18</a:t>
+              <a:t>6/4/18</a:t>
             </a:fld>
             <a:endParaRPr lang="en-US"/>
           </a:p>
@@ -2757,7 +3334,7 @@
           <a:p>
             <a:fld id="{713EE7EA-65FC-5747-AFE7-060B716D91E8}" type="datetimeFigureOut">
               <a:rPr lang="en-US" smtClean="0"/>
-              <a:t>5/29/18</a:t>
+              <a:t>6/4/18</a:t>
             </a:fld>
             <a:endParaRPr lang="en-US"/>
           </a:p>
@@ -2870,7 +3447,7 @@
           <a:p>
             <a:fld id="{713EE7EA-65FC-5747-AFE7-060B716D91E8}" type="datetimeFigureOut">
               <a:rPr lang="en-US" smtClean="0"/>
-              <a:t>5/29/18</a:t>
+              <a:t>6/4/18</a:t>
             </a:fld>
             <a:endParaRPr lang="en-US"/>
           </a:p>
@@ -3181,7 +3758,7 @@
           <a:p>
             <a:fld id="{713EE7EA-65FC-5747-AFE7-060B716D91E8}" type="datetimeFigureOut">
               <a:rPr lang="en-US" smtClean="0"/>
-              <a:t>5/29/18</a:t>
+              <a:t>6/4/18</a:t>
             </a:fld>
             <a:endParaRPr lang="en-US"/>
           </a:p>
@@ -3469,7 +4046,7 @@
           <a:p>
             <a:fld id="{713EE7EA-65FC-5747-AFE7-060B716D91E8}" type="datetimeFigureOut">
               <a:rPr lang="en-US" smtClean="0"/>
-              <a:t>5/29/18</a:t>
+              <a:t>6/4/18</a:t>
             </a:fld>
             <a:endParaRPr lang="en-US"/>
           </a:p>
@@ -3715,7 +4292,7 @@
             <a:fld id="{713EE7EA-65FC-5747-AFE7-060B716D91E8}" type="datetimeFigureOut">
               <a:rPr lang="en-US" smtClean="0"/>
               <a:pPr/>
-              <a:t>5/29/18</a:t>
+              <a:t>6/4/18</a:t>
             </a:fld>
             <a:endParaRPr lang="en-US" dirty="0"/>
           </a:p>
@@ -4178,7 +4755,5551 @@
 </p:sld>
 </file>
 
+<file path=ppt/slides/slide10.xml><?xml version="1.0" encoding="utf-8"?>
+<p:sld xmlns:a="http://schemas.openxmlformats.org/drawingml/2006/main" xmlns:r="http://schemas.openxmlformats.org/officeDocument/2006/relationships" xmlns:p="http://schemas.openxmlformats.org/presentationml/2006/main">
+  <p:cSld>
+    <p:spTree>
+      <p:nvGrpSpPr>
+        <p:cNvPr id="1" name=""/>
+        <p:cNvGrpSpPr/>
+        <p:nvPr/>
+      </p:nvGrpSpPr>
+      <p:grpSpPr>
+        <a:xfrm>
+          <a:off x="0" y="0"/>
+          <a:ext cx="0" cy="0"/>
+          <a:chOff x="0" y="0"/>
+          <a:chExt cx="0" cy="0"/>
+        </a:xfrm>
+      </p:grpSpPr>
+      <p:pic>
+        <p:nvPicPr>
+          <p:cNvPr id="3" name="Types and environments">
+            <a:extLst>
+              <a:ext uri="{FF2B5EF4-FFF2-40B4-BE49-F238E27FC236}">
+                <a16:creationId xmlns:a16="http://schemas.microsoft.com/office/drawing/2014/main" id="{2D3C9400-99B4-F840-BE4E-920C69E18C8F}"/>
+              </a:ext>
+            </a:extLst>
+          </p:cNvPr>
+          <p:cNvPicPr>
+            <a:picLocks noChangeAspect="1"/>
+          </p:cNvPicPr>
+          <p:nvPr/>
+        </p:nvPicPr>
+        <p:blipFill>
+          <a:blip r:embed="rId2"/>
+          <a:stretch>
+            <a:fillRect/>
+          </a:stretch>
+        </p:blipFill>
+        <p:spPr>
+          <a:xfrm>
+            <a:off x="0" y="9939"/>
+            <a:ext cx="12193200" cy="6858000"/>
+          </a:xfrm>
+          <a:prstGeom prst="rect">
+            <a:avLst/>
+          </a:prstGeom>
+        </p:spPr>
+      </p:pic>
+      <p:grpSp>
+        <p:nvGrpSpPr>
+          <p:cNvPr id="7" name="Explain tensor">
+            <a:extLst>
+              <a:ext uri="{FF2B5EF4-FFF2-40B4-BE49-F238E27FC236}">
+                <a16:creationId xmlns:a16="http://schemas.microsoft.com/office/drawing/2014/main" id="{3E846087-9FAE-0745-AC45-6388B364595E}"/>
+              </a:ext>
+            </a:extLst>
+          </p:cNvPr>
+          <p:cNvGrpSpPr/>
+          <p:nvPr/>
+        </p:nvGrpSpPr>
+        <p:grpSpPr>
+          <a:xfrm>
+            <a:off x="4502427" y="665921"/>
+            <a:ext cx="4721164" cy="1123122"/>
+            <a:chOff x="4482549" y="655982"/>
+            <a:chExt cx="4721164" cy="1123122"/>
+          </a:xfrm>
+        </p:grpSpPr>
+        <p:sp>
+          <p:nvSpPr>
+            <p:cNvPr id="4" name="Explain tensor text">
+              <a:extLst>
+                <a:ext uri="{FF2B5EF4-FFF2-40B4-BE49-F238E27FC236}">
+                  <a16:creationId xmlns:a16="http://schemas.microsoft.com/office/drawing/2014/main" id="{83888F2F-836D-6248-950C-283E96833D71}"/>
+                </a:ext>
+              </a:extLst>
+            </p:cNvPr>
+            <p:cNvSpPr txBox="1"/>
+            <p:nvPr/>
+          </p:nvSpPr>
+          <p:spPr>
+            <a:xfrm>
+              <a:off x="4482549" y="655982"/>
+              <a:ext cx="4721164" cy="584775"/>
+            </a:xfrm>
+            <a:prstGeom prst="rect">
+              <a:avLst/>
+            </a:prstGeom>
+            <a:noFill/>
+          </p:spPr>
+          <p:txBody>
+            <a:bodyPr wrap="none" rtlCol="0">
+              <a:spAutoFit/>
+            </a:bodyPr>
+            <a:lstStyle/>
+            <a:p>
+              <a:r>
+                <a:rPr lang="en-US" sz="3200" b="1" dirty="0">
+                  <a:latin typeface="Helvetica Rounded" pitchFamily="2" charset="77"/>
+                </a:rPr>
+                <a:t>A and B independently</a:t>
+              </a:r>
+            </a:p>
+          </p:txBody>
+        </p:sp>
+        <p:cxnSp>
+          <p:nvCxnSpPr>
+            <p:cNvPr id="6" name="Explain tensor arrow">
+              <a:extLst>
+                <a:ext uri="{FF2B5EF4-FFF2-40B4-BE49-F238E27FC236}">
+                  <a16:creationId xmlns:a16="http://schemas.microsoft.com/office/drawing/2014/main" id="{02112AD0-EB0D-2247-B34D-EB95650ED36B}"/>
+                </a:ext>
+              </a:extLst>
+            </p:cNvPr>
+            <p:cNvCxnSpPr/>
+            <p:nvPr/>
+          </p:nvCxnSpPr>
+          <p:spPr>
+            <a:xfrm>
+              <a:off x="6763618" y="1240757"/>
+              <a:ext cx="0" cy="538347"/>
+            </a:xfrm>
+            <a:prstGeom prst="straightConnector1">
+              <a:avLst/>
+            </a:prstGeom>
+            <a:ln w="101600" cap="rnd">
+              <a:solidFill>
+                <a:srgbClr val="22363B"/>
+              </a:solidFill>
+              <a:tailEnd type="stealth"/>
+            </a:ln>
+          </p:spPr>
+          <p:style>
+            <a:lnRef idx="1">
+              <a:schemeClr val="accent1"/>
+            </a:lnRef>
+            <a:fillRef idx="0">
+              <a:schemeClr val="accent1"/>
+            </a:fillRef>
+            <a:effectRef idx="0">
+              <a:schemeClr val="accent1"/>
+            </a:effectRef>
+            <a:fontRef idx="minor">
+              <a:schemeClr val="tx1"/>
+            </a:fontRef>
+          </p:style>
+        </p:cxnSp>
+      </p:grpSp>
+      <p:grpSp>
+        <p:nvGrpSpPr>
+          <p:cNvPr id="15" name="Explain parr">
+            <a:extLst>
+              <a:ext uri="{FF2B5EF4-FFF2-40B4-BE49-F238E27FC236}">
+                <a16:creationId xmlns:a16="http://schemas.microsoft.com/office/drawing/2014/main" id="{6D9CDF2F-45A4-2046-969F-F3E8D2F5AC3F}"/>
+              </a:ext>
+            </a:extLst>
+          </p:cNvPr>
+          <p:cNvGrpSpPr/>
+          <p:nvPr/>
+        </p:nvGrpSpPr>
+        <p:grpSpPr>
+          <a:xfrm>
+            <a:off x="3578087" y="3329608"/>
+            <a:ext cx="6216173" cy="1123122"/>
+            <a:chOff x="3578087" y="3329608"/>
+            <a:chExt cx="6216173" cy="1123122"/>
+          </a:xfrm>
+        </p:grpSpPr>
+        <p:sp>
+          <p:nvSpPr>
+            <p:cNvPr id="13" name="Explain parr background">
+              <a:extLst>
+                <a:ext uri="{FF2B5EF4-FFF2-40B4-BE49-F238E27FC236}">
+                  <a16:creationId xmlns:a16="http://schemas.microsoft.com/office/drawing/2014/main" id="{A2FFA72F-CE04-8246-BEE7-A2FA151E73B5}"/>
+                </a:ext>
+              </a:extLst>
+            </p:cNvPr>
+            <p:cNvSpPr/>
+            <p:nvPr/>
+          </p:nvSpPr>
+          <p:spPr>
+            <a:xfrm>
+              <a:off x="3578087" y="3488635"/>
+              <a:ext cx="6042991" cy="964095"/>
+            </a:xfrm>
+            <a:prstGeom prst="rect">
+              <a:avLst/>
+            </a:prstGeom>
+            <a:solidFill>
+              <a:srgbClr val="FAFAFA"/>
+            </a:solidFill>
+            <a:ln>
+              <a:solidFill>
+                <a:srgbClr val="FAFAFA"/>
+              </a:solidFill>
+            </a:ln>
+          </p:spPr>
+          <p:style>
+            <a:lnRef idx="2">
+              <a:schemeClr val="accent1">
+                <a:shade val="50000"/>
+              </a:schemeClr>
+            </a:lnRef>
+            <a:fillRef idx="1">
+              <a:schemeClr val="accent1"/>
+            </a:fillRef>
+            <a:effectRef idx="0">
+              <a:schemeClr val="accent1"/>
+            </a:effectRef>
+            <a:fontRef idx="minor">
+              <a:schemeClr val="lt1"/>
+            </a:fontRef>
+          </p:style>
+          <p:txBody>
+            <a:bodyPr rtlCol="0" anchor="ctr"/>
+            <a:lstStyle/>
+            <a:p>
+              <a:pPr algn="ctr"/>
+              <a:endParaRPr lang="en-US"/>
+            </a:p>
+          </p:txBody>
+        </p:sp>
+        <p:sp>
+          <p:nvSpPr>
+            <p:cNvPr id="11" name="Explain parr text">
+              <a:extLst>
+                <a:ext uri="{FF2B5EF4-FFF2-40B4-BE49-F238E27FC236}">
+                  <a16:creationId xmlns:a16="http://schemas.microsoft.com/office/drawing/2014/main" id="{DC693273-9C65-8D48-A24C-2DB77F1A170A}"/>
+                </a:ext>
+              </a:extLst>
+            </p:cNvPr>
+            <p:cNvSpPr txBox="1"/>
+            <p:nvPr/>
+          </p:nvSpPr>
+          <p:spPr>
+            <a:xfrm>
+              <a:off x="4502427" y="3867955"/>
+              <a:ext cx="5291833" cy="584775"/>
+            </a:xfrm>
+            <a:prstGeom prst="rect">
+              <a:avLst/>
+            </a:prstGeom>
+            <a:noFill/>
+          </p:spPr>
+          <p:txBody>
+            <a:bodyPr wrap="none" rtlCol="0">
+              <a:spAutoFit/>
+            </a:bodyPr>
+            <a:lstStyle/>
+            <a:p>
+              <a:r>
+                <a:rPr lang="en-US" sz="3200" b="1" dirty="0">
+                  <a:latin typeface="Helvetica Rounded" pitchFamily="2" charset="77"/>
+                </a:rPr>
+                <a:t>A and B interdependently</a:t>
+              </a:r>
+            </a:p>
+          </p:txBody>
+        </p:sp>
+        <p:cxnSp>
+          <p:nvCxnSpPr>
+            <p:cNvPr id="12" name="Explain parr arrow">
+              <a:extLst>
+                <a:ext uri="{FF2B5EF4-FFF2-40B4-BE49-F238E27FC236}">
+                  <a16:creationId xmlns:a16="http://schemas.microsoft.com/office/drawing/2014/main" id="{518C985A-239E-FC42-881A-157E0DA68BF6}"/>
+                </a:ext>
+              </a:extLst>
+            </p:cNvPr>
+            <p:cNvCxnSpPr/>
+            <p:nvPr/>
+          </p:nvCxnSpPr>
+          <p:spPr>
+            <a:xfrm>
+              <a:off x="6783496" y="3329608"/>
+              <a:ext cx="0" cy="538347"/>
+            </a:xfrm>
+            <a:prstGeom prst="straightConnector1">
+              <a:avLst/>
+            </a:prstGeom>
+            <a:ln w="101600" cap="rnd">
+              <a:solidFill>
+                <a:srgbClr val="22363B"/>
+              </a:solidFill>
+              <a:headEnd type="stealth"/>
+              <a:tailEnd type="none"/>
+            </a:ln>
+          </p:spPr>
+          <p:style>
+            <a:lnRef idx="1">
+              <a:schemeClr val="accent1"/>
+            </a:lnRef>
+            <a:fillRef idx="0">
+              <a:schemeClr val="accent1"/>
+            </a:fillRef>
+            <a:effectRef idx="0">
+              <a:schemeClr val="accent1"/>
+            </a:effectRef>
+            <a:fontRef idx="minor">
+              <a:schemeClr val="tx1"/>
+            </a:fontRef>
+          </p:style>
+        </p:cxnSp>
+      </p:grpSp>
+    </p:spTree>
+    <p:extLst>
+      <p:ext uri="{BB962C8B-B14F-4D97-AF65-F5344CB8AC3E}">
+        <p14:creationId xmlns:p14="http://schemas.microsoft.com/office/powerpoint/2010/main" val="432490731"/>
+      </p:ext>
+    </p:extLst>
+  </p:cSld>
+  <p:clrMapOvr>
+    <a:masterClrMapping/>
+  </p:clrMapOvr>
+  <p:timing>
+    <p:tnLst>
+      <p:par>
+        <p:cTn id="1" dur="indefinite" restart="never" nodeType="tmRoot">
+          <p:childTnLst>
+            <p:seq concurrent="1" nextAc="seek">
+              <p:cTn id="2" dur="indefinite" nodeType="mainSeq">
+                <p:childTnLst>
+                  <p:par>
+                    <p:cTn id="3" fill="hold">
+                      <p:stCondLst>
+                        <p:cond delay="indefinite"/>
+                      </p:stCondLst>
+                      <p:childTnLst>
+                        <p:par>
+                          <p:cTn id="4" fill="hold">
+                            <p:stCondLst>
+                              <p:cond delay="0"/>
+                            </p:stCondLst>
+                            <p:childTnLst>
+                              <p:par>
+                                <p:cTn id="5" presetID="1" presetClass="entr" presetSubtype="0" fill="hold" nodeType="clickEffect">
+                                  <p:stCondLst>
+                                    <p:cond delay="0"/>
+                                  </p:stCondLst>
+                                  <p:childTnLst>
+                                    <p:set>
+                                      <p:cBhvr>
+                                        <p:cTn id="6" dur="1" fill="hold">
+                                          <p:stCondLst>
+                                            <p:cond delay="0"/>
+                                          </p:stCondLst>
+                                        </p:cTn>
+                                        <p:tgtEl>
+                                          <p:spTgt spid="7"/>
+                                        </p:tgtEl>
+                                        <p:attrNameLst>
+                                          <p:attrName>style.visibility</p:attrName>
+                                        </p:attrNameLst>
+                                      </p:cBhvr>
+                                      <p:to>
+                                        <p:strVal val="visible"/>
+                                      </p:to>
+                                    </p:set>
+                                  </p:childTnLst>
+                                </p:cTn>
+                              </p:par>
+                            </p:childTnLst>
+                          </p:cTn>
+                        </p:par>
+                      </p:childTnLst>
+                    </p:cTn>
+                  </p:par>
+                  <p:par>
+                    <p:cTn id="7" fill="hold">
+                      <p:stCondLst>
+                        <p:cond delay="indefinite"/>
+                      </p:stCondLst>
+                      <p:childTnLst>
+                        <p:par>
+                          <p:cTn id="8" fill="hold">
+                            <p:stCondLst>
+                              <p:cond delay="0"/>
+                            </p:stCondLst>
+                            <p:childTnLst>
+                              <p:par>
+                                <p:cTn id="9" presetID="1" presetClass="entr" presetSubtype="0" fill="hold" nodeType="clickEffect">
+                                  <p:stCondLst>
+                                    <p:cond delay="0"/>
+                                  </p:stCondLst>
+                                  <p:childTnLst>
+                                    <p:set>
+                                      <p:cBhvr>
+                                        <p:cTn id="10" dur="1" fill="hold">
+                                          <p:stCondLst>
+                                            <p:cond delay="0"/>
+                                          </p:stCondLst>
+                                        </p:cTn>
+                                        <p:tgtEl>
+                                          <p:spTgt spid="15"/>
+                                        </p:tgtEl>
+                                        <p:attrNameLst>
+                                          <p:attrName>style.visibility</p:attrName>
+                                        </p:attrNameLst>
+                                      </p:cBhvr>
+                                      <p:to>
+                                        <p:strVal val="visible"/>
+                                      </p:to>
+                                    </p:set>
+                                  </p:childTnLst>
+                                </p:cTn>
+                              </p:par>
+                            </p:childTnLst>
+                          </p:cTn>
+                        </p:par>
+                      </p:childTnLst>
+                    </p:cTn>
+                  </p:par>
+                </p:childTnLst>
+              </p:cTn>
+              <p:prevCondLst>
+                <p:cond evt="onPrev" delay="0">
+                  <p:tgtEl>
+                    <p:sldTgt/>
+                  </p:tgtEl>
+                </p:cond>
+              </p:prevCondLst>
+              <p:nextCondLst>
+                <p:cond evt="onNext" delay="0">
+                  <p:tgtEl>
+                    <p:sldTgt/>
+                  </p:tgtEl>
+                </p:cond>
+              </p:nextCondLst>
+            </p:seq>
+          </p:childTnLst>
+        </p:cTn>
+      </p:par>
+    </p:tnLst>
+  </p:timing>
+</p:sld>
+</file>
+
+<file path=ppt/slides/slide11.xml><?xml version="1.0" encoding="utf-8"?>
+<p:sld xmlns:a="http://schemas.openxmlformats.org/drawingml/2006/main" xmlns:r="http://schemas.openxmlformats.org/officeDocument/2006/relationships" xmlns:p="http://schemas.openxmlformats.org/presentationml/2006/main">
+  <p:cSld>
+    <p:spTree>
+      <p:nvGrpSpPr>
+        <p:cNvPr id="1" name=""/>
+        <p:cNvGrpSpPr/>
+        <p:nvPr/>
+      </p:nvGrpSpPr>
+      <p:grpSpPr>
+        <a:xfrm>
+          <a:off x="0" y="0"/>
+          <a:ext cx="0" cy="0"/>
+          <a:chOff x="0" y="0"/>
+          <a:chExt cx="0" cy="0"/>
+        </a:xfrm>
+      </p:grpSpPr>
+      <p:pic>
+        <p:nvPicPr>
+          <p:cNvPr id="3" name="Example derivation">
+            <a:extLst>
+              <a:ext uri="{FF2B5EF4-FFF2-40B4-BE49-F238E27FC236}">
+                <a16:creationId xmlns:a16="http://schemas.microsoft.com/office/drawing/2014/main" id="{2D3C9400-99B4-F840-BE4E-920C69E18C8F}"/>
+              </a:ext>
+            </a:extLst>
+          </p:cNvPr>
+          <p:cNvPicPr>
+            <a:picLocks noChangeAspect="1"/>
+          </p:cNvPicPr>
+          <p:nvPr/>
+        </p:nvPicPr>
+        <p:blipFill>
+          <a:blip r:embed="rId2"/>
+          <a:stretch>
+            <a:fillRect/>
+          </a:stretch>
+        </p:blipFill>
+        <p:spPr>
+          <a:xfrm>
+            <a:off x="0" y="4698"/>
+            <a:ext cx="12193200" cy="6848603"/>
+          </a:xfrm>
+          <a:prstGeom prst="rect">
+            <a:avLst/>
+          </a:prstGeom>
+        </p:spPr>
+      </p:pic>
+      <p:grpSp>
+        <p:nvGrpSpPr>
+          <p:cNvPr id="7" name="Explain IMAP">
+            <a:extLst>
+              <a:ext uri="{FF2B5EF4-FFF2-40B4-BE49-F238E27FC236}">
+                <a16:creationId xmlns:a16="http://schemas.microsoft.com/office/drawing/2014/main" id="{E6DB83C7-C0CD-0D4C-A2D9-B13BDCAD5CE9}"/>
+              </a:ext>
+            </a:extLst>
+          </p:cNvPr>
+          <p:cNvGrpSpPr/>
+          <p:nvPr/>
+        </p:nvGrpSpPr>
+        <p:grpSpPr>
+          <a:xfrm>
+            <a:off x="1748760" y="945034"/>
+            <a:ext cx="2892138" cy="1282965"/>
+            <a:chOff x="1748760" y="945034"/>
+            <a:chExt cx="2892138" cy="1282965"/>
+          </a:xfrm>
+        </p:grpSpPr>
+        <p:sp>
+          <p:nvSpPr>
+            <p:cNvPr id="4" name="Explain IMAP text">
+              <a:extLst>
+                <a:ext uri="{FF2B5EF4-FFF2-40B4-BE49-F238E27FC236}">
+                  <a16:creationId xmlns:a16="http://schemas.microsoft.com/office/drawing/2014/main" id="{0CA26DF6-B708-8B47-89F5-2E1775759C01}"/>
+                </a:ext>
+              </a:extLst>
+            </p:cNvPr>
+            <p:cNvSpPr txBox="1"/>
+            <p:nvPr/>
+          </p:nvSpPr>
+          <p:spPr>
+            <a:xfrm>
+              <a:off x="1748760" y="945034"/>
+              <a:ext cx="2892138" cy="584775"/>
+            </a:xfrm>
+            <a:prstGeom prst="rect">
+              <a:avLst/>
+            </a:prstGeom>
+            <a:noFill/>
+          </p:spPr>
+          <p:txBody>
+            <a:bodyPr wrap="none" rtlCol="0">
+              <a:spAutoFit/>
+            </a:bodyPr>
+            <a:lstStyle/>
+            <a:p>
+              <a:r>
+                <a:rPr lang="en-US" sz="3200" b="1" dirty="0">
+                  <a:latin typeface="Helvetica Rounded" pitchFamily="2" charset="77"/>
+                </a:rPr>
+                <a:t>IMAP session</a:t>
+              </a:r>
+            </a:p>
+          </p:txBody>
+        </p:sp>
+        <p:cxnSp>
+          <p:nvCxnSpPr>
+            <p:cNvPr id="6" name="Explain IMAP arrow">
+              <a:extLst>
+                <a:ext uri="{FF2B5EF4-FFF2-40B4-BE49-F238E27FC236}">
+                  <a16:creationId xmlns:a16="http://schemas.microsoft.com/office/drawing/2014/main" id="{6FE45AF8-0CEA-E348-97B8-1FA58271DB52}"/>
+                </a:ext>
+              </a:extLst>
+            </p:cNvPr>
+            <p:cNvCxnSpPr/>
+            <p:nvPr/>
+          </p:nvCxnSpPr>
+          <p:spPr>
+            <a:xfrm>
+              <a:off x="3225287" y="1689652"/>
+              <a:ext cx="0" cy="538347"/>
+            </a:xfrm>
+            <a:prstGeom prst="straightConnector1">
+              <a:avLst/>
+            </a:prstGeom>
+            <a:ln w="101600" cap="rnd">
+              <a:solidFill>
+                <a:srgbClr val="22363B"/>
+              </a:solidFill>
+              <a:headEnd type="none"/>
+              <a:tailEnd type="stealth"/>
+            </a:ln>
+          </p:spPr>
+          <p:style>
+            <a:lnRef idx="1">
+              <a:schemeClr val="accent1"/>
+            </a:lnRef>
+            <a:fillRef idx="0">
+              <a:schemeClr val="accent1"/>
+            </a:fillRef>
+            <a:effectRef idx="0">
+              <a:schemeClr val="accent1"/>
+            </a:effectRef>
+            <a:fontRef idx="minor">
+              <a:schemeClr val="tx1"/>
+            </a:fontRef>
+          </p:style>
+        </p:cxnSp>
+      </p:grpSp>
+      <p:grpSp>
+        <p:nvGrpSpPr>
+          <p:cNvPr id="8" name="Explain email">
+            <a:extLst>
+              <a:ext uri="{FF2B5EF4-FFF2-40B4-BE49-F238E27FC236}">
+                <a16:creationId xmlns:a16="http://schemas.microsoft.com/office/drawing/2014/main" id="{EE53E503-F1D6-DA46-9D87-7982765B07ED}"/>
+              </a:ext>
+            </a:extLst>
+          </p:cNvPr>
+          <p:cNvGrpSpPr/>
+          <p:nvPr/>
+        </p:nvGrpSpPr>
+        <p:grpSpPr>
+          <a:xfrm>
+            <a:off x="2836275" y="3959087"/>
+            <a:ext cx="4342856" cy="1507340"/>
+            <a:chOff x="984284" y="556591"/>
+            <a:chExt cx="4342856" cy="1507340"/>
+          </a:xfrm>
+        </p:grpSpPr>
+        <p:sp>
+          <p:nvSpPr>
+            <p:cNvPr id="9" name="Explain email text">
+              <a:extLst>
+                <a:ext uri="{FF2B5EF4-FFF2-40B4-BE49-F238E27FC236}">
+                  <a16:creationId xmlns:a16="http://schemas.microsoft.com/office/drawing/2014/main" id="{66FED1DA-E913-514F-BE12-611CF080B113}"/>
+                </a:ext>
+              </a:extLst>
+            </p:cNvPr>
+            <p:cNvSpPr txBox="1"/>
+            <p:nvPr/>
+          </p:nvSpPr>
+          <p:spPr>
+            <a:xfrm>
+              <a:off x="984284" y="1109824"/>
+              <a:ext cx="4342856" cy="954107"/>
+            </a:xfrm>
+            <a:prstGeom prst="rect">
+              <a:avLst/>
+            </a:prstGeom>
+            <a:noFill/>
+          </p:spPr>
+          <p:txBody>
+            <a:bodyPr wrap="none" rtlCol="0">
+              <a:spAutoFit/>
+            </a:bodyPr>
+            <a:lstStyle/>
+            <a:p>
+              <a:pPr algn="ctr"/>
+              <a:r>
+                <a:rPr lang="en-US" sz="3200" b="1" dirty="0">
+                  <a:latin typeface="Helvetica Rounded" pitchFamily="2" charset="77"/>
+                </a:rPr>
+                <a:t>Email Server</a:t>
+              </a:r>
+            </a:p>
+            <a:p>
+              <a:pPr algn="ctr"/>
+              <a:r>
+                <a:rPr lang="en-US" sz="2400" b="1" dirty="0">
+                  <a:latin typeface="Helvetica Rounded" pitchFamily="2" charset="77"/>
+                </a:rPr>
+                <a:t>(which has the email I sent)</a:t>
+              </a:r>
+            </a:p>
+          </p:txBody>
+        </p:sp>
+        <p:cxnSp>
+          <p:nvCxnSpPr>
+            <p:cNvPr id="10" name="Explain email arrow">
+              <a:extLst>
+                <a:ext uri="{FF2B5EF4-FFF2-40B4-BE49-F238E27FC236}">
+                  <a16:creationId xmlns:a16="http://schemas.microsoft.com/office/drawing/2014/main" id="{5A51D247-EE9A-1E4C-84E6-C94E36A5602A}"/>
+                </a:ext>
+              </a:extLst>
+            </p:cNvPr>
+            <p:cNvCxnSpPr/>
+            <p:nvPr/>
+          </p:nvCxnSpPr>
+          <p:spPr>
+            <a:xfrm>
+              <a:off x="3155713" y="556591"/>
+              <a:ext cx="0" cy="538347"/>
+            </a:xfrm>
+            <a:prstGeom prst="straightConnector1">
+              <a:avLst/>
+            </a:prstGeom>
+            <a:ln w="101600" cap="rnd">
+              <a:solidFill>
+                <a:srgbClr val="22363B"/>
+              </a:solidFill>
+              <a:headEnd type="stealth"/>
+              <a:tailEnd type="none"/>
+            </a:ln>
+          </p:spPr>
+          <p:style>
+            <a:lnRef idx="1">
+              <a:schemeClr val="accent1"/>
+            </a:lnRef>
+            <a:fillRef idx="0">
+              <a:schemeClr val="accent1"/>
+            </a:fillRef>
+            <a:effectRef idx="0">
+              <a:schemeClr val="accent1"/>
+            </a:effectRef>
+            <a:fontRef idx="minor">
+              <a:schemeClr val="tx1"/>
+            </a:fontRef>
+          </p:style>
+        </p:cxnSp>
+      </p:grpSp>
+      <p:grpSp>
+        <p:nvGrpSpPr>
+          <p:cNvPr id="14" name="Explain future communication">
+            <a:extLst>
+              <a:ext uri="{FF2B5EF4-FFF2-40B4-BE49-F238E27FC236}">
+                <a16:creationId xmlns:a16="http://schemas.microsoft.com/office/drawing/2014/main" id="{9B3ABDF9-1A25-894E-A573-E0D544C988E7}"/>
+              </a:ext>
+            </a:extLst>
+          </p:cNvPr>
+          <p:cNvGrpSpPr/>
+          <p:nvPr/>
+        </p:nvGrpSpPr>
+        <p:grpSpPr>
+          <a:xfrm>
+            <a:off x="5598683" y="575702"/>
+            <a:ext cx="5636732" cy="1789811"/>
+            <a:chOff x="5598683" y="575702"/>
+            <a:chExt cx="5636732" cy="1789811"/>
+          </a:xfrm>
+        </p:grpSpPr>
+        <p:sp>
+          <p:nvSpPr>
+            <p:cNvPr id="11" name="Explain future communication text">
+              <a:extLst>
+                <a:ext uri="{FF2B5EF4-FFF2-40B4-BE49-F238E27FC236}">
+                  <a16:creationId xmlns:a16="http://schemas.microsoft.com/office/drawing/2014/main" id="{F5499C29-D0DA-F543-B261-7202BCB5D47B}"/>
+                </a:ext>
+              </a:extLst>
+            </p:cNvPr>
+            <p:cNvSpPr txBox="1"/>
+            <p:nvPr/>
+          </p:nvSpPr>
+          <p:spPr>
+            <a:xfrm>
+              <a:off x="5598683" y="575702"/>
+              <a:ext cx="5636732" cy="954107"/>
+            </a:xfrm>
+            <a:prstGeom prst="rect">
+              <a:avLst/>
+            </a:prstGeom>
+            <a:noFill/>
+          </p:spPr>
+          <p:txBody>
+            <a:bodyPr wrap="square" rtlCol="0">
+              <a:spAutoFit/>
+            </a:bodyPr>
+            <a:lstStyle/>
+            <a:p>
+              <a:pPr algn="ctr"/>
+              <a:r>
+                <a:rPr lang="en-US" sz="3200" b="1" dirty="0">
+                  <a:latin typeface="Helvetica Rounded" pitchFamily="2" charset="77"/>
+                </a:rPr>
+                <a:t>Whatever the future holds?</a:t>
+              </a:r>
+            </a:p>
+            <a:p>
+              <a:pPr algn="ctr"/>
+              <a:r>
+                <a:rPr lang="en-US" sz="2400" b="1" dirty="0">
+                  <a:latin typeface="Helvetica Rounded" pitchFamily="2" charset="77"/>
+                </a:rPr>
+                <a:t>(out of scope for this example)</a:t>
+              </a:r>
+            </a:p>
+          </p:txBody>
+        </p:sp>
+        <p:cxnSp>
+          <p:nvCxnSpPr>
+            <p:cNvPr id="12" name="Explain future communication arrow">
+              <a:extLst>
+                <a:ext uri="{FF2B5EF4-FFF2-40B4-BE49-F238E27FC236}">
+                  <a16:creationId xmlns:a16="http://schemas.microsoft.com/office/drawing/2014/main" id="{E435C545-31C9-994D-9713-78065B7DFE13}"/>
+                </a:ext>
+              </a:extLst>
+            </p:cNvPr>
+            <p:cNvCxnSpPr>
+              <a:cxnSpLocks/>
+            </p:cNvCxnSpPr>
+            <p:nvPr/>
+          </p:nvCxnSpPr>
+          <p:spPr>
+            <a:xfrm flipH="1">
+              <a:off x="6221896" y="1689652"/>
+              <a:ext cx="779542" cy="675861"/>
+            </a:xfrm>
+            <a:prstGeom prst="straightConnector1">
+              <a:avLst/>
+            </a:prstGeom>
+            <a:ln w="101600" cap="rnd">
+              <a:solidFill>
+                <a:srgbClr val="22363B"/>
+              </a:solidFill>
+              <a:headEnd type="none"/>
+              <a:tailEnd type="stealth"/>
+            </a:ln>
+          </p:spPr>
+          <p:style>
+            <a:lnRef idx="1">
+              <a:schemeClr val="accent1"/>
+            </a:lnRef>
+            <a:fillRef idx="0">
+              <a:schemeClr val="accent1"/>
+            </a:fillRef>
+            <a:effectRef idx="0">
+              <a:schemeClr val="accent1"/>
+            </a:effectRef>
+            <a:fontRef idx="minor">
+              <a:schemeClr val="tx1"/>
+            </a:fontRef>
+          </p:style>
+        </p:cxnSp>
+      </p:grpSp>
+    </p:spTree>
+    <p:extLst>
+      <p:ext uri="{BB962C8B-B14F-4D97-AF65-F5344CB8AC3E}">
+        <p14:creationId xmlns:p14="http://schemas.microsoft.com/office/powerpoint/2010/main" val="3939573525"/>
+      </p:ext>
+    </p:extLst>
+  </p:cSld>
+  <p:clrMapOvr>
+    <a:masterClrMapping/>
+  </p:clrMapOvr>
+  <p:timing>
+    <p:tnLst>
+      <p:par>
+        <p:cTn id="1" dur="indefinite" restart="never" nodeType="tmRoot">
+          <p:childTnLst>
+            <p:seq concurrent="1" nextAc="seek">
+              <p:cTn id="2" dur="indefinite" nodeType="mainSeq">
+                <p:childTnLst>
+                  <p:par>
+                    <p:cTn id="3" fill="hold">
+                      <p:stCondLst>
+                        <p:cond delay="indefinite"/>
+                      </p:stCondLst>
+                      <p:childTnLst>
+                        <p:par>
+                          <p:cTn id="4" fill="hold">
+                            <p:stCondLst>
+                              <p:cond delay="0"/>
+                            </p:stCondLst>
+                            <p:childTnLst>
+                              <p:par>
+                                <p:cTn id="5" presetID="1" presetClass="entr" presetSubtype="0" fill="hold" nodeType="clickEffect">
+                                  <p:stCondLst>
+                                    <p:cond delay="0"/>
+                                  </p:stCondLst>
+                                  <p:childTnLst>
+                                    <p:set>
+                                      <p:cBhvr>
+                                        <p:cTn id="6" dur="1" fill="hold">
+                                          <p:stCondLst>
+                                            <p:cond delay="0"/>
+                                          </p:stCondLst>
+                                        </p:cTn>
+                                        <p:tgtEl>
+                                          <p:spTgt spid="7"/>
+                                        </p:tgtEl>
+                                        <p:attrNameLst>
+                                          <p:attrName>style.visibility</p:attrName>
+                                        </p:attrNameLst>
+                                      </p:cBhvr>
+                                      <p:to>
+                                        <p:strVal val="visible"/>
+                                      </p:to>
+                                    </p:set>
+                                  </p:childTnLst>
+                                </p:cTn>
+                              </p:par>
+                            </p:childTnLst>
+                          </p:cTn>
+                        </p:par>
+                      </p:childTnLst>
+                    </p:cTn>
+                  </p:par>
+                  <p:par>
+                    <p:cTn id="7" fill="hold">
+                      <p:stCondLst>
+                        <p:cond delay="indefinite"/>
+                      </p:stCondLst>
+                      <p:childTnLst>
+                        <p:par>
+                          <p:cTn id="8" fill="hold">
+                            <p:stCondLst>
+                              <p:cond delay="0"/>
+                            </p:stCondLst>
+                            <p:childTnLst>
+                              <p:par>
+                                <p:cTn id="9" presetID="1" presetClass="entr" presetSubtype="0" fill="hold" nodeType="clickEffect">
+                                  <p:stCondLst>
+                                    <p:cond delay="0"/>
+                                  </p:stCondLst>
+                                  <p:childTnLst>
+                                    <p:set>
+                                      <p:cBhvr>
+                                        <p:cTn id="10" dur="1" fill="hold">
+                                          <p:stCondLst>
+                                            <p:cond delay="0"/>
+                                          </p:stCondLst>
+                                        </p:cTn>
+                                        <p:tgtEl>
+                                          <p:spTgt spid="8"/>
+                                        </p:tgtEl>
+                                        <p:attrNameLst>
+                                          <p:attrName>style.visibility</p:attrName>
+                                        </p:attrNameLst>
+                                      </p:cBhvr>
+                                      <p:to>
+                                        <p:strVal val="visible"/>
+                                      </p:to>
+                                    </p:set>
+                                  </p:childTnLst>
+                                </p:cTn>
+                              </p:par>
+                            </p:childTnLst>
+                          </p:cTn>
+                        </p:par>
+                      </p:childTnLst>
+                    </p:cTn>
+                  </p:par>
+                  <p:par>
+                    <p:cTn id="11" fill="hold">
+                      <p:stCondLst>
+                        <p:cond delay="indefinite"/>
+                      </p:stCondLst>
+                      <p:childTnLst>
+                        <p:par>
+                          <p:cTn id="12" fill="hold">
+                            <p:stCondLst>
+                              <p:cond delay="0"/>
+                            </p:stCondLst>
+                            <p:childTnLst>
+                              <p:par>
+                                <p:cTn id="13" presetID="1" presetClass="entr" presetSubtype="0" fill="hold" nodeType="clickEffect">
+                                  <p:stCondLst>
+                                    <p:cond delay="0"/>
+                                  </p:stCondLst>
+                                  <p:childTnLst>
+                                    <p:set>
+                                      <p:cBhvr>
+                                        <p:cTn id="14" dur="1" fill="hold">
+                                          <p:stCondLst>
+                                            <p:cond delay="0"/>
+                                          </p:stCondLst>
+                                        </p:cTn>
+                                        <p:tgtEl>
+                                          <p:spTgt spid="14"/>
+                                        </p:tgtEl>
+                                        <p:attrNameLst>
+                                          <p:attrName>style.visibility</p:attrName>
+                                        </p:attrNameLst>
+                                      </p:cBhvr>
+                                      <p:to>
+                                        <p:strVal val="visible"/>
+                                      </p:to>
+                                    </p:set>
+                                  </p:childTnLst>
+                                </p:cTn>
+                              </p:par>
+                            </p:childTnLst>
+                          </p:cTn>
+                        </p:par>
+                      </p:childTnLst>
+                    </p:cTn>
+                  </p:par>
+                </p:childTnLst>
+              </p:cTn>
+              <p:prevCondLst>
+                <p:cond evt="onPrev" delay="0">
+                  <p:tgtEl>
+                    <p:sldTgt/>
+                  </p:tgtEl>
+                </p:cond>
+              </p:prevCondLst>
+              <p:nextCondLst>
+                <p:cond evt="onNext" delay="0">
+                  <p:tgtEl>
+                    <p:sldTgt/>
+                  </p:tgtEl>
+                </p:cond>
+              </p:nextCondLst>
+            </p:seq>
+          </p:childTnLst>
+        </p:cTn>
+      </p:par>
+    </p:tnLst>
+  </p:timing>
+</p:sld>
+</file>
+
+<file path=ppt/slides/slide12.xml><?xml version="1.0" encoding="utf-8"?>
+<p:sld xmlns:a="http://schemas.openxmlformats.org/drawingml/2006/main" xmlns:r="http://schemas.openxmlformats.org/officeDocument/2006/relationships" xmlns:p="http://schemas.openxmlformats.org/presentationml/2006/main">
+  <p:cSld>
+    <p:spTree>
+      <p:nvGrpSpPr>
+        <p:cNvPr id="1" name=""/>
+        <p:cNvGrpSpPr/>
+        <p:nvPr/>
+      </p:nvGrpSpPr>
+      <p:grpSpPr>
+        <a:xfrm>
+          <a:off x="0" y="0"/>
+          <a:ext cx="0" cy="0"/>
+          <a:chOff x="0" y="0"/>
+          <a:chExt cx="0" cy="0"/>
+        </a:xfrm>
+      </p:grpSpPr>
+      <p:pic>
+        <p:nvPicPr>
+          <p:cNvPr id="3" name="Cut">
+            <a:extLst>
+              <a:ext uri="{FF2B5EF4-FFF2-40B4-BE49-F238E27FC236}">
+                <a16:creationId xmlns:a16="http://schemas.microsoft.com/office/drawing/2014/main" id="{2D3C9400-99B4-F840-BE4E-920C69E18C8F}"/>
+              </a:ext>
+            </a:extLst>
+          </p:cNvPr>
+          <p:cNvPicPr>
+            <a:picLocks noChangeAspect="1"/>
+          </p:cNvPicPr>
+          <p:nvPr/>
+        </p:nvPicPr>
+        <p:blipFill>
+          <a:blip r:embed="rId2"/>
+          <a:stretch>
+            <a:fillRect/>
+          </a:stretch>
+        </p:blipFill>
+        <p:spPr>
+          <a:xfrm>
+            <a:off x="0" y="4698"/>
+            <a:ext cx="12193199" cy="6848603"/>
+          </a:xfrm>
+          <a:prstGeom prst="rect">
+            <a:avLst/>
+          </a:prstGeom>
+        </p:spPr>
+      </p:pic>
+      <p:pic>
+        <p:nvPicPr>
+          <p:cNvPr id="4" name="Mix and Cycle">
+            <a:extLst>
+              <a:ext uri="{FF2B5EF4-FFF2-40B4-BE49-F238E27FC236}">
+                <a16:creationId xmlns:a16="http://schemas.microsoft.com/office/drawing/2014/main" id="{E9C46625-F65A-0D4E-8D11-2AF7C6276298}"/>
+              </a:ext>
+            </a:extLst>
+          </p:cNvPr>
+          <p:cNvPicPr>
+            <a:picLocks noChangeAspect="1"/>
+          </p:cNvPicPr>
+          <p:nvPr/>
+        </p:nvPicPr>
+        <p:blipFill>
+          <a:blip r:embed="rId3"/>
+          <a:stretch>
+            <a:fillRect/>
+          </a:stretch>
+        </p:blipFill>
+        <p:spPr>
+          <a:xfrm>
+            <a:off x="0" y="4698"/>
+            <a:ext cx="12193199" cy="6848602"/>
+          </a:xfrm>
+          <a:prstGeom prst="rect">
+            <a:avLst/>
+          </a:prstGeom>
+        </p:spPr>
+      </p:pic>
+      <p:grpSp>
+        <p:nvGrpSpPr>
+          <p:cNvPr id="16" name="New syntax">
+            <a:extLst>
+              <a:ext uri="{FF2B5EF4-FFF2-40B4-BE49-F238E27FC236}">
+                <a16:creationId xmlns:a16="http://schemas.microsoft.com/office/drawing/2014/main" id="{78644B29-7D84-4442-B37A-6B76AC25BDD3}"/>
+              </a:ext>
+            </a:extLst>
+          </p:cNvPr>
+          <p:cNvGrpSpPr/>
+          <p:nvPr/>
+        </p:nvGrpSpPr>
+        <p:grpSpPr>
+          <a:xfrm>
+            <a:off x="1514449" y="5195548"/>
+            <a:ext cx="6303329" cy="1000181"/>
+            <a:chOff x="1514449" y="5195548"/>
+            <a:chExt cx="6303329" cy="1000181"/>
+          </a:xfrm>
+        </p:grpSpPr>
+        <p:sp>
+          <p:nvSpPr>
+            <p:cNvPr id="14" name="Underline new syntax">
+              <a:extLst>
+                <a:ext uri="{FF2B5EF4-FFF2-40B4-BE49-F238E27FC236}">
+                  <a16:creationId xmlns:a16="http://schemas.microsoft.com/office/drawing/2014/main" id="{C6C16A3E-F68C-7F48-843E-AD53A611C575}"/>
+                </a:ext>
+              </a:extLst>
+            </p:cNvPr>
+            <p:cNvSpPr/>
+            <p:nvPr/>
+          </p:nvSpPr>
+          <p:spPr>
+            <a:xfrm rot="21389104">
+              <a:off x="4216382" y="5195548"/>
+              <a:ext cx="899465" cy="182989"/>
+            </a:xfrm>
+            <a:custGeom>
+              <a:avLst/>
+              <a:gdLst>
+                <a:gd name="connsiteX0" fmla="*/ 0 w 899465"/>
+                <a:gd name="connsiteY0" fmla="*/ 0 h 182989"/>
+                <a:gd name="connsiteX1" fmla="*/ 100584 w 899465"/>
+                <a:gd name="connsiteY1" fmla="*/ 9144 h 182989"/>
+                <a:gd name="connsiteX2" fmla="*/ 237744 w 899465"/>
+                <a:gd name="connsiteY2" fmla="*/ 18288 h 182989"/>
+                <a:gd name="connsiteX3" fmla="*/ 274320 w 899465"/>
+                <a:gd name="connsiteY3" fmla="*/ 27432 h 182989"/>
+                <a:gd name="connsiteX4" fmla="*/ 649224 w 899465"/>
+                <a:gd name="connsiteY4" fmla="*/ 36576 h 182989"/>
+                <a:gd name="connsiteX5" fmla="*/ 676656 w 899465"/>
+                <a:gd name="connsiteY5" fmla="*/ 45720 h 182989"/>
+                <a:gd name="connsiteX6" fmla="*/ 402336 w 899465"/>
+                <a:gd name="connsiteY6" fmla="*/ 100584 h 182989"/>
+                <a:gd name="connsiteX7" fmla="*/ 219456 w 899465"/>
+                <a:gd name="connsiteY7" fmla="*/ 82296 h 182989"/>
+                <a:gd name="connsiteX8" fmla="*/ 182880 w 899465"/>
+                <a:gd name="connsiteY8" fmla="*/ 100584 h 182989"/>
+                <a:gd name="connsiteX9" fmla="*/ 374904 w 899465"/>
+                <a:gd name="connsiteY9" fmla="*/ 128016 h 182989"/>
+                <a:gd name="connsiteX10" fmla="*/ 484632 w 899465"/>
+                <a:gd name="connsiteY10" fmla="*/ 164592 h 182989"/>
+                <a:gd name="connsiteX11" fmla="*/ 539496 w 899465"/>
+                <a:gd name="connsiteY11" fmla="*/ 173736 h 182989"/>
+                <a:gd name="connsiteX12" fmla="*/ 612648 w 899465"/>
+                <a:gd name="connsiteY12" fmla="*/ 182880 h 182989"/>
+              </a:gdLst>
+              <a:ahLst/>
+              <a:cxnLst>
+                <a:cxn ang="0">
+                  <a:pos x="connsiteX0" y="connsiteY0"/>
+                </a:cxn>
+                <a:cxn ang="0">
+                  <a:pos x="connsiteX1" y="connsiteY1"/>
+                </a:cxn>
+                <a:cxn ang="0">
+                  <a:pos x="connsiteX2" y="connsiteY2"/>
+                </a:cxn>
+                <a:cxn ang="0">
+                  <a:pos x="connsiteX3" y="connsiteY3"/>
+                </a:cxn>
+                <a:cxn ang="0">
+                  <a:pos x="connsiteX4" y="connsiteY4"/>
+                </a:cxn>
+                <a:cxn ang="0">
+                  <a:pos x="connsiteX5" y="connsiteY5"/>
+                </a:cxn>
+                <a:cxn ang="0">
+                  <a:pos x="connsiteX6" y="connsiteY6"/>
+                </a:cxn>
+                <a:cxn ang="0">
+                  <a:pos x="connsiteX7" y="connsiteY7"/>
+                </a:cxn>
+                <a:cxn ang="0">
+                  <a:pos x="connsiteX8" y="connsiteY8"/>
+                </a:cxn>
+                <a:cxn ang="0">
+                  <a:pos x="connsiteX9" y="connsiteY9"/>
+                </a:cxn>
+                <a:cxn ang="0">
+                  <a:pos x="connsiteX10" y="connsiteY10"/>
+                </a:cxn>
+                <a:cxn ang="0">
+                  <a:pos x="connsiteX11" y="connsiteY11"/>
+                </a:cxn>
+                <a:cxn ang="0">
+                  <a:pos x="connsiteX12" y="connsiteY12"/>
+                </a:cxn>
+              </a:cxnLst>
+              <a:rect l="l" t="t" r="r" b="b"/>
+              <a:pathLst>
+                <a:path w="899465" h="182989">
+                  <a:moveTo>
+                    <a:pt x="0" y="0"/>
+                  </a:moveTo>
+                  <a:lnTo>
+                    <a:pt x="100584" y="9144"/>
+                  </a:lnTo>
+                  <a:cubicBezTo>
+                    <a:pt x="146271" y="12658"/>
+                    <a:pt x="192174" y="13491"/>
+                    <a:pt x="237744" y="18288"/>
+                  </a:cubicBezTo>
+                  <a:cubicBezTo>
+                    <a:pt x="250242" y="19604"/>
+                    <a:pt x="261765" y="26874"/>
+                    <a:pt x="274320" y="27432"/>
+                  </a:cubicBezTo>
+                  <a:cubicBezTo>
+                    <a:pt x="399202" y="32982"/>
+                    <a:pt x="524256" y="33528"/>
+                    <a:pt x="649224" y="36576"/>
+                  </a:cubicBezTo>
+                  <a:cubicBezTo>
+                    <a:pt x="658368" y="39624"/>
+                    <a:pt x="667092" y="44524"/>
+                    <a:pt x="676656" y="45720"/>
+                  </a:cubicBezTo>
+                  <a:cubicBezTo>
+                    <a:pt x="973101" y="82776"/>
+                    <a:pt x="1055979" y="49318"/>
+                    <a:pt x="402336" y="100584"/>
+                  </a:cubicBezTo>
+                  <a:cubicBezTo>
+                    <a:pt x="341556" y="90454"/>
+                    <a:pt x="282246" y="78808"/>
+                    <a:pt x="219456" y="82296"/>
+                  </a:cubicBezTo>
+                  <a:cubicBezTo>
+                    <a:pt x="205846" y="83052"/>
+                    <a:pt x="195072" y="94488"/>
+                    <a:pt x="182880" y="100584"/>
+                  </a:cubicBezTo>
+                  <a:cubicBezTo>
+                    <a:pt x="263835" y="154554"/>
+                    <a:pt x="160325" y="92253"/>
+                    <a:pt x="374904" y="128016"/>
+                  </a:cubicBezTo>
+                  <a:cubicBezTo>
+                    <a:pt x="412934" y="134354"/>
+                    <a:pt x="447484" y="154273"/>
+                    <a:pt x="484632" y="164592"/>
+                  </a:cubicBezTo>
+                  <a:cubicBezTo>
+                    <a:pt x="502496" y="169554"/>
+                    <a:pt x="521255" y="170419"/>
+                    <a:pt x="539496" y="173736"/>
+                  </a:cubicBezTo>
+                  <a:cubicBezTo>
+                    <a:pt x="599651" y="184673"/>
+                    <a:pt x="566457" y="182880"/>
+                    <a:pt x="612648" y="182880"/>
+                  </a:cubicBezTo>
+                </a:path>
+              </a:pathLst>
+            </a:custGeom>
+            <a:noFill/>
+            <a:ln w="76200" cap="rnd">
+              <a:solidFill>
+                <a:srgbClr val="C00000"/>
+              </a:solidFill>
+            </a:ln>
+          </p:spPr>
+          <p:style>
+            <a:lnRef idx="2">
+              <a:schemeClr val="accent1">
+                <a:shade val="50000"/>
+              </a:schemeClr>
+            </a:lnRef>
+            <a:fillRef idx="1">
+              <a:schemeClr val="accent1"/>
+            </a:fillRef>
+            <a:effectRef idx="0">
+              <a:schemeClr val="accent1"/>
+            </a:effectRef>
+            <a:fontRef idx="minor">
+              <a:schemeClr val="lt1"/>
+            </a:fontRef>
+          </p:style>
+          <p:txBody>
+            <a:bodyPr rtlCol="0" anchor="ctr"/>
+            <a:lstStyle/>
+            <a:p>
+              <a:pPr algn="ctr"/>
+              <a:endParaRPr lang="en-US" b="1" dirty="0">
+                <a:latin typeface="Helvetica Rounded Bold" pitchFamily="2" charset="77"/>
+              </a:endParaRPr>
+            </a:p>
+          </p:txBody>
+        </p:sp>
+        <p:sp>
+          <p:nvSpPr>
+            <p:cNvPr id="15" name="Explain new syntax">
+              <a:extLst>
+                <a:ext uri="{FF2B5EF4-FFF2-40B4-BE49-F238E27FC236}">
+                  <a16:creationId xmlns:a16="http://schemas.microsoft.com/office/drawing/2014/main" id="{08B64033-ED35-FF46-A74F-10D810DE61ED}"/>
+                </a:ext>
+              </a:extLst>
+            </p:cNvPr>
+            <p:cNvSpPr txBox="1"/>
+            <p:nvPr/>
+          </p:nvSpPr>
+          <p:spPr>
+            <a:xfrm>
+              <a:off x="1514449" y="5734064"/>
+              <a:ext cx="6303329" cy="461665"/>
+            </a:xfrm>
+            <a:prstGeom prst="rect">
+              <a:avLst/>
+            </a:prstGeom>
+            <a:noFill/>
+          </p:spPr>
+          <p:txBody>
+            <a:bodyPr wrap="none" rtlCol="0">
+              <a:spAutoFit/>
+            </a:bodyPr>
+            <a:lstStyle/>
+            <a:p>
+              <a:r>
+                <a:rPr lang="en-US" sz="2400" b="1" dirty="0">
+                  <a:latin typeface="Helvetica Rounded" pitchFamily="2" charset="77"/>
+                </a:rPr>
+                <a:t>(we have to use this new syntax for now)</a:t>
+              </a:r>
+            </a:p>
+          </p:txBody>
+        </p:sp>
+      </p:grpSp>
+      <p:pic>
+        <p:nvPicPr>
+          <p:cNvPr id="5" name="Deadlock derivation">
+            <a:extLst>
+              <a:ext uri="{FF2B5EF4-FFF2-40B4-BE49-F238E27FC236}">
+                <a16:creationId xmlns:a16="http://schemas.microsoft.com/office/drawing/2014/main" id="{5F1FDFCC-66DF-D04D-957C-0DAA6A97A904}"/>
+              </a:ext>
+            </a:extLst>
+          </p:cNvPr>
+          <p:cNvPicPr>
+            <a:picLocks noChangeAspect="1"/>
+          </p:cNvPicPr>
+          <p:nvPr/>
+        </p:nvPicPr>
+        <p:blipFill>
+          <a:blip r:embed="rId4"/>
+          <a:stretch>
+            <a:fillRect/>
+          </a:stretch>
+        </p:blipFill>
+        <p:spPr>
+          <a:xfrm>
+            <a:off x="1" y="4698"/>
+            <a:ext cx="12193197" cy="6848602"/>
+          </a:xfrm>
+          <a:prstGeom prst="rect">
+            <a:avLst/>
+          </a:prstGeom>
+        </p:spPr>
+      </p:pic>
+      <p:pic>
+        <p:nvPicPr>
+          <p:cNvPr id="6" name="Deadlock blurred">
+            <a:extLst>
+              <a:ext uri="{FF2B5EF4-FFF2-40B4-BE49-F238E27FC236}">
+                <a16:creationId xmlns:a16="http://schemas.microsoft.com/office/drawing/2014/main" id="{DD7B7A27-AD48-EE40-B74A-0438683856D7}"/>
+              </a:ext>
+            </a:extLst>
+          </p:cNvPr>
+          <p:cNvPicPr>
+            <a:picLocks noChangeAspect="1"/>
+          </p:cNvPicPr>
+          <p:nvPr/>
+        </p:nvPicPr>
+        <p:blipFill rotWithShape="1">
+          <a:blip r:embed="rId5">
+            <a:extLst>
+              <a:ext uri="{BEBA8EAE-BF5A-486C-A8C5-ECC9F3942E4B}">
+                <a14:imgProps xmlns:a14="http://schemas.microsoft.com/office/drawing/2010/main">
+                  <a14:imgLayer>
+                    <a14:imgEffect>
+                      <a14:artisticBlur/>
+                    </a14:imgEffect>
+                  </a14:imgLayer>
+                </a14:imgProps>
+              </a:ext>
+            </a:extLst>
+          </a:blip>
+          <a:srcRect b="13043"/>
+          <a:stretch/>
+        </p:blipFill>
+        <p:spPr>
+          <a:xfrm>
+            <a:off x="0" y="0"/>
+            <a:ext cx="12193434" cy="5963478"/>
+          </a:xfrm>
+          <a:prstGeom prst="rect">
+            <a:avLst/>
+          </a:prstGeom>
+        </p:spPr>
+      </p:pic>
+      <p:grpSp>
+        <p:nvGrpSpPr>
+          <p:cNvPr id="13" name="Deadlock visualisation">
+            <a:extLst>
+              <a:ext uri="{FF2B5EF4-FFF2-40B4-BE49-F238E27FC236}">
+                <a16:creationId xmlns:a16="http://schemas.microsoft.com/office/drawing/2014/main" id="{C055A356-52A3-344B-97C4-EB5FFFC4C579}"/>
+              </a:ext>
+            </a:extLst>
+          </p:cNvPr>
+          <p:cNvGrpSpPr/>
+          <p:nvPr/>
+        </p:nvGrpSpPr>
+        <p:grpSpPr>
+          <a:xfrm>
+            <a:off x="3936363" y="525081"/>
+            <a:ext cx="4320000" cy="5641160"/>
+            <a:chOff x="3936363" y="525108"/>
+            <a:chExt cx="4320000" cy="5639523"/>
+          </a:xfrm>
+        </p:grpSpPr>
+        <p:sp>
+          <p:nvSpPr>
+            <p:cNvPr id="2" name="Cycle">
+              <a:extLst>
+                <a:ext uri="{FF2B5EF4-FFF2-40B4-BE49-F238E27FC236}">
+                  <a16:creationId xmlns:a16="http://schemas.microsoft.com/office/drawing/2014/main" id="{1FC90729-CE59-F641-AC53-5A7EBEA6B5AF}"/>
+                </a:ext>
+              </a:extLst>
+            </p:cNvPr>
+            <p:cNvSpPr/>
+            <p:nvPr/>
+          </p:nvSpPr>
+          <p:spPr>
+            <a:xfrm>
+              <a:off x="3936363" y="1268810"/>
+              <a:ext cx="4320000" cy="4318746"/>
+            </a:xfrm>
+            <a:prstGeom prst="ellipse">
+              <a:avLst/>
+            </a:prstGeom>
+            <a:solidFill>
+              <a:srgbClr val="FAFAFA">
+                <a:alpha val="0"/>
+              </a:srgbClr>
+            </a:solidFill>
+            <a:ln w="101600" cap="rnd">
+              <a:solidFill>
+                <a:srgbClr val="22363B"/>
+              </a:solidFill>
+            </a:ln>
+          </p:spPr>
+          <p:style>
+            <a:lnRef idx="2">
+              <a:schemeClr val="accent1">
+                <a:shade val="50000"/>
+              </a:schemeClr>
+            </a:lnRef>
+            <a:fillRef idx="1">
+              <a:schemeClr val="accent1"/>
+            </a:fillRef>
+            <a:effectRef idx="0">
+              <a:schemeClr val="accent1"/>
+            </a:effectRef>
+            <a:fontRef idx="minor">
+              <a:schemeClr val="lt1"/>
+            </a:fontRef>
+          </p:style>
+          <p:txBody>
+            <a:bodyPr rtlCol="0" anchor="ctr"/>
+            <a:lstStyle/>
+            <a:p>
+              <a:pPr algn="ctr"/>
+              <a:endParaRPr lang="en-US"/>
+            </a:p>
+          </p:txBody>
+        </p:sp>
+        <p:sp>
+          <p:nvSpPr>
+            <p:cNvPr id="7" name="Background upper">
+              <a:extLst>
+                <a:ext uri="{FF2B5EF4-FFF2-40B4-BE49-F238E27FC236}">
+                  <a16:creationId xmlns:a16="http://schemas.microsoft.com/office/drawing/2014/main" id="{04BF032C-A6D2-E148-A620-168EF4557A7E}"/>
+                </a:ext>
+              </a:extLst>
+            </p:cNvPr>
+            <p:cNvSpPr/>
+            <p:nvPr/>
+          </p:nvSpPr>
+          <p:spPr>
+            <a:xfrm>
+              <a:off x="5833211" y="859733"/>
+              <a:ext cx="526774" cy="700710"/>
+            </a:xfrm>
+            <a:prstGeom prst="rect">
+              <a:avLst/>
+            </a:prstGeom>
+            <a:solidFill>
+              <a:srgbClr val="FAFAFA"/>
+            </a:solidFill>
+            <a:ln>
+              <a:solidFill>
+                <a:schemeClr val="bg1"/>
+              </a:solidFill>
+            </a:ln>
+          </p:spPr>
+          <p:style>
+            <a:lnRef idx="2">
+              <a:schemeClr val="accent1">
+                <a:shade val="50000"/>
+              </a:schemeClr>
+            </a:lnRef>
+            <a:fillRef idx="1">
+              <a:schemeClr val="accent1"/>
+            </a:fillRef>
+            <a:effectRef idx="0">
+              <a:schemeClr val="accent1"/>
+            </a:effectRef>
+            <a:fontRef idx="minor">
+              <a:schemeClr val="lt1"/>
+            </a:fontRef>
+          </p:style>
+          <p:txBody>
+            <a:bodyPr rtlCol="0" anchor="ctr"/>
+            <a:lstStyle/>
+            <a:p>
+              <a:pPr algn="ctr"/>
+              <a:endParaRPr lang="en-US"/>
+            </a:p>
+          </p:txBody>
+        </p:sp>
+        <p:sp>
+          <p:nvSpPr>
+            <p:cNvPr id="8" name="Background lower">
+              <a:extLst>
+                <a:ext uri="{FF2B5EF4-FFF2-40B4-BE49-F238E27FC236}">
+                  <a16:creationId xmlns:a16="http://schemas.microsoft.com/office/drawing/2014/main" id="{3AE9901D-223B-4148-81C6-C92B9B7C888A}"/>
+                </a:ext>
+              </a:extLst>
+            </p:cNvPr>
+            <p:cNvSpPr/>
+            <p:nvPr/>
+          </p:nvSpPr>
+          <p:spPr>
+            <a:xfrm>
+              <a:off x="5832976" y="5277677"/>
+              <a:ext cx="526774" cy="720585"/>
+            </a:xfrm>
+            <a:prstGeom prst="rect">
+              <a:avLst/>
+            </a:prstGeom>
+            <a:solidFill>
+              <a:srgbClr val="FAFAFA"/>
+            </a:solidFill>
+            <a:ln>
+              <a:solidFill>
+                <a:schemeClr val="bg1"/>
+              </a:solidFill>
+            </a:ln>
+          </p:spPr>
+          <p:style>
+            <a:lnRef idx="2">
+              <a:schemeClr val="accent1">
+                <a:shade val="50000"/>
+              </a:schemeClr>
+            </a:lnRef>
+            <a:fillRef idx="1">
+              <a:schemeClr val="accent1"/>
+            </a:fillRef>
+            <a:effectRef idx="0">
+              <a:schemeClr val="accent1"/>
+            </a:effectRef>
+            <a:fontRef idx="minor">
+              <a:schemeClr val="lt1"/>
+            </a:fontRef>
+          </p:style>
+          <p:txBody>
+            <a:bodyPr rtlCol="0" anchor="ctr"/>
+            <a:lstStyle/>
+            <a:p>
+              <a:pPr algn="ctr"/>
+              <a:endParaRPr lang="en-US"/>
+            </a:p>
+          </p:txBody>
+        </p:sp>
+        <p:sp>
+          <p:nvSpPr>
+            <p:cNvPr id="9" name="Channel x">
+              <a:extLst>
+                <a:ext uri="{FF2B5EF4-FFF2-40B4-BE49-F238E27FC236}">
+                  <a16:creationId xmlns:a16="http://schemas.microsoft.com/office/drawing/2014/main" id="{98769B58-509B-184F-B62B-773FD16998D5}"/>
+                </a:ext>
+              </a:extLst>
+            </p:cNvPr>
+            <p:cNvSpPr txBox="1"/>
+            <p:nvPr/>
+          </p:nvSpPr>
+          <p:spPr>
+            <a:xfrm>
+              <a:off x="5610800" y="529703"/>
+              <a:ext cx="444352" cy="738664"/>
+            </a:xfrm>
+            <a:prstGeom prst="rect">
+              <a:avLst/>
+            </a:prstGeom>
+            <a:noFill/>
+          </p:spPr>
+          <p:txBody>
+            <a:bodyPr wrap="none" rtlCol="0">
+              <a:spAutoFit/>
+            </a:bodyPr>
+            <a:lstStyle/>
+            <a:p>
+              <a:r>
+                <a:rPr lang="en-US" sz="4200" b="1" dirty="0">
+                  <a:latin typeface="Helvetica Rounded" pitchFamily="2" charset="77"/>
+                </a:rPr>
+                <a:t>x</a:t>
+              </a:r>
+            </a:p>
+          </p:txBody>
+        </p:sp>
+        <p:sp>
+          <p:nvSpPr>
+            <p:cNvPr id="10" name="Channel w">
+              <a:extLst>
+                <a:ext uri="{FF2B5EF4-FFF2-40B4-BE49-F238E27FC236}">
+                  <a16:creationId xmlns:a16="http://schemas.microsoft.com/office/drawing/2014/main" id="{01D061FE-2D71-1049-9C5E-464A22808F01}"/>
+                </a:ext>
+              </a:extLst>
+            </p:cNvPr>
+            <p:cNvSpPr txBox="1"/>
+            <p:nvPr/>
+          </p:nvSpPr>
+          <p:spPr>
+            <a:xfrm>
+              <a:off x="6110378" y="525108"/>
+              <a:ext cx="603050" cy="738664"/>
+            </a:xfrm>
+            <a:prstGeom prst="rect">
+              <a:avLst/>
+            </a:prstGeom>
+            <a:noFill/>
+          </p:spPr>
+          <p:txBody>
+            <a:bodyPr wrap="none" rtlCol="0">
+              <a:spAutoFit/>
+            </a:bodyPr>
+            <a:lstStyle/>
+            <a:p>
+              <a:r>
+                <a:rPr lang="en-US" sz="4200" b="1" dirty="0">
+                  <a:latin typeface="Helvetica Rounded" pitchFamily="2" charset="77"/>
+                </a:rPr>
+                <a:t>w</a:t>
+              </a:r>
+            </a:p>
+          </p:txBody>
+        </p:sp>
+        <p:sp>
+          <p:nvSpPr>
+            <p:cNvPr id="11" name="Channel y">
+              <a:extLst>
+                <a:ext uri="{FF2B5EF4-FFF2-40B4-BE49-F238E27FC236}">
+                  <a16:creationId xmlns:a16="http://schemas.microsoft.com/office/drawing/2014/main" id="{4FF46649-FBD4-1543-9861-5519F6EF4C1B}"/>
+                </a:ext>
+              </a:extLst>
+            </p:cNvPr>
+            <p:cNvSpPr txBox="1"/>
+            <p:nvPr/>
+          </p:nvSpPr>
+          <p:spPr>
+            <a:xfrm>
+              <a:off x="5605991" y="5425967"/>
+              <a:ext cx="453970" cy="738664"/>
+            </a:xfrm>
+            <a:prstGeom prst="rect">
+              <a:avLst/>
+            </a:prstGeom>
+            <a:noFill/>
+          </p:spPr>
+          <p:txBody>
+            <a:bodyPr wrap="none" rtlCol="0">
+              <a:spAutoFit/>
+            </a:bodyPr>
+            <a:lstStyle/>
+            <a:p>
+              <a:r>
+                <a:rPr lang="en-US" sz="4200" b="1" dirty="0">
+                  <a:latin typeface="Helvetica Rounded" pitchFamily="2" charset="77"/>
+                </a:rPr>
+                <a:t>y</a:t>
+              </a:r>
+            </a:p>
+          </p:txBody>
+        </p:sp>
+        <p:sp>
+          <p:nvSpPr>
+            <p:cNvPr id="12" name="Channel z">
+              <a:extLst>
+                <a:ext uri="{FF2B5EF4-FFF2-40B4-BE49-F238E27FC236}">
+                  <a16:creationId xmlns:a16="http://schemas.microsoft.com/office/drawing/2014/main" id="{CAD5B22B-E653-7E4F-9C8A-9CE9C16F96F2}"/>
+                </a:ext>
+              </a:extLst>
+            </p:cNvPr>
+            <p:cNvSpPr txBox="1"/>
+            <p:nvPr/>
+          </p:nvSpPr>
+          <p:spPr>
+            <a:xfrm>
+              <a:off x="6169689" y="5425967"/>
+              <a:ext cx="484428" cy="738664"/>
+            </a:xfrm>
+            <a:prstGeom prst="rect">
+              <a:avLst/>
+            </a:prstGeom>
+            <a:noFill/>
+          </p:spPr>
+          <p:txBody>
+            <a:bodyPr wrap="none" rtlCol="0">
+              <a:spAutoFit/>
+            </a:bodyPr>
+            <a:lstStyle/>
+            <a:p>
+              <a:r>
+                <a:rPr lang="en-US" sz="4200" b="1" dirty="0">
+                  <a:latin typeface="Helvetica Rounded" pitchFamily="2" charset="77"/>
+                </a:rPr>
+                <a:t>z</a:t>
+              </a:r>
+            </a:p>
+          </p:txBody>
+        </p:sp>
+      </p:grpSp>
+    </p:spTree>
+    <p:extLst>
+      <p:ext uri="{BB962C8B-B14F-4D97-AF65-F5344CB8AC3E}">
+        <p14:creationId xmlns:p14="http://schemas.microsoft.com/office/powerpoint/2010/main" val="1707756711"/>
+      </p:ext>
+    </p:extLst>
+  </p:cSld>
+  <p:clrMapOvr>
+    <a:masterClrMapping/>
+  </p:clrMapOvr>
+  <p:timing>
+    <p:tnLst>
+      <p:par>
+        <p:cTn id="1" dur="indefinite" restart="never" nodeType="tmRoot">
+          <p:childTnLst>
+            <p:seq concurrent="1" nextAc="seek">
+              <p:cTn id="2" dur="indefinite" nodeType="mainSeq">
+                <p:childTnLst>
+                  <p:par>
+                    <p:cTn id="3" fill="hold">
+                      <p:stCondLst>
+                        <p:cond delay="indefinite"/>
+                      </p:stCondLst>
+                      <p:childTnLst>
+                        <p:par>
+                          <p:cTn id="4" fill="hold">
+                            <p:stCondLst>
+                              <p:cond delay="0"/>
+                            </p:stCondLst>
+                            <p:childTnLst>
+                              <p:par>
+                                <p:cTn id="5" presetID="1" presetClass="entr" presetSubtype="0" fill="hold" nodeType="clickEffect">
+                                  <p:stCondLst>
+                                    <p:cond delay="0"/>
+                                  </p:stCondLst>
+                                  <p:childTnLst>
+                                    <p:set>
+                                      <p:cBhvr>
+                                        <p:cTn id="6" dur="1" fill="hold">
+                                          <p:stCondLst>
+                                            <p:cond delay="0"/>
+                                          </p:stCondLst>
+                                        </p:cTn>
+                                        <p:tgtEl>
+                                          <p:spTgt spid="4"/>
+                                        </p:tgtEl>
+                                        <p:attrNameLst>
+                                          <p:attrName>style.visibility</p:attrName>
+                                        </p:attrNameLst>
+                                      </p:cBhvr>
+                                      <p:to>
+                                        <p:strVal val="visible"/>
+                                      </p:to>
+                                    </p:set>
+                                  </p:childTnLst>
+                                </p:cTn>
+                              </p:par>
+                            </p:childTnLst>
+                          </p:cTn>
+                        </p:par>
+                      </p:childTnLst>
+                    </p:cTn>
+                  </p:par>
+                  <p:par>
+                    <p:cTn id="7" fill="hold">
+                      <p:stCondLst>
+                        <p:cond delay="indefinite"/>
+                      </p:stCondLst>
+                      <p:childTnLst>
+                        <p:par>
+                          <p:cTn id="8" fill="hold">
+                            <p:stCondLst>
+                              <p:cond delay="0"/>
+                            </p:stCondLst>
+                            <p:childTnLst>
+                              <p:par>
+                                <p:cTn id="9" presetID="1" presetClass="entr" presetSubtype="0" fill="hold" nodeType="clickEffect">
+                                  <p:stCondLst>
+                                    <p:cond delay="0"/>
+                                  </p:stCondLst>
+                                  <p:childTnLst>
+                                    <p:set>
+                                      <p:cBhvr>
+                                        <p:cTn id="10" dur="1" fill="hold">
+                                          <p:stCondLst>
+                                            <p:cond delay="0"/>
+                                          </p:stCondLst>
+                                        </p:cTn>
+                                        <p:tgtEl>
+                                          <p:spTgt spid="16"/>
+                                        </p:tgtEl>
+                                        <p:attrNameLst>
+                                          <p:attrName>style.visibility</p:attrName>
+                                        </p:attrNameLst>
+                                      </p:cBhvr>
+                                      <p:to>
+                                        <p:strVal val="visible"/>
+                                      </p:to>
+                                    </p:set>
+                                  </p:childTnLst>
+                                </p:cTn>
+                              </p:par>
+                            </p:childTnLst>
+                          </p:cTn>
+                        </p:par>
+                      </p:childTnLst>
+                    </p:cTn>
+                  </p:par>
+                  <p:par>
+                    <p:cTn id="11" fill="hold">
+                      <p:stCondLst>
+                        <p:cond delay="indefinite"/>
+                      </p:stCondLst>
+                      <p:childTnLst>
+                        <p:par>
+                          <p:cTn id="12" fill="hold">
+                            <p:stCondLst>
+                              <p:cond delay="0"/>
+                            </p:stCondLst>
+                            <p:childTnLst>
+                              <p:par>
+                                <p:cTn id="13" presetID="1" presetClass="entr" presetSubtype="0" fill="hold" nodeType="clickEffect">
+                                  <p:stCondLst>
+                                    <p:cond delay="0"/>
+                                  </p:stCondLst>
+                                  <p:childTnLst>
+                                    <p:set>
+                                      <p:cBhvr>
+                                        <p:cTn id="14" dur="1" fill="hold">
+                                          <p:stCondLst>
+                                            <p:cond delay="0"/>
+                                          </p:stCondLst>
+                                        </p:cTn>
+                                        <p:tgtEl>
+                                          <p:spTgt spid="5"/>
+                                        </p:tgtEl>
+                                        <p:attrNameLst>
+                                          <p:attrName>style.visibility</p:attrName>
+                                        </p:attrNameLst>
+                                      </p:cBhvr>
+                                      <p:to>
+                                        <p:strVal val="visible"/>
+                                      </p:to>
+                                    </p:set>
+                                  </p:childTnLst>
+                                </p:cTn>
+                              </p:par>
+                            </p:childTnLst>
+                          </p:cTn>
+                        </p:par>
+                      </p:childTnLst>
+                    </p:cTn>
+                  </p:par>
+                  <p:par>
+                    <p:cTn id="15" fill="hold">
+                      <p:stCondLst>
+                        <p:cond delay="indefinite"/>
+                      </p:stCondLst>
+                      <p:childTnLst>
+                        <p:par>
+                          <p:cTn id="16" fill="hold">
+                            <p:stCondLst>
+                              <p:cond delay="0"/>
+                            </p:stCondLst>
+                            <p:childTnLst>
+                              <p:par>
+                                <p:cTn id="17" presetID="1" presetClass="entr" presetSubtype="0" fill="hold" nodeType="clickEffect">
+                                  <p:stCondLst>
+                                    <p:cond delay="0"/>
+                                  </p:stCondLst>
+                                  <p:childTnLst>
+                                    <p:set>
+                                      <p:cBhvr>
+                                        <p:cTn id="18" dur="1" fill="hold">
+                                          <p:stCondLst>
+                                            <p:cond delay="0"/>
+                                          </p:stCondLst>
+                                        </p:cTn>
+                                        <p:tgtEl>
+                                          <p:spTgt spid="6"/>
+                                        </p:tgtEl>
+                                        <p:attrNameLst>
+                                          <p:attrName>style.visibility</p:attrName>
+                                        </p:attrNameLst>
+                                      </p:cBhvr>
+                                      <p:to>
+                                        <p:strVal val="visible"/>
+                                      </p:to>
+                                    </p:set>
+                                  </p:childTnLst>
+                                </p:cTn>
+                              </p:par>
+                              <p:par>
+                                <p:cTn id="19" presetID="1" presetClass="entr" presetSubtype="0" fill="hold" nodeType="withEffect">
+                                  <p:stCondLst>
+                                    <p:cond delay="0"/>
+                                  </p:stCondLst>
+                                  <p:childTnLst>
+                                    <p:set>
+                                      <p:cBhvr>
+                                        <p:cTn id="20" dur="1" fill="hold">
+                                          <p:stCondLst>
+                                            <p:cond delay="0"/>
+                                          </p:stCondLst>
+                                        </p:cTn>
+                                        <p:tgtEl>
+                                          <p:spTgt spid="13"/>
+                                        </p:tgtEl>
+                                        <p:attrNameLst>
+                                          <p:attrName>style.visibility</p:attrName>
+                                        </p:attrNameLst>
+                                      </p:cBhvr>
+                                      <p:to>
+                                        <p:strVal val="visible"/>
+                                      </p:to>
+                                    </p:set>
+                                  </p:childTnLst>
+                                </p:cTn>
+                              </p:par>
+                            </p:childTnLst>
+                          </p:cTn>
+                        </p:par>
+                      </p:childTnLst>
+                    </p:cTn>
+                  </p:par>
+                </p:childTnLst>
+              </p:cTn>
+              <p:prevCondLst>
+                <p:cond evt="onPrev" delay="0">
+                  <p:tgtEl>
+                    <p:sldTgt/>
+                  </p:tgtEl>
+                </p:cond>
+              </p:prevCondLst>
+              <p:nextCondLst>
+                <p:cond evt="onNext" delay="0">
+                  <p:tgtEl>
+                    <p:sldTgt/>
+                  </p:tgtEl>
+                </p:cond>
+              </p:nextCondLst>
+            </p:seq>
+          </p:childTnLst>
+        </p:cTn>
+      </p:par>
+    </p:tnLst>
+  </p:timing>
+</p:sld>
+</file>
+
+<file path=ppt/slides/slide13.xml><?xml version="1.0" encoding="utf-8"?>
+<p:sld xmlns:a="http://schemas.openxmlformats.org/drawingml/2006/main" xmlns:r="http://schemas.openxmlformats.org/officeDocument/2006/relationships" xmlns:p="http://schemas.openxmlformats.org/presentationml/2006/main">
+  <p:cSld>
+    <p:spTree>
+      <p:nvGrpSpPr>
+        <p:cNvPr id="1" name=""/>
+        <p:cNvGrpSpPr/>
+        <p:nvPr/>
+      </p:nvGrpSpPr>
+      <p:grpSpPr>
+        <a:xfrm>
+          <a:off x="0" y="0"/>
+          <a:ext cx="0" cy="0"/>
+          <a:chOff x="0" y="0"/>
+          <a:chExt cx="0" cy="0"/>
+        </a:xfrm>
+      </p:grpSpPr>
+      <p:grpSp>
+        <p:nvGrpSpPr>
+          <p:cNvPr id="11" name="P">
+            <a:extLst>
+              <a:ext uri="{FF2B5EF4-FFF2-40B4-BE49-F238E27FC236}">
+                <a16:creationId xmlns:a16="http://schemas.microsoft.com/office/drawing/2014/main" id="{76015533-80CB-DD45-9510-833F0089D61A}"/>
+              </a:ext>
+            </a:extLst>
+          </p:cNvPr>
+          <p:cNvGrpSpPr/>
+          <p:nvPr/>
+        </p:nvGrpSpPr>
+        <p:grpSpPr>
+          <a:xfrm>
+            <a:off x="-2880000" y="-172800"/>
+            <a:ext cx="7200000" cy="7200000"/>
+            <a:chOff x="-2880000" y="-172800"/>
+            <a:chExt cx="7200000" cy="7200000"/>
+          </a:xfrm>
+        </p:grpSpPr>
+        <p:sp>
+          <p:nvSpPr>
+            <p:cNvPr id="3" name="P circle">
+              <a:extLst>
+                <a:ext uri="{FF2B5EF4-FFF2-40B4-BE49-F238E27FC236}">
+                  <a16:creationId xmlns:a16="http://schemas.microsoft.com/office/drawing/2014/main" id="{8E344B07-F0E6-934B-9454-75CA13860297}"/>
+                </a:ext>
+              </a:extLst>
+            </p:cNvPr>
+            <p:cNvSpPr/>
+            <p:nvPr/>
+          </p:nvSpPr>
+          <p:spPr>
+            <a:xfrm>
+              <a:off x="-2880000" y="-172800"/>
+              <a:ext cx="7200000" cy="7200000"/>
+            </a:xfrm>
+            <a:prstGeom prst="ellipse">
+              <a:avLst/>
+            </a:prstGeom>
+            <a:noFill/>
+            <a:ln w="101600">
+              <a:solidFill>
+                <a:srgbClr val="22363B"/>
+              </a:solidFill>
+            </a:ln>
+          </p:spPr>
+          <p:style>
+            <a:lnRef idx="2">
+              <a:schemeClr val="accent1">
+                <a:shade val="50000"/>
+              </a:schemeClr>
+            </a:lnRef>
+            <a:fillRef idx="1">
+              <a:schemeClr val="accent1"/>
+            </a:fillRef>
+            <a:effectRef idx="0">
+              <a:schemeClr val="accent1"/>
+            </a:effectRef>
+            <a:fontRef idx="minor">
+              <a:schemeClr val="lt1"/>
+            </a:fontRef>
+          </p:style>
+          <p:txBody>
+            <a:bodyPr rtlCol="0" anchor="ctr"/>
+            <a:lstStyle/>
+            <a:p>
+              <a:pPr algn="ctr"/>
+              <a:endParaRPr lang="en-US"/>
+            </a:p>
+          </p:txBody>
+        </p:sp>
+        <p:sp>
+          <p:nvSpPr>
+            <p:cNvPr id="6" name="P text">
+              <a:extLst>
+                <a:ext uri="{FF2B5EF4-FFF2-40B4-BE49-F238E27FC236}">
+                  <a16:creationId xmlns:a16="http://schemas.microsoft.com/office/drawing/2014/main" id="{5E7C67B3-1AF0-334A-8B02-1ED3E8B7B88A}"/>
+                </a:ext>
+              </a:extLst>
+            </p:cNvPr>
+            <p:cNvSpPr txBox="1"/>
+            <p:nvPr/>
+          </p:nvSpPr>
+          <p:spPr>
+            <a:xfrm>
+              <a:off x="302257" y="2827034"/>
+              <a:ext cx="835485" cy="1200329"/>
+            </a:xfrm>
+            <a:prstGeom prst="rect">
+              <a:avLst/>
+            </a:prstGeom>
+            <a:noFill/>
+          </p:spPr>
+          <p:txBody>
+            <a:bodyPr wrap="none" rtlCol="0">
+              <a:spAutoFit/>
+            </a:bodyPr>
+            <a:lstStyle/>
+            <a:p>
+              <a:r>
+                <a:rPr lang="en-US" sz="7200" b="1" dirty="0">
+                  <a:latin typeface="Helvetica Rounded" pitchFamily="2" charset="77"/>
+                </a:rPr>
+                <a:t>P</a:t>
+              </a:r>
+            </a:p>
+          </p:txBody>
+        </p:sp>
+      </p:grpSp>
+      <p:grpSp>
+        <p:nvGrpSpPr>
+          <p:cNvPr id="12" name="Q">
+            <a:extLst>
+              <a:ext uri="{FF2B5EF4-FFF2-40B4-BE49-F238E27FC236}">
+                <a16:creationId xmlns:a16="http://schemas.microsoft.com/office/drawing/2014/main" id="{B24B3303-E8F1-3542-A34F-7B0641713CC4}"/>
+              </a:ext>
+            </a:extLst>
+          </p:cNvPr>
+          <p:cNvGrpSpPr/>
+          <p:nvPr/>
+        </p:nvGrpSpPr>
+        <p:grpSpPr>
+          <a:xfrm>
+            <a:off x="7873200" y="-172800"/>
+            <a:ext cx="7200000" cy="7200000"/>
+            <a:chOff x="7873200" y="-172800"/>
+            <a:chExt cx="7200000" cy="7200000"/>
+          </a:xfrm>
+        </p:grpSpPr>
+        <p:sp>
+          <p:nvSpPr>
+            <p:cNvPr id="5" name="Q circle">
+              <a:extLst>
+                <a:ext uri="{FF2B5EF4-FFF2-40B4-BE49-F238E27FC236}">
+                  <a16:creationId xmlns:a16="http://schemas.microsoft.com/office/drawing/2014/main" id="{C0812F3B-BA37-E74B-B0A9-35A0FD72AF7A}"/>
+                </a:ext>
+              </a:extLst>
+            </p:cNvPr>
+            <p:cNvSpPr/>
+            <p:nvPr/>
+          </p:nvSpPr>
+          <p:spPr>
+            <a:xfrm>
+              <a:off x="7873200" y="-172800"/>
+              <a:ext cx="7200000" cy="7200000"/>
+            </a:xfrm>
+            <a:prstGeom prst="ellipse">
+              <a:avLst/>
+            </a:prstGeom>
+            <a:noFill/>
+            <a:ln w="101600">
+              <a:solidFill>
+                <a:srgbClr val="22363B"/>
+              </a:solidFill>
+            </a:ln>
+          </p:spPr>
+          <p:style>
+            <a:lnRef idx="2">
+              <a:schemeClr val="accent1">
+                <a:shade val="50000"/>
+              </a:schemeClr>
+            </a:lnRef>
+            <a:fillRef idx="1">
+              <a:schemeClr val="accent1"/>
+            </a:fillRef>
+            <a:effectRef idx="0">
+              <a:schemeClr val="accent1"/>
+            </a:effectRef>
+            <a:fontRef idx="minor">
+              <a:schemeClr val="lt1"/>
+            </a:fontRef>
+          </p:style>
+          <p:txBody>
+            <a:bodyPr rtlCol="0" anchor="ctr"/>
+            <a:lstStyle/>
+            <a:p>
+              <a:pPr algn="ctr"/>
+              <a:endParaRPr lang="en-US"/>
+            </a:p>
+          </p:txBody>
+        </p:sp>
+        <p:sp>
+          <p:nvSpPr>
+            <p:cNvPr id="7" name="Q text">
+              <a:extLst>
+                <a:ext uri="{FF2B5EF4-FFF2-40B4-BE49-F238E27FC236}">
+                  <a16:creationId xmlns:a16="http://schemas.microsoft.com/office/drawing/2014/main" id="{7CC0F14F-ED37-6145-9984-CDD6DCA485AC}"/>
+                </a:ext>
+              </a:extLst>
+            </p:cNvPr>
+            <p:cNvSpPr txBox="1"/>
+            <p:nvPr/>
+          </p:nvSpPr>
+          <p:spPr>
+            <a:xfrm>
+              <a:off x="11004161" y="2827034"/>
+              <a:ext cx="938077" cy="1200329"/>
+            </a:xfrm>
+            <a:prstGeom prst="rect">
+              <a:avLst/>
+            </a:prstGeom>
+            <a:noFill/>
+          </p:spPr>
+          <p:txBody>
+            <a:bodyPr wrap="none" rtlCol="0">
+              <a:spAutoFit/>
+            </a:bodyPr>
+            <a:lstStyle/>
+            <a:p>
+              <a:r>
+                <a:rPr lang="en-US" sz="7200" b="1" dirty="0">
+                  <a:latin typeface="Helvetica Rounded" pitchFamily="2" charset="77"/>
+                </a:rPr>
+                <a:t>Q</a:t>
+              </a:r>
+            </a:p>
+          </p:txBody>
+        </p:sp>
+      </p:grpSp>
+      <p:cxnSp>
+        <p:nvCxnSpPr>
+          <p:cNvPr id="9" name="Channel">
+            <a:extLst>
+              <a:ext uri="{FF2B5EF4-FFF2-40B4-BE49-F238E27FC236}">
+                <a16:creationId xmlns:a16="http://schemas.microsoft.com/office/drawing/2014/main" id="{D6C0572A-6696-8B4D-AA8A-5FECCCAF448D}"/>
+              </a:ext>
+            </a:extLst>
+          </p:cNvPr>
+          <p:cNvCxnSpPr>
+            <a:stCxn id="3" idx="6"/>
+            <a:endCxn id="5" idx="2"/>
+          </p:cNvCxnSpPr>
+          <p:nvPr/>
+        </p:nvCxnSpPr>
+        <p:spPr>
+          <a:xfrm>
+            <a:off x="4320000" y="3427200"/>
+            <a:ext cx="3553200" cy="0"/>
+          </a:xfrm>
+          <a:prstGeom prst="line">
+            <a:avLst/>
+          </a:prstGeom>
+          <a:ln w="101600">
+            <a:solidFill>
+              <a:srgbClr val="22363B"/>
+            </a:solidFill>
+          </a:ln>
+        </p:spPr>
+        <p:style>
+          <a:lnRef idx="1">
+            <a:schemeClr val="accent1"/>
+          </a:lnRef>
+          <a:fillRef idx="0">
+            <a:schemeClr val="accent1"/>
+          </a:fillRef>
+          <a:effectRef idx="0">
+            <a:schemeClr val="accent1"/>
+          </a:effectRef>
+          <a:fontRef idx="minor">
+            <a:schemeClr val="tx1"/>
+          </a:fontRef>
+        </p:style>
+      </p:cxnSp>
+    </p:spTree>
+    <p:extLst>
+      <p:ext uri="{BB962C8B-B14F-4D97-AF65-F5344CB8AC3E}">
+        <p14:creationId xmlns:p14="http://schemas.microsoft.com/office/powerpoint/2010/main" val="1173605370"/>
+      </p:ext>
+    </p:extLst>
+  </p:cSld>
+  <p:clrMapOvr>
+    <a:masterClrMapping/>
+  </p:clrMapOvr>
+  <p:timing>
+    <p:tnLst>
+      <p:par>
+        <p:cTn id="1" dur="indefinite" restart="never" nodeType="tmRoot">
+          <p:childTnLst>
+            <p:seq concurrent="1" nextAc="seek">
+              <p:cTn id="2" dur="indefinite" nodeType="mainSeq">
+                <p:childTnLst>
+                  <p:par>
+                    <p:cTn id="3" fill="hold">
+                      <p:stCondLst>
+                        <p:cond delay="indefinite"/>
+                      </p:stCondLst>
+                      <p:childTnLst>
+                        <p:par>
+                          <p:cTn id="4" fill="hold">
+                            <p:stCondLst>
+                              <p:cond delay="0"/>
+                            </p:stCondLst>
+                            <p:childTnLst>
+                              <p:par>
+                                <p:cTn id="5" presetID="1" presetClass="entr" presetSubtype="0" fill="hold" nodeType="clickEffect">
+                                  <p:stCondLst>
+                                    <p:cond delay="0"/>
+                                  </p:stCondLst>
+                                  <p:childTnLst>
+                                    <p:set>
+                                      <p:cBhvr>
+                                        <p:cTn id="6" dur="1" fill="hold">
+                                          <p:stCondLst>
+                                            <p:cond delay="0"/>
+                                          </p:stCondLst>
+                                        </p:cTn>
+                                        <p:tgtEl>
+                                          <p:spTgt spid="9"/>
+                                        </p:tgtEl>
+                                        <p:attrNameLst>
+                                          <p:attrName>style.visibility</p:attrName>
+                                        </p:attrNameLst>
+                                      </p:cBhvr>
+                                      <p:to>
+                                        <p:strVal val="visible"/>
+                                      </p:to>
+                                    </p:set>
+                                  </p:childTnLst>
+                                </p:cTn>
+                              </p:par>
+                            </p:childTnLst>
+                          </p:cTn>
+                        </p:par>
+                      </p:childTnLst>
+                    </p:cTn>
+                  </p:par>
+                </p:childTnLst>
+              </p:cTn>
+              <p:prevCondLst>
+                <p:cond evt="onPrev" delay="0">
+                  <p:tgtEl>
+                    <p:sldTgt/>
+                  </p:tgtEl>
+                </p:cond>
+              </p:prevCondLst>
+              <p:nextCondLst>
+                <p:cond evt="onNext" delay="0">
+                  <p:tgtEl>
+                    <p:sldTgt/>
+                  </p:tgtEl>
+                </p:cond>
+              </p:nextCondLst>
+            </p:seq>
+          </p:childTnLst>
+        </p:cTn>
+      </p:par>
+    </p:tnLst>
+  </p:timing>
+</p:sld>
+</file>
+
+<file path=ppt/slides/slide14.xml><?xml version="1.0" encoding="utf-8"?>
+<p:sld xmlns:a="http://schemas.openxmlformats.org/drawingml/2006/main" xmlns:r="http://schemas.openxmlformats.org/officeDocument/2006/relationships" xmlns:p="http://schemas.openxmlformats.org/presentationml/2006/main">
+  <p:cSld>
+    <p:spTree>
+      <p:nvGrpSpPr>
+        <p:cNvPr id="1" name=""/>
+        <p:cNvGrpSpPr/>
+        <p:nvPr/>
+      </p:nvGrpSpPr>
+      <p:grpSpPr>
+        <a:xfrm>
+          <a:off x="0" y="0"/>
+          <a:ext cx="0" cy="0"/>
+          <a:chOff x="0" y="0"/>
+          <a:chExt cx="0" cy="0"/>
+        </a:xfrm>
+      </p:grpSpPr>
+      <p:grpSp>
+        <p:nvGrpSpPr>
+          <p:cNvPr id="9" name="Group 8">
+            <a:extLst>
+              <a:ext uri="{FF2B5EF4-FFF2-40B4-BE49-F238E27FC236}">
+                <a16:creationId xmlns:a16="http://schemas.microsoft.com/office/drawing/2014/main" id="{AAA5EB7D-F92C-084C-98CA-3F125187C195}"/>
+              </a:ext>
+            </a:extLst>
+          </p:cNvPr>
+          <p:cNvGrpSpPr/>
+          <p:nvPr/>
+        </p:nvGrpSpPr>
+        <p:grpSpPr>
+          <a:xfrm>
+            <a:off x="-774939" y="2124206"/>
+            <a:ext cx="6499878" cy="2605984"/>
+            <a:chOff x="-2880000" y="-172800"/>
+            <a:chExt cx="17953200" cy="7200000"/>
+          </a:xfrm>
+        </p:grpSpPr>
+        <p:grpSp>
+          <p:nvGrpSpPr>
+            <p:cNvPr id="2" name="P">
+              <a:extLst>
+                <a:ext uri="{FF2B5EF4-FFF2-40B4-BE49-F238E27FC236}">
+                  <a16:creationId xmlns:a16="http://schemas.microsoft.com/office/drawing/2014/main" id="{22844E57-8179-7346-8A5A-52511D1B94A2}"/>
+                </a:ext>
+              </a:extLst>
+            </p:cNvPr>
+            <p:cNvGrpSpPr/>
+            <p:nvPr/>
+          </p:nvGrpSpPr>
+          <p:grpSpPr>
+            <a:xfrm>
+              <a:off x="-2880000" y="-172800"/>
+              <a:ext cx="7200000" cy="7200000"/>
+              <a:chOff x="-2880000" y="-172800"/>
+              <a:chExt cx="7200000" cy="7200000"/>
+            </a:xfrm>
+          </p:grpSpPr>
+          <p:sp>
+            <p:nvSpPr>
+              <p:cNvPr id="3" name="P circle">
+                <a:extLst>
+                  <a:ext uri="{FF2B5EF4-FFF2-40B4-BE49-F238E27FC236}">
+                    <a16:creationId xmlns:a16="http://schemas.microsoft.com/office/drawing/2014/main" id="{A27E5C9C-78AD-1B4C-9D80-6555CE938311}"/>
+                  </a:ext>
+                </a:extLst>
+              </p:cNvPr>
+              <p:cNvSpPr/>
+              <p:nvPr/>
+            </p:nvSpPr>
+            <p:spPr>
+              <a:xfrm>
+                <a:off x="-2880000" y="-172800"/>
+                <a:ext cx="7200000" cy="7200000"/>
+              </a:xfrm>
+              <a:prstGeom prst="ellipse">
+                <a:avLst/>
+              </a:prstGeom>
+              <a:noFill/>
+              <a:ln w="101600">
+                <a:solidFill>
+                  <a:srgbClr val="22363B"/>
+                </a:solidFill>
+              </a:ln>
+            </p:spPr>
+            <p:style>
+              <a:lnRef idx="2">
+                <a:schemeClr val="accent1">
+                  <a:shade val="50000"/>
+                </a:schemeClr>
+              </a:lnRef>
+              <a:fillRef idx="1">
+                <a:schemeClr val="accent1"/>
+              </a:fillRef>
+              <a:effectRef idx="0">
+                <a:schemeClr val="accent1"/>
+              </a:effectRef>
+              <a:fontRef idx="minor">
+                <a:schemeClr val="lt1"/>
+              </a:fontRef>
+            </p:style>
+            <p:txBody>
+              <a:bodyPr rtlCol="0" anchor="ctr"/>
+              <a:lstStyle/>
+              <a:p>
+                <a:pPr algn="ctr"/>
+                <a:endParaRPr lang="en-US"/>
+              </a:p>
+            </p:txBody>
+          </p:sp>
+          <p:sp>
+            <p:nvSpPr>
+              <p:cNvPr id="4" name="P text">
+                <a:extLst>
+                  <a:ext uri="{FF2B5EF4-FFF2-40B4-BE49-F238E27FC236}">
+                    <a16:creationId xmlns:a16="http://schemas.microsoft.com/office/drawing/2014/main" id="{D977E1A5-DB3B-DE49-A23C-B692D72C066B}"/>
+                  </a:ext>
+                </a:extLst>
+              </p:cNvPr>
+              <p:cNvSpPr txBox="1"/>
+              <p:nvPr/>
+            </p:nvSpPr>
+            <p:spPr>
+              <a:xfrm>
+                <a:off x="-538395" y="1747838"/>
+                <a:ext cx="2516796" cy="3316355"/>
+              </a:xfrm>
+              <a:prstGeom prst="rect">
+                <a:avLst/>
+              </a:prstGeom>
+              <a:noFill/>
+            </p:spPr>
+            <p:txBody>
+              <a:bodyPr wrap="square" rtlCol="0" anchor="ctr">
+                <a:spAutoFit/>
+              </a:bodyPr>
+              <a:lstStyle/>
+              <a:p>
+                <a:pPr algn="ctr"/>
+                <a:r>
+                  <a:rPr lang="en-US" sz="7200" b="1" dirty="0">
+                    <a:latin typeface="Helvetica Rounded" pitchFamily="2" charset="77"/>
+                  </a:rPr>
+                  <a:t>P</a:t>
+                </a:r>
+              </a:p>
+            </p:txBody>
+          </p:sp>
+        </p:grpSp>
+        <p:grpSp>
+          <p:nvGrpSpPr>
+            <p:cNvPr id="5" name="Q">
+              <a:extLst>
+                <a:ext uri="{FF2B5EF4-FFF2-40B4-BE49-F238E27FC236}">
+                  <a16:creationId xmlns:a16="http://schemas.microsoft.com/office/drawing/2014/main" id="{606CA72D-D63E-7D43-B3D3-C0486E61BD43}"/>
+                </a:ext>
+              </a:extLst>
+            </p:cNvPr>
+            <p:cNvGrpSpPr/>
+            <p:nvPr/>
+          </p:nvGrpSpPr>
+          <p:grpSpPr>
+            <a:xfrm>
+              <a:off x="7873200" y="-172800"/>
+              <a:ext cx="7200000" cy="7200000"/>
+              <a:chOff x="7873200" y="-172800"/>
+              <a:chExt cx="7200000" cy="7200000"/>
+            </a:xfrm>
+          </p:grpSpPr>
+          <p:sp>
+            <p:nvSpPr>
+              <p:cNvPr id="6" name="Q circle">
+                <a:extLst>
+                  <a:ext uri="{FF2B5EF4-FFF2-40B4-BE49-F238E27FC236}">
+                    <a16:creationId xmlns:a16="http://schemas.microsoft.com/office/drawing/2014/main" id="{2AD74509-888D-8F4F-A312-94143C6289AD}"/>
+                  </a:ext>
+                </a:extLst>
+              </p:cNvPr>
+              <p:cNvSpPr/>
+              <p:nvPr/>
+            </p:nvSpPr>
+            <p:spPr>
+              <a:xfrm>
+                <a:off x="7873200" y="-172800"/>
+                <a:ext cx="7200000" cy="7200000"/>
+              </a:xfrm>
+              <a:prstGeom prst="ellipse">
+                <a:avLst/>
+              </a:prstGeom>
+              <a:noFill/>
+              <a:ln w="101600">
+                <a:solidFill>
+                  <a:srgbClr val="22363B"/>
+                </a:solidFill>
+              </a:ln>
+            </p:spPr>
+            <p:style>
+              <a:lnRef idx="2">
+                <a:schemeClr val="accent1">
+                  <a:shade val="50000"/>
+                </a:schemeClr>
+              </a:lnRef>
+              <a:fillRef idx="1">
+                <a:schemeClr val="accent1"/>
+              </a:fillRef>
+              <a:effectRef idx="0">
+                <a:schemeClr val="accent1"/>
+              </a:effectRef>
+              <a:fontRef idx="minor">
+                <a:schemeClr val="lt1"/>
+              </a:fontRef>
+            </p:style>
+            <p:txBody>
+              <a:bodyPr rtlCol="0" anchor="ctr"/>
+              <a:lstStyle/>
+              <a:p>
+                <a:pPr algn="ctr"/>
+                <a:endParaRPr lang="en-US"/>
+              </a:p>
+            </p:txBody>
+          </p:sp>
+          <p:sp>
+            <p:nvSpPr>
+              <p:cNvPr id="7" name="Q text">
+                <a:extLst>
+                  <a:ext uri="{FF2B5EF4-FFF2-40B4-BE49-F238E27FC236}">
+                    <a16:creationId xmlns:a16="http://schemas.microsoft.com/office/drawing/2014/main" id="{0501D919-3CF9-074B-855F-47DE3EF68E56}"/>
+                  </a:ext>
+                </a:extLst>
+              </p:cNvPr>
+              <p:cNvSpPr txBox="1"/>
+              <p:nvPr/>
+            </p:nvSpPr>
+            <p:spPr>
+              <a:xfrm>
+                <a:off x="10137439" y="1747835"/>
+                <a:ext cx="2827977" cy="3316355"/>
+              </a:xfrm>
+              <a:prstGeom prst="rect">
+                <a:avLst/>
+              </a:prstGeom>
+              <a:noFill/>
+            </p:spPr>
+            <p:txBody>
+              <a:bodyPr wrap="square" rtlCol="0" anchor="ctr">
+                <a:spAutoFit/>
+              </a:bodyPr>
+              <a:lstStyle/>
+              <a:p>
+                <a:pPr algn="ctr"/>
+                <a:r>
+                  <a:rPr lang="en-US" sz="7200" b="1" dirty="0">
+                    <a:latin typeface="Helvetica Rounded" pitchFamily="2" charset="77"/>
+                  </a:rPr>
+                  <a:t>Q</a:t>
+                </a:r>
+              </a:p>
+            </p:txBody>
+          </p:sp>
+        </p:grpSp>
+        <p:cxnSp>
+          <p:nvCxnSpPr>
+            <p:cNvPr id="8" name="Channel">
+              <a:extLst>
+                <a:ext uri="{FF2B5EF4-FFF2-40B4-BE49-F238E27FC236}">
+                  <a16:creationId xmlns:a16="http://schemas.microsoft.com/office/drawing/2014/main" id="{CE3C4EA6-A094-D940-8176-F900BE46B2BB}"/>
+                </a:ext>
+              </a:extLst>
+            </p:cNvPr>
+            <p:cNvCxnSpPr>
+              <a:stCxn id="3" idx="6"/>
+              <a:endCxn id="6" idx="2"/>
+            </p:cNvCxnSpPr>
+            <p:nvPr/>
+          </p:nvCxnSpPr>
+          <p:spPr>
+            <a:xfrm>
+              <a:off x="4320000" y="3427200"/>
+              <a:ext cx="3553200" cy="0"/>
+            </a:xfrm>
+            <a:prstGeom prst="line">
+              <a:avLst/>
+            </a:prstGeom>
+            <a:ln w="101600">
+              <a:solidFill>
+                <a:srgbClr val="22363B"/>
+              </a:solidFill>
+            </a:ln>
+          </p:spPr>
+          <p:style>
+            <a:lnRef idx="1">
+              <a:schemeClr val="accent1"/>
+            </a:lnRef>
+            <a:fillRef idx="0">
+              <a:schemeClr val="accent1"/>
+            </a:fillRef>
+            <a:effectRef idx="0">
+              <a:schemeClr val="accent1"/>
+            </a:effectRef>
+            <a:fontRef idx="minor">
+              <a:schemeClr val="tx1"/>
+            </a:fontRef>
+          </p:style>
+        </p:cxnSp>
+      </p:grpSp>
+      <p:grpSp>
+        <p:nvGrpSpPr>
+          <p:cNvPr id="10" name="Q">
+            <a:extLst>
+              <a:ext uri="{FF2B5EF4-FFF2-40B4-BE49-F238E27FC236}">
+                <a16:creationId xmlns:a16="http://schemas.microsoft.com/office/drawing/2014/main" id="{050EA663-5F06-6D44-8E1F-781605AA8591}"/>
+              </a:ext>
+            </a:extLst>
+          </p:cNvPr>
+          <p:cNvGrpSpPr/>
+          <p:nvPr/>
+        </p:nvGrpSpPr>
+        <p:grpSpPr>
+          <a:xfrm>
+            <a:off x="7873200" y="-172800"/>
+            <a:ext cx="7200000" cy="7200000"/>
+            <a:chOff x="7873200" y="-172800"/>
+            <a:chExt cx="7200000" cy="7200000"/>
+          </a:xfrm>
+        </p:grpSpPr>
+        <p:sp>
+          <p:nvSpPr>
+            <p:cNvPr id="11" name="Q circle">
+              <a:extLst>
+                <a:ext uri="{FF2B5EF4-FFF2-40B4-BE49-F238E27FC236}">
+                  <a16:creationId xmlns:a16="http://schemas.microsoft.com/office/drawing/2014/main" id="{3BB7CF64-6982-F949-A7EE-855757F4A55D}"/>
+                </a:ext>
+              </a:extLst>
+            </p:cNvPr>
+            <p:cNvSpPr/>
+            <p:nvPr/>
+          </p:nvSpPr>
+          <p:spPr>
+            <a:xfrm>
+              <a:off x="7873200" y="-172800"/>
+              <a:ext cx="7200000" cy="7200000"/>
+            </a:xfrm>
+            <a:prstGeom prst="ellipse">
+              <a:avLst/>
+            </a:prstGeom>
+            <a:noFill/>
+            <a:ln w="101600">
+              <a:solidFill>
+                <a:srgbClr val="22363B"/>
+              </a:solidFill>
+            </a:ln>
+          </p:spPr>
+          <p:style>
+            <a:lnRef idx="2">
+              <a:schemeClr val="accent1">
+                <a:shade val="50000"/>
+              </a:schemeClr>
+            </a:lnRef>
+            <a:fillRef idx="1">
+              <a:schemeClr val="accent1"/>
+            </a:fillRef>
+            <a:effectRef idx="0">
+              <a:schemeClr val="accent1"/>
+            </a:effectRef>
+            <a:fontRef idx="minor">
+              <a:schemeClr val="lt1"/>
+            </a:fontRef>
+          </p:style>
+          <p:txBody>
+            <a:bodyPr rtlCol="0" anchor="ctr"/>
+            <a:lstStyle/>
+            <a:p>
+              <a:pPr algn="ctr"/>
+              <a:endParaRPr lang="en-US"/>
+            </a:p>
+          </p:txBody>
+        </p:sp>
+        <p:sp>
+          <p:nvSpPr>
+            <p:cNvPr id="12" name="Q text">
+              <a:extLst>
+                <a:ext uri="{FF2B5EF4-FFF2-40B4-BE49-F238E27FC236}">
+                  <a16:creationId xmlns:a16="http://schemas.microsoft.com/office/drawing/2014/main" id="{BA77CF39-5226-F94A-84CA-7D8F1A059D25}"/>
+                </a:ext>
+              </a:extLst>
+            </p:cNvPr>
+            <p:cNvSpPr txBox="1"/>
+            <p:nvPr/>
+          </p:nvSpPr>
+          <p:spPr>
+            <a:xfrm>
+              <a:off x="11004161" y="2827034"/>
+              <a:ext cx="869149" cy="1200329"/>
+            </a:xfrm>
+            <a:prstGeom prst="rect">
+              <a:avLst/>
+            </a:prstGeom>
+            <a:noFill/>
+          </p:spPr>
+          <p:txBody>
+            <a:bodyPr wrap="none" rtlCol="0">
+              <a:spAutoFit/>
+            </a:bodyPr>
+            <a:lstStyle/>
+            <a:p>
+              <a:r>
+                <a:rPr lang="en-US" sz="7200" b="1" dirty="0">
+                  <a:latin typeface="Helvetica Rounded" pitchFamily="2" charset="77"/>
+                </a:rPr>
+                <a:t>R</a:t>
+              </a:r>
+            </a:p>
+          </p:txBody>
+        </p:sp>
+      </p:grpSp>
+      <p:sp>
+        <p:nvSpPr>
+          <p:cNvPr id="13" name="Q circle">
+            <a:extLst>
+              <a:ext uri="{FF2B5EF4-FFF2-40B4-BE49-F238E27FC236}">
+                <a16:creationId xmlns:a16="http://schemas.microsoft.com/office/drawing/2014/main" id="{FB37EBE3-E6F6-1F44-99FB-53104A890CA7}"/>
+              </a:ext>
+            </a:extLst>
+          </p:cNvPr>
+          <p:cNvSpPr/>
+          <p:nvPr/>
+        </p:nvSpPr>
+        <p:spPr>
+          <a:xfrm>
+            <a:off x="-2353098" y="-910880"/>
+            <a:ext cx="8660817" cy="8660817"/>
+          </a:xfrm>
+          <a:prstGeom prst="ellipse">
+            <a:avLst/>
+          </a:prstGeom>
+          <a:noFill/>
+          <a:ln w="101600">
+            <a:solidFill>
+              <a:srgbClr val="22363B"/>
+            </a:solidFill>
+          </a:ln>
+        </p:spPr>
+        <p:style>
+          <a:lnRef idx="2">
+            <a:schemeClr val="accent1">
+              <a:shade val="50000"/>
+            </a:schemeClr>
+          </a:lnRef>
+          <a:fillRef idx="1">
+            <a:schemeClr val="accent1"/>
+          </a:fillRef>
+          <a:effectRef idx="0">
+            <a:schemeClr val="accent1"/>
+          </a:effectRef>
+          <a:fontRef idx="minor">
+            <a:schemeClr val="lt1"/>
+          </a:fontRef>
+        </p:style>
+        <p:txBody>
+          <a:bodyPr rtlCol="0" anchor="ctr"/>
+          <a:lstStyle/>
+          <a:p>
+            <a:pPr algn="ctr"/>
+            <a:endParaRPr lang="en-US"/>
+          </a:p>
+        </p:txBody>
+      </p:sp>
+      <p:cxnSp>
+        <p:nvCxnSpPr>
+          <p:cNvPr id="14" name="Channel">
+            <a:extLst>
+              <a:ext uri="{FF2B5EF4-FFF2-40B4-BE49-F238E27FC236}">
+                <a16:creationId xmlns:a16="http://schemas.microsoft.com/office/drawing/2014/main" id="{EF9A5127-CCFB-B04F-8DEE-DA2D32D87F96}"/>
+              </a:ext>
+            </a:extLst>
+          </p:cNvPr>
+          <p:cNvCxnSpPr>
+            <a:cxnSpLocks/>
+            <a:stCxn id="13" idx="6"/>
+          </p:cNvCxnSpPr>
+          <p:nvPr/>
+        </p:nvCxnSpPr>
+        <p:spPr>
+          <a:xfrm>
+            <a:off x="6307719" y="3419529"/>
+            <a:ext cx="1565481" cy="7671"/>
+          </a:xfrm>
+          <a:prstGeom prst="line">
+            <a:avLst/>
+          </a:prstGeom>
+          <a:ln w="101600">
+            <a:solidFill>
+              <a:srgbClr val="22363B"/>
+            </a:solidFill>
+          </a:ln>
+        </p:spPr>
+        <p:style>
+          <a:lnRef idx="1">
+            <a:schemeClr val="accent1"/>
+          </a:lnRef>
+          <a:fillRef idx="0">
+            <a:schemeClr val="accent1"/>
+          </a:fillRef>
+          <a:effectRef idx="0">
+            <a:schemeClr val="accent1"/>
+          </a:effectRef>
+          <a:fontRef idx="minor">
+            <a:schemeClr val="tx1"/>
+          </a:fontRef>
+        </p:style>
+      </p:cxnSp>
+    </p:spTree>
+    <p:extLst>
+      <p:ext uri="{BB962C8B-B14F-4D97-AF65-F5344CB8AC3E}">
+        <p14:creationId xmlns:p14="http://schemas.microsoft.com/office/powerpoint/2010/main" val="1232694680"/>
+      </p:ext>
+    </p:extLst>
+  </p:cSld>
+  <p:clrMapOvr>
+    <a:masterClrMapping/>
+  </p:clrMapOvr>
+  <p:timing>
+    <p:tnLst>
+      <p:par>
+        <p:cTn id="1" dur="indefinite" restart="never" nodeType="tmRoot">
+          <p:childTnLst>
+            <p:seq concurrent="1" nextAc="seek">
+              <p:cTn id="2" dur="indefinite" nodeType="mainSeq">
+                <p:childTnLst>
+                  <p:par>
+                    <p:cTn id="3" fill="hold">
+                      <p:stCondLst>
+                        <p:cond delay="indefinite"/>
+                      </p:stCondLst>
+                      <p:childTnLst>
+                        <p:par>
+                          <p:cTn id="4" fill="hold">
+                            <p:stCondLst>
+                              <p:cond delay="0"/>
+                            </p:stCondLst>
+                            <p:childTnLst>
+                              <p:par>
+                                <p:cTn id="5" presetID="1" presetClass="entr" presetSubtype="0" fill="hold" nodeType="clickEffect">
+                                  <p:stCondLst>
+                                    <p:cond delay="0"/>
+                                  </p:stCondLst>
+                                  <p:childTnLst>
+                                    <p:set>
+                                      <p:cBhvr>
+                                        <p:cTn id="6" dur="1" fill="hold">
+                                          <p:stCondLst>
+                                            <p:cond delay="0"/>
+                                          </p:stCondLst>
+                                        </p:cTn>
+                                        <p:tgtEl>
+                                          <p:spTgt spid="14"/>
+                                        </p:tgtEl>
+                                        <p:attrNameLst>
+                                          <p:attrName>style.visibility</p:attrName>
+                                        </p:attrNameLst>
+                                      </p:cBhvr>
+                                      <p:to>
+                                        <p:strVal val="visible"/>
+                                      </p:to>
+                                    </p:set>
+                                  </p:childTnLst>
+                                </p:cTn>
+                              </p:par>
+                            </p:childTnLst>
+                          </p:cTn>
+                        </p:par>
+                      </p:childTnLst>
+                    </p:cTn>
+                  </p:par>
+                </p:childTnLst>
+              </p:cTn>
+              <p:prevCondLst>
+                <p:cond evt="onPrev" delay="0">
+                  <p:tgtEl>
+                    <p:sldTgt/>
+                  </p:tgtEl>
+                </p:cond>
+              </p:prevCondLst>
+              <p:nextCondLst>
+                <p:cond evt="onNext" delay="0">
+                  <p:tgtEl>
+                    <p:sldTgt/>
+                  </p:tgtEl>
+                </p:cond>
+              </p:nextCondLst>
+            </p:seq>
+          </p:childTnLst>
+        </p:cTn>
+      </p:par>
+    </p:tnLst>
+  </p:timing>
+</p:sld>
+</file>
+
+<file path=ppt/slides/slide15.xml><?xml version="1.0" encoding="utf-8"?>
+<p:sld xmlns:a="http://schemas.openxmlformats.org/drawingml/2006/main" xmlns:r="http://schemas.openxmlformats.org/officeDocument/2006/relationships" xmlns:p="http://schemas.openxmlformats.org/presentationml/2006/main">
+  <p:cSld>
+    <p:spTree>
+      <p:nvGrpSpPr>
+        <p:cNvPr id="1" name=""/>
+        <p:cNvGrpSpPr/>
+        <p:nvPr/>
+      </p:nvGrpSpPr>
+      <p:grpSpPr>
+        <a:xfrm>
+          <a:off x="0" y="0"/>
+          <a:ext cx="0" cy="0"/>
+          <a:chOff x="0" y="0"/>
+          <a:chExt cx="0" cy="0"/>
+        </a:xfrm>
+      </p:grpSpPr>
+      <p:pic>
+        <p:nvPicPr>
+          <p:cNvPr id="3" name="Mix and Cycle">
+            <a:extLst>
+              <a:ext uri="{FF2B5EF4-FFF2-40B4-BE49-F238E27FC236}">
+                <a16:creationId xmlns:a16="http://schemas.microsoft.com/office/drawing/2014/main" id="{BA7A9C05-AC05-D446-A936-F8F918242C3B}"/>
+              </a:ext>
+            </a:extLst>
+          </p:cNvPr>
+          <p:cNvPicPr>
+            <a:picLocks noChangeAspect="1"/>
+          </p:cNvPicPr>
+          <p:nvPr/>
+        </p:nvPicPr>
+        <p:blipFill>
+          <a:blip r:embed="rId2"/>
+          <a:stretch>
+            <a:fillRect/>
+          </a:stretch>
+        </p:blipFill>
+        <p:spPr>
+          <a:xfrm>
+            <a:off x="-1200" y="0"/>
+            <a:ext cx="12193200" cy="6858000"/>
+          </a:xfrm>
+          <a:prstGeom prst="rect">
+            <a:avLst/>
+          </a:prstGeom>
+        </p:spPr>
+      </p:pic>
+      <p:pic>
+        <p:nvPicPr>
+          <p:cNvPr id="5" name="H-Mix and H-Cut">
+            <a:extLst>
+              <a:ext uri="{FF2B5EF4-FFF2-40B4-BE49-F238E27FC236}">
+                <a16:creationId xmlns:a16="http://schemas.microsoft.com/office/drawing/2014/main" id="{7C0D0818-C94B-6A41-92CF-76B6D524C7BD}"/>
+              </a:ext>
+            </a:extLst>
+          </p:cNvPr>
+          <p:cNvPicPr>
+            <a:picLocks noChangeAspect="1"/>
+          </p:cNvPicPr>
+          <p:nvPr/>
+        </p:nvPicPr>
+        <p:blipFill>
+          <a:blip r:embed="rId3"/>
+          <a:stretch>
+            <a:fillRect/>
+          </a:stretch>
+        </p:blipFill>
+        <p:spPr>
+          <a:xfrm>
+            <a:off x="0" y="3600"/>
+            <a:ext cx="12193200" cy="6848603"/>
+          </a:xfrm>
+          <a:prstGeom prst="rect">
+            <a:avLst/>
+          </a:prstGeom>
+        </p:spPr>
+      </p:pic>
+      <p:grpSp>
+        <p:nvGrpSpPr>
+          <p:cNvPr id="14" name="Explain H-Mix">
+            <a:extLst>
+              <a:ext uri="{FF2B5EF4-FFF2-40B4-BE49-F238E27FC236}">
+                <a16:creationId xmlns:a16="http://schemas.microsoft.com/office/drawing/2014/main" id="{242F0B71-EB87-2D4E-8FA4-2A184478F592}"/>
+              </a:ext>
+            </a:extLst>
+          </p:cNvPr>
+          <p:cNvGrpSpPr/>
+          <p:nvPr/>
+        </p:nvGrpSpPr>
+        <p:grpSpPr>
+          <a:xfrm>
+            <a:off x="0" y="4698"/>
+            <a:ext cx="12193200" cy="6848603"/>
+            <a:chOff x="0" y="4698"/>
+            <a:chExt cx="12193200" cy="6848603"/>
+          </a:xfrm>
+        </p:grpSpPr>
+        <p:pic>
+          <p:nvPicPr>
+            <p:cNvPr id="6" name="H-Mix">
+              <a:extLst>
+                <a:ext uri="{FF2B5EF4-FFF2-40B4-BE49-F238E27FC236}">
+                  <a16:creationId xmlns:a16="http://schemas.microsoft.com/office/drawing/2014/main" id="{907FAE70-6919-BC45-B64A-530A7D6A4DF1}"/>
+                </a:ext>
+              </a:extLst>
+            </p:cNvPr>
+            <p:cNvPicPr>
+              <a:picLocks noChangeAspect="1"/>
+            </p:cNvPicPr>
+            <p:nvPr/>
+          </p:nvPicPr>
+          <p:blipFill>
+            <a:blip r:embed="rId4"/>
+            <a:stretch>
+              <a:fillRect/>
+            </a:stretch>
+          </p:blipFill>
+          <p:spPr>
+            <a:xfrm>
+              <a:off x="0" y="4698"/>
+              <a:ext cx="12193200" cy="6848603"/>
+            </a:xfrm>
+            <a:prstGeom prst="rect">
+              <a:avLst/>
+            </a:prstGeom>
+          </p:spPr>
+        </p:pic>
+        <p:grpSp>
+          <p:nvGrpSpPr>
+            <p:cNvPr id="13" name="Explain H-Mix">
+              <a:extLst>
+                <a:ext uri="{FF2B5EF4-FFF2-40B4-BE49-F238E27FC236}">
+                  <a16:creationId xmlns:a16="http://schemas.microsoft.com/office/drawing/2014/main" id="{5D016214-6CD9-3443-B855-51C05FD42E68}"/>
+                </a:ext>
+              </a:extLst>
+            </p:cNvPr>
+            <p:cNvGrpSpPr/>
+            <p:nvPr/>
+          </p:nvGrpSpPr>
+          <p:grpSpPr>
+            <a:xfrm>
+              <a:off x="580784" y="4141694"/>
+              <a:ext cx="10967695" cy="2060941"/>
+              <a:chOff x="580784" y="4141694"/>
+              <a:chExt cx="10967695" cy="2060941"/>
+            </a:xfrm>
+          </p:grpSpPr>
+          <p:sp>
+            <p:nvSpPr>
+              <p:cNvPr id="8" name="Explain H-Mix text">
+                <a:extLst>
+                  <a:ext uri="{FF2B5EF4-FFF2-40B4-BE49-F238E27FC236}">
+                    <a16:creationId xmlns:a16="http://schemas.microsoft.com/office/drawing/2014/main" id="{A3640F6B-BD2E-AF4A-9FB2-4DEFD24A1DB5}"/>
+                  </a:ext>
+                </a:extLst>
+              </p:cNvPr>
+              <p:cNvSpPr txBox="1"/>
+              <p:nvPr/>
+            </p:nvSpPr>
+            <p:spPr>
+              <a:xfrm>
+                <a:off x="941589" y="5002306"/>
+                <a:ext cx="10307630" cy="1200329"/>
+              </a:xfrm>
+              <a:prstGeom prst="rect">
+                <a:avLst/>
+              </a:prstGeom>
+              <a:noFill/>
+            </p:spPr>
+            <p:txBody>
+              <a:bodyPr wrap="none" rtlCol="0">
+                <a:spAutoFit/>
+              </a:bodyPr>
+              <a:lstStyle/>
+              <a:p>
+                <a:pPr algn="ctr"/>
+                <a:r>
+                  <a:rPr lang="en-US" sz="2400" b="1" dirty="0">
+                    <a:latin typeface="Helvetica Rounded" pitchFamily="2" charset="77"/>
+                  </a:rPr>
+                  <a:t>we can put P and Q together</a:t>
+                </a:r>
+              </a:p>
+              <a:p>
+                <a:pPr algn="ctr"/>
+                <a:r>
+                  <a:rPr lang="en-US" sz="2400" b="1" dirty="0">
+                    <a:latin typeface="Helvetica Rounded" pitchFamily="2" charset="77"/>
+                  </a:rPr>
+                  <a:t>but let’s remember</a:t>
+                </a:r>
+              </a:p>
+              <a:p>
+                <a:pPr algn="ctr"/>
+                <a:r>
+                  <a:rPr lang="en-US" sz="2400" b="1" dirty="0">
+                    <a:latin typeface="Helvetica Rounded" pitchFamily="2" charset="77"/>
+                  </a:rPr>
+                  <a:t>the channels in the environments in 𝒢 and </a:t>
+                </a:r>
+                <a:r>
+                  <a:rPr lang="en-GB" sz="2400" b="1" dirty="0" err="1">
+                    <a:latin typeface="Helvetica Rounded" pitchFamily="2" charset="77"/>
+                  </a:rPr>
+                  <a:t>ℋ</a:t>
+                </a:r>
+                <a:r>
+                  <a:rPr lang="en-US" sz="2400" b="1" dirty="0">
+                    <a:latin typeface="Helvetica Rounded" pitchFamily="2" charset="77"/>
+                  </a:rPr>
+                  <a:t> are not yet connected </a:t>
+                </a:r>
+              </a:p>
+            </p:txBody>
+          </p:sp>
+          <p:cxnSp>
+            <p:nvCxnSpPr>
+              <p:cNvPr id="10" name="Explain H-Mix arrow">
+                <a:extLst>
+                  <a:ext uri="{FF2B5EF4-FFF2-40B4-BE49-F238E27FC236}">
+                    <a16:creationId xmlns:a16="http://schemas.microsoft.com/office/drawing/2014/main" id="{70396892-48D4-314A-A299-768270F745B8}"/>
+                  </a:ext>
+                </a:extLst>
+              </p:cNvPr>
+              <p:cNvCxnSpPr/>
+              <p:nvPr/>
+            </p:nvCxnSpPr>
+            <p:spPr>
+              <a:xfrm flipV="1">
+                <a:off x="6095400" y="4141694"/>
+                <a:ext cx="430906" cy="806824"/>
+              </a:xfrm>
+              <a:prstGeom prst="straightConnector1">
+                <a:avLst/>
+              </a:prstGeom>
+              <a:ln w="101600" cap="rnd">
+                <a:solidFill>
+                  <a:srgbClr val="22363B"/>
+                </a:solidFill>
+                <a:headEnd type="none"/>
+                <a:tailEnd type="stealth"/>
+              </a:ln>
+            </p:spPr>
+            <p:style>
+              <a:lnRef idx="1">
+                <a:schemeClr val="accent1"/>
+              </a:lnRef>
+              <a:fillRef idx="0">
+                <a:schemeClr val="accent1"/>
+              </a:fillRef>
+              <a:effectRef idx="0">
+                <a:schemeClr val="accent1"/>
+              </a:effectRef>
+              <a:fontRef idx="minor">
+                <a:schemeClr val="tx1"/>
+              </a:fontRef>
+            </p:style>
+          </p:cxnSp>
+          <p:sp>
+            <p:nvSpPr>
+              <p:cNvPr id="11" name="Right parenthesis">
+                <a:extLst>
+                  <a:ext uri="{FF2B5EF4-FFF2-40B4-BE49-F238E27FC236}">
+                    <a16:creationId xmlns:a16="http://schemas.microsoft.com/office/drawing/2014/main" id="{16B9063B-00C5-DF4A-8D8A-0574E8B2375B}"/>
+                  </a:ext>
+                </a:extLst>
+              </p:cNvPr>
+              <p:cNvSpPr txBox="1"/>
+              <p:nvPr/>
+            </p:nvSpPr>
+            <p:spPr>
+              <a:xfrm>
+                <a:off x="580784" y="4948516"/>
+                <a:ext cx="492443" cy="1200329"/>
+              </a:xfrm>
+              <a:prstGeom prst="rect">
+                <a:avLst/>
+              </a:prstGeom>
+              <a:noFill/>
+            </p:spPr>
+            <p:txBody>
+              <a:bodyPr wrap="none" rtlCol="0">
+                <a:spAutoFit/>
+              </a:bodyPr>
+              <a:lstStyle/>
+              <a:p>
+                <a:r>
+                  <a:rPr lang="en-US" sz="7200" b="1" dirty="0">
+                    <a:latin typeface="Helvetica Rounded" pitchFamily="2" charset="77"/>
+                  </a:rPr>
+                  <a:t>(</a:t>
+                </a:r>
+              </a:p>
+            </p:txBody>
+          </p:sp>
+          <p:sp>
+            <p:nvSpPr>
+              <p:cNvPr id="12" name="Left parenthesis">
+                <a:extLst>
+                  <a:ext uri="{FF2B5EF4-FFF2-40B4-BE49-F238E27FC236}">
+                    <a16:creationId xmlns:a16="http://schemas.microsoft.com/office/drawing/2014/main" id="{B911D861-3EFF-6C46-B82F-6E482ED43521}"/>
+                  </a:ext>
+                </a:extLst>
+              </p:cNvPr>
+              <p:cNvSpPr txBox="1"/>
+              <p:nvPr/>
+            </p:nvSpPr>
+            <p:spPr>
+              <a:xfrm>
+                <a:off x="11056036" y="4948515"/>
+                <a:ext cx="492443" cy="1200329"/>
+              </a:xfrm>
+              <a:prstGeom prst="rect">
+                <a:avLst/>
+              </a:prstGeom>
+              <a:noFill/>
+            </p:spPr>
+            <p:txBody>
+              <a:bodyPr wrap="none" rtlCol="0">
+                <a:spAutoFit/>
+              </a:bodyPr>
+              <a:lstStyle/>
+              <a:p>
+                <a:r>
+                  <a:rPr lang="en-US" sz="7200" b="1" dirty="0">
+                    <a:latin typeface="Helvetica Rounded" pitchFamily="2" charset="77"/>
+                  </a:rPr>
+                  <a:t>)</a:t>
+                </a:r>
+              </a:p>
+            </p:txBody>
+          </p:sp>
+        </p:grpSp>
+      </p:grpSp>
+      <p:grpSp>
+        <p:nvGrpSpPr>
+          <p:cNvPr id="24" name="Explain H-Cut" hidden="1">
+            <a:extLst>
+              <a:ext uri="{FF2B5EF4-FFF2-40B4-BE49-F238E27FC236}">
+                <a16:creationId xmlns:a16="http://schemas.microsoft.com/office/drawing/2014/main" id="{431DA5A1-860F-5D41-B1B6-F209FE343B9D}"/>
+              </a:ext>
+            </a:extLst>
+          </p:cNvPr>
+          <p:cNvGrpSpPr/>
+          <p:nvPr/>
+        </p:nvGrpSpPr>
+        <p:grpSpPr>
+          <a:xfrm>
+            <a:off x="0" y="11746"/>
+            <a:ext cx="12193199" cy="6848603"/>
+            <a:chOff x="0" y="11746"/>
+            <a:chExt cx="12193199" cy="6848603"/>
+          </a:xfrm>
+        </p:grpSpPr>
+        <p:pic>
+          <p:nvPicPr>
+            <p:cNvPr id="7" name="H-Cut">
+              <a:extLst>
+                <a:ext uri="{FF2B5EF4-FFF2-40B4-BE49-F238E27FC236}">
+                  <a16:creationId xmlns:a16="http://schemas.microsoft.com/office/drawing/2014/main" id="{8E0858BD-C0A5-FF41-A96B-1E9000E914E4}"/>
+                </a:ext>
+              </a:extLst>
+            </p:cNvPr>
+            <p:cNvPicPr>
+              <a:picLocks noChangeAspect="1"/>
+            </p:cNvPicPr>
+            <p:nvPr/>
+          </p:nvPicPr>
+          <p:blipFill>
+            <a:blip r:embed="rId5"/>
+            <a:stretch>
+              <a:fillRect/>
+            </a:stretch>
+          </p:blipFill>
+          <p:spPr>
+            <a:xfrm>
+              <a:off x="0" y="11746"/>
+              <a:ext cx="12193199" cy="6848603"/>
+            </a:xfrm>
+            <a:prstGeom prst="rect">
+              <a:avLst/>
+            </a:prstGeom>
+          </p:spPr>
+        </p:pic>
+        <p:grpSp>
+          <p:nvGrpSpPr>
+            <p:cNvPr id="23" name="Explain H-Cut">
+              <a:extLst>
+                <a:ext uri="{FF2B5EF4-FFF2-40B4-BE49-F238E27FC236}">
+                  <a16:creationId xmlns:a16="http://schemas.microsoft.com/office/drawing/2014/main" id="{60DBCBBB-324D-0041-8F7F-E45F2DE86F3F}"/>
+                </a:ext>
+              </a:extLst>
+            </p:cNvPr>
+            <p:cNvGrpSpPr/>
+            <p:nvPr/>
+          </p:nvGrpSpPr>
+          <p:grpSpPr>
+            <a:xfrm>
+              <a:off x="2506703" y="1824203"/>
+              <a:ext cx="7608914" cy="2317491"/>
+              <a:chOff x="2506703" y="1824203"/>
+              <a:chExt cx="7608914" cy="2317491"/>
+            </a:xfrm>
+          </p:grpSpPr>
+          <p:sp>
+            <p:nvSpPr>
+              <p:cNvPr id="16" name="Explain H-Cut text">
+                <a:extLst>
+                  <a:ext uri="{FF2B5EF4-FFF2-40B4-BE49-F238E27FC236}">
+                    <a16:creationId xmlns:a16="http://schemas.microsoft.com/office/drawing/2014/main" id="{EEBDBB94-4B79-9544-9665-DCBB12A3EED6}"/>
+                  </a:ext>
+                </a:extLst>
+              </p:cNvPr>
+              <p:cNvSpPr txBox="1"/>
+              <p:nvPr/>
+            </p:nvSpPr>
+            <p:spPr>
+              <a:xfrm>
+                <a:off x="2937480" y="1907371"/>
+                <a:ext cx="6747361" cy="1200329"/>
+              </a:xfrm>
+              <a:prstGeom prst="rect">
+                <a:avLst/>
+              </a:prstGeom>
+              <a:noFill/>
+            </p:spPr>
+            <p:txBody>
+              <a:bodyPr wrap="none" rtlCol="0">
+                <a:spAutoFit/>
+              </a:bodyPr>
+              <a:lstStyle/>
+              <a:p>
+                <a:pPr algn="ctr"/>
+                <a:r>
+                  <a:rPr lang="en-US" sz="2400" b="1" dirty="0">
+                    <a:latin typeface="Helvetica Rounded" pitchFamily="2" charset="77"/>
+                  </a:rPr>
+                  <a:t>we can connect the two end points of x</a:t>
+                </a:r>
+              </a:p>
+              <a:p>
+                <a:pPr algn="ctr"/>
+                <a:r>
+                  <a:rPr lang="en-US" sz="2400" b="1" dirty="0">
+                    <a:latin typeface="Helvetica Rounded" pitchFamily="2" charset="77"/>
+                  </a:rPr>
+                  <a:t>but only if they’re in different environments</a:t>
+                </a:r>
+              </a:p>
+              <a:p>
+                <a:pPr algn="ctr"/>
+                <a:r>
+                  <a:rPr lang="en-US" sz="2400" b="1" dirty="0">
+                    <a:latin typeface="Helvetica Rounded" pitchFamily="2" charset="77"/>
+                  </a:rPr>
+                  <a:t>and we have to merge those environments</a:t>
+                </a:r>
+              </a:p>
+            </p:txBody>
+          </p:sp>
+          <p:sp>
+            <p:nvSpPr>
+              <p:cNvPr id="18" name="Right parenthesis">
+                <a:extLst>
+                  <a:ext uri="{FF2B5EF4-FFF2-40B4-BE49-F238E27FC236}">
+                    <a16:creationId xmlns:a16="http://schemas.microsoft.com/office/drawing/2014/main" id="{73CEC583-51AF-B340-A36B-A501E9150412}"/>
+                  </a:ext>
+                </a:extLst>
+              </p:cNvPr>
+              <p:cNvSpPr txBox="1"/>
+              <p:nvPr/>
+            </p:nvSpPr>
+            <p:spPr>
+              <a:xfrm>
+                <a:off x="2506703" y="1824203"/>
+                <a:ext cx="492443" cy="1200329"/>
+              </a:xfrm>
+              <a:prstGeom prst="rect">
+                <a:avLst/>
+              </a:prstGeom>
+              <a:noFill/>
+            </p:spPr>
+            <p:txBody>
+              <a:bodyPr wrap="none" rtlCol="0">
+                <a:spAutoFit/>
+              </a:bodyPr>
+              <a:lstStyle/>
+              <a:p>
+                <a:r>
+                  <a:rPr lang="en-US" sz="7200" b="1" dirty="0">
+                    <a:latin typeface="Helvetica Rounded" pitchFamily="2" charset="77"/>
+                  </a:rPr>
+                  <a:t>(</a:t>
+                </a:r>
+              </a:p>
+            </p:txBody>
+          </p:sp>
+          <p:sp>
+            <p:nvSpPr>
+              <p:cNvPr id="19" name="Left parenthesis">
+                <a:extLst>
+                  <a:ext uri="{FF2B5EF4-FFF2-40B4-BE49-F238E27FC236}">
+                    <a16:creationId xmlns:a16="http://schemas.microsoft.com/office/drawing/2014/main" id="{A58CD8C9-8621-214B-8C2D-51D23373C190}"/>
+                  </a:ext>
+                </a:extLst>
+              </p:cNvPr>
+              <p:cNvSpPr txBox="1"/>
+              <p:nvPr/>
+            </p:nvSpPr>
+            <p:spPr>
+              <a:xfrm>
+                <a:off x="9623174" y="1824204"/>
+                <a:ext cx="492443" cy="1200329"/>
+              </a:xfrm>
+              <a:prstGeom prst="rect">
+                <a:avLst/>
+              </a:prstGeom>
+              <a:noFill/>
+            </p:spPr>
+            <p:txBody>
+              <a:bodyPr wrap="none" rtlCol="0">
+                <a:spAutoFit/>
+              </a:bodyPr>
+              <a:lstStyle/>
+              <a:p>
+                <a:r>
+                  <a:rPr lang="en-US" sz="7200" b="1" dirty="0">
+                    <a:latin typeface="Helvetica Rounded" pitchFamily="2" charset="77"/>
+                  </a:rPr>
+                  <a:t>)</a:t>
+                </a:r>
+              </a:p>
+            </p:txBody>
+          </p:sp>
+          <p:cxnSp>
+            <p:nvCxnSpPr>
+              <p:cNvPr id="21" name="Explain H-Cut arrow">
+                <a:extLst>
+                  <a:ext uri="{FF2B5EF4-FFF2-40B4-BE49-F238E27FC236}">
+                    <a16:creationId xmlns:a16="http://schemas.microsoft.com/office/drawing/2014/main" id="{618F4EBC-77AC-6F40-A82B-54EF59692681}"/>
+                  </a:ext>
+                </a:extLst>
+              </p:cNvPr>
+              <p:cNvCxnSpPr/>
+              <p:nvPr/>
+            </p:nvCxnSpPr>
+            <p:spPr>
+              <a:xfrm>
+                <a:off x="6310853" y="3263153"/>
+                <a:ext cx="0" cy="878541"/>
+              </a:xfrm>
+              <a:prstGeom prst="straightConnector1">
+                <a:avLst/>
+              </a:prstGeom>
+              <a:ln w="101600" cap="rnd">
+                <a:solidFill>
+                  <a:srgbClr val="22363B"/>
+                </a:solidFill>
+                <a:tailEnd type="stealth"/>
+              </a:ln>
+            </p:spPr>
+            <p:style>
+              <a:lnRef idx="1">
+                <a:schemeClr val="accent1"/>
+              </a:lnRef>
+              <a:fillRef idx="0">
+                <a:schemeClr val="accent1"/>
+              </a:fillRef>
+              <a:effectRef idx="0">
+                <a:schemeClr val="accent1"/>
+              </a:effectRef>
+              <a:fontRef idx="minor">
+                <a:schemeClr val="tx1"/>
+              </a:fontRef>
+            </p:style>
+          </p:cxnSp>
+        </p:grpSp>
+      </p:grpSp>
+    </p:spTree>
+    <p:extLst>
+      <p:ext uri="{BB962C8B-B14F-4D97-AF65-F5344CB8AC3E}">
+        <p14:creationId xmlns:p14="http://schemas.microsoft.com/office/powerpoint/2010/main" val="4050074174"/>
+      </p:ext>
+    </p:extLst>
+  </p:cSld>
+  <p:clrMapOvr>
+    <a:masterClrMapping/>
+  </p:clrMapOvr>
+  <p:timing>
+    <p:tnLst>
+      <p:par>
+        <p:cTn id="1" dur="indefinite" restart="never" nodeType="tmRoot">
+          <p:childTnLst>
+            <p:seq concurrent="1" nextAc="seek">
+              <p:cTn id="2" dur="indefinite" nodeType="mainSeq">
+                <p:childTnLst>
+                  <p:par>
+                    <p:cTn id="3" fill="hold">
+                      <p:stCondLst>
+                        <p:cond delay="indefinite"/>
+                      </p:stCondLst>
+                      <p:childTnLst>
+                        <p:par>
+                          <p:cTn id="4" fill="hold">
+                            <p:stCondLst>
+                              <p:cond delay="0"/>
+                            </p:stCondLst>
+                            <p:childTnLst>
+                              <p:par>
+                                <p:cTn id="5" presetID="1" presetClass="entr" presetSubtype="0" fill="hold" nodeType="clickEffect">
+                                  <p:stCondLst>
+                                    <p:cond delay="0"/>
+                                  </p:stCondLst>
+                                  <p:childTnLst>
+                                    <p:set>
+                                      <p:cBhvr>
+                                        <p:cTn id="6" dur="1" fill="hold">
+                                          <p:stCondLst>
+                                            <p:cond delay="0"/>
+                                          </p:stCondLst>
+                                        </p:cTn>
+                                        <p:tgtEl>
+                                          <p:spTgt spid="5"/>
+                                        </p:tgtEl>
+                                        <p:attrNameLst>
+                                          <p:attrName>style.visibility</p:attrName>
+                                        </p:attrNameLst>
+                                      </p:cBhvr>
+                                      <p:to>
+                                        <p:strVal val="visible"/>
+                                      </p:to>
+                                    </p:set>
+                                  </p:childTnLst>
+                                </p:cTn>
+                              </p:par>
+                              <p:par>
+                                <p:cTn id="7" presetID="1" presetClass="exit" presetSubtype="0" fill="hold" nodeType="withEffect">
+                                  <p:stCondLst>
+                                    <p:cond delay="0"/>
+                                  </p:stCondLst>
+                                  <p:childTnLst>
+                                    <p:set>
+                                      <p:cBhvr>
+                                        <p:cTn id="8" dur="1" fill="hold">
+                                          <p:stCondLst>
+                                            <p:cond delay="0"/>
+                                          </p:stCondLst>
+                                        </p:cTn>
+                                        <p:tgtEl>
+                                          <p:spTgt spid="3"/>
+                                        </p:tgtEl>
+                                        <p:attrNameLst>
+                                          <p:attrName>style.visibility</p:attrName>
+                                        </p:attrNameLst>
+                                      </p:cBhvr>
+                                      <p:to>
+                                        <p:strVal val="hidden"/>
+                                      </p:to>
+                                    </p:set>
+                                  </p:childTnLst>
+                                </p:cTn>
+                              </p:par>
+                            </p:childTnLst>
+                          </p:cTn>
+                        </p:par>
+                      </p:childTnLst>
+                    </p:cTn>
+                  </p:par>
+                  <p:par>
+                    <p:cTn id="9" fill="hold">
+                      <p:stCondLst>
+                        <p:cond delay="indefinite"/>
+                      </p:stCondLst>
+                      <p:childTnLst>
+                        <p:par>
+                          <p:cTn id="10" fill="hold">
+                            <p:stCondLst>
+                              <p:cond delay="0"/>
+                            </p:stCondLst>
+                            <p:childTnLst>
+                              <p:par>
+                                <p:cTn id="11" presetID="1" presetClass="entr" presetSubtype="0" fill="hold" nodeType="clickEffect">
+                                  <p:stCondLst>
+                                    <p:cond delay="0"/>
+                                  </p:stCondLst>
+                                  <p:childTnLst>
+                                    <p:set>
+                                      <p:cBhvr>
+                                        <p:cTn id="12" dur="1" fill="hold">
+                                          <p:stCondLst>
+                                            <p:cond delay="0"/>
+                                          </p:stCondLst>
+                                        </p:cTn>
+                                        <p:tgtEl>
+                                          <p:spTgt spid="14"/>
+                                        </p:tgtEl>
+                                        <p:attrNameLst>
+                                          <p:attrName>style.visibility</p:attrName>
+                                        </p:attrNameLst>
+                                      </p:cBhvr>
+                                      <p:to>
+                                        <p:strVal val="visible"/>
+                                      </p:to>
+                                    </p:set>
+                                  </p:childTnLst>
+                                </p:cTn>
+                              </p:par>
+                              <p:par>
+                                <p:cTn id="13" presetID="1" presetClass="exit" presetSubtype="0" fill="hold" nodeType="withEffect">
+                                  <p:stCondLst>
+                                    <p:cond delay="0"/>
+                                  </p:stCondLst>
+                                  <p:childTnLst>
+                                    <p:set>
+                                      <p:cBhvr>
+                                        <p:cTn id="14" dur="1" fill="hold">
+                                          <p:stCondLst>
+                                            <p:cond delay="0"/>
+                                          </p:stCondLst>
+                                        </p:cTn>
+                                        <p:tgtEl>
+                                          <p:spTgt spid="5"/>
+                                        </p:tgtEl>
+                                        <p:attrNameLst>
+                                          <p:attrName>style.visibility</p:attrName>
+                                        </p:attrNameLst>
+                                      </p:cBhvr>
+                                      <p:to>
+                                        <p:strVal val="hidden"/>
+                                      </p:to>
+                                    </p:set>
+                                  </p:childTnLst>
+                                </p:cTn>
+                              </p:par>
+                            </p:childTnLst>
+                          </p:cTn>
+                        </p:par>
+                      </p:childTnLst>
+                    </p:cTn>
+                  </p:par>
+                  <p:par>
+                    <p:cTn id="15" fill="hold">
+                      <p:stCondLst>
+                        <p:cond delay="indefinite"/>
+                      </p:stCondLst>
+                      <p:childTnLst>
+                        <p:par>
+                          <p:cTn id="16" fill="hold">
+                            <p:stCondLst>
+                              <p:cond delay="0"/>
+                            </p:stCondLst>
+                            <p:childTnLst>
+                              <p:par>
+                                <p:cTn id="17" presetID="1" presetClass="entr" presetSubtype="0" fill="hold" nodeType="clickEffect">
+                                  <p:stCondLst>
+                                    <p:cond delay="0"/>
+                                  </p:stCondLst>
+                                  <p:childTnLst>
+                                    <p:set>
+                                      <p:cBhvr>
+                                        <p:cTn id="18" dur="1" fill="hold">
+                                          <p:stCondLst>
+                                            <p:cond delay="0"/>
+                                          </p:stCondLst>
+                                        </p:cTn>
+                                        <p:tgtEl>
+                                          <p:spTgt spid="24"/>
+                                        </p:tgtEl>
+                                        <p:attrNameLst>
+                                          <p:attrName>style.visibility</p:attrName>
+                                        </p:attrNameLst>
+                                      </p:cBhvr>
+                                      <p:to>
+                                        <p:strVal val="visible"/>
+                                      </p:to>
+                                    </p:set>
+                                  </p:childTnLst>
+                                </p:cTn>
+                              </p:par>
+                              <p:par>
+                                <p:cTn id="19" presetID="1" presetClass="exit" presetSubtype="0" fill="hold" nodeType="withEffect">
+                                  <p:stCondLst>
+                                    <p:cond delay="0"/>
+                                  </p:stCondLst>
+                                  <p:childTnLst>
+                                    <p:set>
+                                      <p:cBhvr>
+                                        <p:cTn id="20" dur="1" fill="hold">
+                                          <p:stCondLst>
+                                            <p:cond delay="0"/>
+                                          </p:stCondLst>
+                                        </p:cTn>
+                                        <p:tgtEl>
+                                          <p:spTgt spid="14"/>
+                                        </p:tgtEl>
+                                        <p:attrNameLst>
+                                          <p:attrName>style.visibility</p:attrName>
+                                        </p:attrNameLst>
+                                      </p:cBhvr>
+                                      <p:to>
+                                        <p:strVal val="hidden"/>
+                                      </p:to>
+                                    </p:set>
+                                  </p:childTnLst>
+                                </p:cTn>
+                              </p:par>
+                            </p:childTnLst>
+                          </p:cTn>
+                        </p:par>
+                      </p:childTnLst>
+                    </p:cTn>
+                  </p:par>
+                </p:childTnLst>
+              </p:cTn>
+              <p:prevCondLst>
+                <p:cond evt="onPrev" delay="0">
+                  <p:tgtEl>
+                    <p:sldTgt/>
+                  </p:tgtEl>
+                </p:cond>
+              </p:prevCondLst>
+              <p:nextCondLst>
+                <p:cond evt="onNext" delay="0">
+                  <p:tgtEl>
+                    <p:sldTgt/>
+                  </p:tgtEl>
+                </p:cond>
+              </p:nextCondLst>
+            </p:seq>
+          </p:childTnLst>
+        </p:cTn>
+      </p:par>
+    </p:tnLst>
+  </p:timing>
+</p:sld>
+</file>
+
 <file path=ppt/slides/slide2.xml><?xml version="1.0" encoding="utf-8"?>
+<p:sld xmlns:a="http://schemas.openxmlformats.org/drawingml/2006/main" xmlns:r="http://schemas.openxmlformats.org/officeDocument/2006/relationships" xmlns:p="http://schemas.openxmlformats.org/presentationml/2006/main">
+  <p:cSld>
+    <p:spTree>
+      <p:nvGrpSpPr>
+        <p:cNvPr id="1" name=""/>
+        <p:cNvGrpSpPr/>
+        <p:nvPr/>
+      </p:nvGrpSpPr>
+      <p:grpSpPr>
+        <a:xfrm>
+          <a:off x="0" y="0"/>
+          <a:ext cx="0" cy="0"/>
+          <a:chOff x="0" y="0"/>
+          <a:chExt cx="0" cy="0"/>
+        </a:xfrm>
+      </p:grpSpPr>
+      <p:sp>
+        <p:nvSpPr>
+          <p:cNvPr id="36" name="Introduction">
+            <a:extLst>
+              <a:ext uri="{FF2B5EF4-FFF2-40B4-BE49-F238E27FC236}">
+                <a16:creationId xmlns:a16="http://schemas.microsoft.com/office/drawing/2014/main" id="{EBB02B53-35B1-514C-BF6E-1DDB2AD6C20A}"/>
+              </a:ext>
+            </a:extLst>
+          </p:cNvPr>
+          <p:cNvSpPr txBox="1"/>
+          <p:nvPr/>
+        </p:nvSpPr>
+        <p:spPr>
+          <a:xfrm>
+            <a:off x="3473324" y="3043535"/>
+            <a:ext cx="5245347" cy="738664"/>
+          </a:xfrm>
+          <a:prstGeom prst="rect">
+            <a:avLst/>
+          </a:prstGeom>
+          <a:noFill/>
+        </p:spPr>
+        <p:txBody>
+          <a:bodyPr wrap="none" rtlCol="0">
+            <a:spAutoFit/>
+          </a:bodyPr>
+          <a:lstStyle/>
+          <a:p>
+            <a:r>
+              <a:rPr lang="en-US" sz="4200" b="1" dirty="0">
+                <a:latin typeface="Helvetica Rounded" pitchFamily="2" charset="77"/>
+              </a:rPr>
+              <a:t>Let’s talk about CP</a:t>
+            </a:r>
+          </a:p>
+        </p:txBody>
+      </p:sp>
+      <p:grpSp>
+        <p:nvGrpSpPr>
+          <p:cNvPr id="20" name="Terms">
+            <a:extLst>
+              <a:ext uri="{FF2B5EF4-FFF2-40B4-BE49-F238E27FC236}">
+                <a16:creationId xmlns:a16="http://schemas.microsoft.com/office/drawing/2014/main" id="{0866EAD8-39B3-FE4D-B8AF-B89566A7B102}"/>
+              </a:ext>
+            </a:extLst>
+          </p:cNvPr>
+          <p:cNvGrpSpPr/>
+          <p:nvPr/>
+        </p:nvGrpSpPr>
+        <p:grpSpPr>
+          <a:xfrm>
+            <a:off x="0" y="403"/>
+            <a:ext cx="12192000" cy="6857194"/>
+            <a:chOff x="0" y="403"/>
+            <a:chExt cx="12192000" cy="6857194"/>
+          </a:xfrm>
+        </p:grpSpPr>
+        <p:pic>
+          <p:nvPicPr>
+            <p:cNvPr id="5" name="Terms blurred">
+              <a:extLst>
+                <a:ext uri="{FF2B5EF4-FFF2-40B4-BE49-F238E27FC236}">
+                  <a16:creationId xmlns:a16="http://schemas.microsoft.com/office/drawing/2014/main" id="{CD3F6DCB-28D8-2E41-9C38-BDD8A3DC2DDA}"/>
+                </a:ext>
+              </a:extLst>
+            </p:cNvPr>
+            <p:cNvPicPr>
+              <a:picLocks noChangeAspect="1"/>
+            </p:cNvPicPr>
+            <p:nvPr/>
+          </p:nvPicPr>
+          <p:blipFill>
+            <a:blip r:embed="rId2">
+              <a:extLst>
+                <a:ext uri="{BEBA8EAE-BF5A-486C-A8C5-ECC9F3942E4B}">
+                  <a14:imgProps xmlns:a14="http://schemas.microsoft.com/office/drawing/2010/main">
+                    <a14:imgLayer>
+                      <a14:imgEffect>
+                        <a14:artisticBlur/>
+                      </a14:imgEffect>
+                    </a14:imgLayer>
+                  </a14:imgProps>
+                </a:ext>
+              </a:extLst>
+            </a:blip>
+            <a:stretch>
+              <a:fillRect/>
+            </a:stretch>
+          </p:blipFill>
+          <p:spPr>
+            <a:xfrm>
+              <a:off x="0" y="403"/>
+              <a:ext cx="12192000" cy="6857194"/>
+            </a:xfrm>
+            <a:prstGeom prst="rect">
+              <a:avLst/>
+            </a:prstGeom>
+          </p:spPr>
+        </p:pic>
+        <p:sp>
+          <p:nvSpPr>
+            <p:cNvPr id="19" name="Terms text">
+              <a:extLst>
+                <a:ext uri="{FF2B5EF4-FFF2-40B4-BE49-F238E27FC236}">
+                  <a16:creationId xmlns:a16="http://schemas.microsoft.com/office/drawing/2014/main" id="{4A1B3F59-B554-3645-B1C1-8A72E7AAE8E9}"/>
+                </a:ext>
+              </a:extLst>
+            </p:cNvPr>
+            <p:cNvSpPr txBox="1"/>
+            <p:nvPr/>
+          </p:nvSpPr>
+          <p:spPr>
+            <a:xfrm>
+              <a:off x="5155678" y="3059668"/>
+              <a:ext cx="1880643" cy="738664"/>
+            </a:xfrm>
+            <a:prstGeom prst="rect">
+              <a:avLst/>
+            </a:prstGeom>
+            <a:noFill/>
+          </p:spPr>
+          <p:txBody>
+            <a:bodyPr wrap="none" rtlCol="0">
+              <a:spAutoFit/>
+            </a:bodyPr>
+            <a:lstStyle/>
+            <a:p>
+              <a:r>
+                <a:rPr lang="en-US" sz="4200" b="1" dirty="0">
+                  <a:latin typeface="Helvetica Rounded" pitchFamily="2" charset="77"/>
+                </a:rPr>
+                <a:t>Terms</a:t>
+              </a:r>
+            </a:p>
+          </p:txBody>
+        </p:sp>
+      </p:grpSp>
+      <p:grpSp>
+        <p:nvGrpSpPr>
+          <p:cNvPr id="22" name="Equivalences">
+            <a:extLst>
+              <a:ext uri="{FF2B5EF4-FFF2-40B4-BE49-F238E27FC236}">
+                <a16:creationId xmlns:a16="http://schemas.microsoft.com/office/drawing/2014/main" id="{DEFB121E-3A2C-B24A-AAB9-16B553B333C8}"/>
+              </a:ext>
+            </a:extLst>
+          </p:cNvPr>
+          <p:cNvGrpSpPr/>
+          <p:nvPr/>
+        </p:nvGrpSpPr>
+        <p:grpSpPr>
+          <a:xfrm>
+            <a:off x="0" y="807"/>
+            <a:ext cx="12192000" cy="6857193"/>
+            <a:chOff x="0" y="807"/>
+            <a:chExt cx="12192000" cy="6857193"/>
+          </a:xfrm>
+        </p:grpSpPr>
+        <p:pic>
+          <p:nvPicPr>
+            <p:cNvPr id="6" name="Equivalences blurred">
+              <a:extLst>
+                <a:ext uri="{FF2B5EF4-FFF2-40B4-BE49-F238E27FC236}">
+                  <a16:creationId xmlns:a16="http://schemas.microsoft.com/office/drawing/2014/main" id="{50284653-DD13-FA47-A668-8E8AFFC682EB}"/>
+                </a:ext>
+              </a:extLst>
+            </p:cNvPr>
+            <p:cNvPicPr>
+              <a:picLocks noChangeAspect="1"/>
+            </p:cNvPicPr>
+            <p:nvPr/>
+          </p:nvPicPr>
+          <p:blipFill>
+            <a:blip r:embed="rId3">
+              <a:extLst>
+                <a:ext uri="{BEBA8EAE-BF5A-486C-A8C5-ECC9F3942E4B}">
+                  <a14:imgProps xmlns:a14="http://schemas.microsoft.com/office/drawing/2010/main">
+                    <a14:imgLayer>
+                      <a14:imgEffect>
+                        <a14:artisticBlur/>
+                      </a14:imgEffect>
+                    </a14:imgLayer>
+                  </a14:imgProps>
+                </a:ext>
+              </a:extLst>
+            </a:blip>
+            <a:stretch>
+              <a:fillRect/>
+            </a:stretch>
+          </p:blipFill>
+          <p:spPr>
+            <a:xfrm>
+              <a:off x="0" y="807"/>
+              <a:ext cx="12192000" cy="6857193"/>
+            </a:xfrm>
+            <a:prstGeom prst="rect">
+              <a:avLst/>
+            </a:prstGeom>
+          </p:spPr>
+        </p:pic>
+        <p:sp>
+          <p:nvSpPr>
+            <p:cNvPr id="21" name="Equivalences text">
+              <a:extLst>
+                <a:ext uri="{FF2B5EF4-FFF2-40B4-BE49-F238E27FC236}">
+                  <a16:creationId xmlns:a16="http://schemas.microsoft.com/office/drawing/2014/main" id="{B06F4808-6025-C840-B45B-68447CE9ADDB}"/>
+                </a:ext>
+              </a:extLst>
+            </p:cNvPr>
+            <p:cNvSpPr txBox="1"/>
+            <p:nvPr/>
+          </p:nvSpPr>
+          <p:spPr>
+            <a:xfrm>
+              <a:off x="4259599" y="2875002"/>
+              <a:ext cx="3672800" cy="1107996"/>
+            </a:xfrm>
+            <a:prstGeom prst="rect">
+              <a:avLst/>
+            </a:prstGeom>
+            <a:noFill/>
+          </p:spPr>
+          <p:txBody>
+            <a:bodyPr wrap="none" rtlCol="0">
+              <a:spAutoFit/>
+            </a:bodyPr>
+            <a:lstStyle/>
+            <a:p>
+              <a:pPr algn="ctr"/>
+              <a:r>
+                <a:rPr lang="en-US" sz="4200" b="1" dirty="0">
+                  <a:latin typeface="Helvetica Rounded" pitchFamily="2" charset="77"/>
+                </a:rPr>
+                <a:t>Equivalences</a:t>
+              </a:r>
+            </a:p>
+            <a:p>
+              <a:pPr algn="ctr"/>
+              <a:r>
+                <a:rPr lang="en-US" sz="2400" b="1" dirty="0">
+                  <a:latin typeface="Helvetica Rounded" pitchFamily="2" charset="77"/>
+                </a:rPr>
+                <a:t>(on terms)</a:t>
+              </a:r>
+            </a:p>
+          </p:txBody>
+        </p:sp>
+      </p:grpSp>
+      <p:grpSp>
+        <p:nvGrpSpPr>
+          <p:cNvPr id="24" name="Reductions">
+            <a:extLst>
+              <a:ext uri="{FF2B5EF4-FFF2-40B4-BE49-F238E27FC236}">
+                <a16:creationId xmlns:a16="http://schemas.microsoft.com/office/drawing/2014/main" id="{45D79A51-D0F6-E64E-BD9A-33382808A74F}"/>
+              </a:ext>
+            </a:extLst>
+          </p:cNvPr>
+          <p:cNvGrpSpPr/>
+          <p:nvPr/>
+        </p:nvGrpSpPr>
+        <p:grpSpPr>
+          <a:xfrm>
+            <a:off x="0" y="403"/>
+            <a:ext cx="12192000" cy="6857194"/>
+            <a:chOff x="0" y="403"/>
+            <a:chExt cx="12192000" cy="6857194"/>
+          </a:xfrm>
+        </p:grpSpPr>
+        <p:pic>
+          <p:nvPicPr>
+            <p:cNvPr id="8" name="Reductions blurred">
+              <a:extLst>
+                <a:ext uri="{FF2B5EF4-FFF2-40B4-BE49-F238E27FC236}">
+                  <a16:creationId xmlns:a16="http://schemas.microsoft.com/office/drawing/2014/main" id="{23617B03-691E-8340-AD50-906160763FD6}"/>
+                </a:ext>
+              </a:extLst>
+            </p:cNvPr>
+            <p:cNvPicPr>
+              <a:picLocks noChangeAspect="1"/>
+            </p:cNvPicPr>
+            <p:nvPr/>
+          </p:nvPicPr>
+          <p:blipFill>
+            <a:blip r:embed="rId4">
+              <a:extLst>
+                <a:ext uri="{BEBA8EAE-BF5A-486C-A8C5-ECC9F3942E4B}">
+                  <a14:imgProps xmlns:a14="http://schemas.microsoft.com/office/drawing/2010/main">
+                    <a14:imgLayer>
+                      <a14:imgEffect>
+                        <a14:artisticBlur/>
+                      </a14:imgEffect>
+                    </a14:imgLayer>
+                  </a14:imgProps>
+                </a:ext>
+              </a:extLst>
+            </a:blip>
+            <a:stretch>
+              <a:fillRect/>
+            </a:stretch>
+          </p:blipFill>
+          <p:spPr>
+            <a:xfrm>
+              <a:off x="0" y="403"/>
+              <a:ext cx="12192000" cy="6857194"/>
+            </a:xfrm>
+            <a:prstGeom prst="rect">
+              <a:avLst/>
+            </a:prstGeom>
+          </p:spPr>
+        </p:pic>
+        <p:sp>
+          <p:nvSpPr>
+            <p:cNvPr id="23" name="Reductions text">
+              <a:extLst>
+                <a:ext uri="{FF2B5EF4-FFF2-40B4-BE49-F238E27FC236}">
+                  <a16:creationId xmlns:a16="http://schemas.microsoft.com/office/drawing/2014/main" id="{F46F8D07-B57E-8A45-B41B-4ACAADB1FB7F}"/>
+                </a:ext>
+              </a:extLst>
+            </p:cNvPr>
+            <p:cNvSpPr txBox="1"/>
+            <p:nvPr/>
+          </p:nvSpPr>
+          <p:spPr>
+            <a:xfrm>
+              <a:off x="4518484" y="2875002"/>
+              <a:ext cx="3155030" cy="1107996"/>
+            </a:xfrm>
+            <a:prstGeom prst="rect">
+              <a:avLst/>
+            </a:prstGeom>
+            <a:noFill/>
+          </p:spPr>
+          <p:txBody>
+            <a:bodyPr wrap="none" rtlCol="0">
+              <a:spAutoFit/>
+            </a:bodyPr>
+            <a:lstStyle/>
+            <a:p>
+              <a:pPr algn="ctr"/>
+              <a:r>
+                <a:rPr lang="en-US" sz="4200" b="1" dirty="0">
+                  <a:latin typeface="Helvetica Rounded" pitchFamily="2" charset="77"/>
+                </a:rPr>
+                <a:t>Reductions</a:t>
+              </a:r>
+            </a:p>
+            <a:p>
+              <a:pPr algn="ctr"/>
+              <a:r>
+                <a:rPr lang="en-US" sz="2400" b="1" dirty="0">
+                  <a:latin typeface="Helvetica Rounded" pitchFamily="2" charset="77"/>
+                </a:rPr>
+                <a:t>(also on terms)</a:t>
+              </a:r>
+            </a:p>
+          </p:txBody>
+        </p:sp>
+      </p:grpSp>
+      <p:grpSp>
+        <p:nvGrpSpPr>
+          <p:cNvPr id="26" name="Types">
+            <a:extLst>
+              <a:ext uri="{FF2B5EF4-FFF2-40B4-BE49-F238E27FC236}">
+                <a16:creationId xmlns:a16="http://schemas.microsoft.com/office/drawing/2014/main" id="{49C176D8-88C7-E340-B49A-262D93E02BAF}"/>
+              </a:ext>
+            </a:extLst>
+          </p:cNvPr>
+          <p:cNvGrpSpPr/>
+          <p:nvPr/>
+        </p:nvGrpSpPr>
+        <p:grpSpPr>
+          <a:xfrm>
+            <a:off x="0" y="403"/>
+            <a:ext cx="12192000" cy="6857194"/>
+            <a:chOff x="0" y="403"/>
+            <a:chExt cx="12192000" cy="6857194"/>
+          </a:xfrm>
+        </p:grpSpPr>
+        <p:pic>
+          <p:nvPicPr>
+            <p:cNvPr id="10" name="Types blurred">
+              <a:extLst>
+                <a:ext uri="{FF2B5EF4-FFF2-40B4-BE49-F238E27FC236}">
+                  <a16:creationId xmlns:a16="http://schemas.microsoft.com/office/drawing/2014/main" id="{DB90DB78-56AC-AB43-96C8-53D8B665756E}"/>
+                </a:ext>
+              </a:extLst>
+            </p:cNvPr>
+            <p:cNvPicPr>
+              <a:picLocks noChangeAspect="1"/>
+            </p:cNvPicPr>
+            <p:nvPr/>
+          </p:nvPicPr>
+          <p:blipFill>
+            <a:blip r:embed="rId5">
+              <a:extLst>
+                <a:ext uri="{BEBA8EAE-BF5A-486C-A8C5-ECC9F3942E4B}">
+                  <a14:imgProps xmlns:a14="http://schemas.microsoft.com/office/drawing/2010/main">
+                    <a14:imgLayer>
+                      <a14:imgEffect>
+                        <a14:artisticBlur/>
+                      </a14:imgEffect>
+                    </a14:imgLayer>
+                  </a14:imgProps>
+                </a:ext>
+              </a:extLst>
+            </a:blip>
+            <a:stretch>
+              <a:fillRect/>
+            </a:stretch>
+          </p:blipFill>
+          <p:spPr>
+            <a:xfrm>
+              <a:off x="0" y="403"/>
+              <a:ext cx="12192000" cy="6857194"/>
+            </a:xfrm>
+            <a:prstGeom prst="rect">
+              <a:avLst/>
+            </a:prstGeom>
+          </p:spPr>
+        </p:pic>
+        <p:sp>
+          <p:nvSpPr>
+            <p:cNvPr id="25" name="Types text">
+              <a:extLst>
+                <a:ext uri="{FF2B5EF4-FFF2-40B4-BE49-F238E27FC236}">
+                  <a16:creationId xmlns:a16="http://schemas.microsoft.com/office/drawing/2014/main" id="{8C63C134-A831-F842-BE64-5140E59C30EA}"/>
+                </a:ext>
+              </a:extLst>
+            </p:cNvPr>
+            <p:cNvSpPr txBox="1"/>
+            <p:nvPr/>
+          </p:nvSpPr>
+          <p:spPr>
+            <a:xfrm>
+              <a:off x="4962515" y="2875002"/>
+              <a:ext cx="2266967" cy="1107996"/>
+            </a:xfrm>
+            <a:prstGeom prst="rect">
+              <a:avLst/>
+            </a:prstGeom>
+            <a:noFill/>
+          </p:spPr>
+          <p:txBody>
+            <a:bodyPr wrap="none" rtlCol="0">
+              <a:spAutoFit/>
+            </a:bodyPr>
+            <a:lstStyle/>
+            <a:p>
+              <a:pPr algn="ctr"/>
+              <a:r>
+                <a:rPr lang="en-US" sz="4200" b="1" dirty="0">
+                  <a:latin typeface="Helvetica Rounded" pitchFamily="2" charset="77"/>
+                </a:rPr>
+                <a:t>Types</a:t>
+              </a:r>
+            </a:p>
+            <a:p>
+              <a:pPr algn="ctr"/>
+              <a:r>
+                <a:rPr lang="en-US" sz="2400" b="1" dirty="0">
+                  <a:latin typeface="Helvetica Rounded" pitchFamily="2" charset="77"/>
+                </a:rPr>
+                <a:t>(for channels)</a:t>
+              </a:r>
+            </a:p>
+          </p:txBody>
+        </p:sp>
+      </p:grpSp>
+      <p:grpSp>
+        <p:nvGrpSpPr>
+          <p:cNvPr id="28" name="Typing rules">
+            <a:extLst>
+              <a:ext uri="{FF2B5EF4-FFF2-40B4-BE49-F238E27FC236}">
+                <a16:creationId xmlns:a16="http://schemas.microsoft.com/office/drawing/2014/main" id="{C385E605-AC8E-6245-A309-0E87B403C525}"/>
+              </a:ext>
+            </a:extLst>
+          </p:cNvPr>
+          <p:cNvGrpSpPr/>
+          <p:nvPr/>
+        </p:nvGrpSpPr>
+        <p:grpSpPr>
+          <a:xfrm>
+            <a:off x="0" y="403"/>
+            <a:ext cx="12192000" cy="6857194"/>
+            <a:chOff x="0" y="403"/>
+            <a:chExt cx="12192000" cy="6857194"/>
+          </a:xfrm>
+        </p:grpSpPr>
+        <p:pic>
+          <p:nvPicPr>
+            <p:cNvPr id="12" name="Typing rules blurred">
+              <a:extLst>
+                <a:ext uri="{FF2B5EF4-FFF2-40B4-BE49-F238E27FC236}">
+                  <a16:creationId xmlns:a16="http://schemas.microsoft.com/office/drawing/2014/main" id="{19A1FA50-BB2C-5A43-BB11-4CEC8158CECA}"/>
+                </a:ext>
+              </a:extLst>
+            </p:cNvPr>
+            <p:cNvPicPr>
+              <a:picLocks noChangeAspect="1"/>
+            </p:cNvPicPr>
+            <p:nvPr/>
+          </p:nvPicPr>
+          <p:blipFill>
+            <a:blip r:embed="rId6">
+              <a:extLst>
+                <a:ext uri="{BEBA8EAE-BF5A-486C-A8C5-ECC9F3942E4B}">
+                  <a14:imgProps xmlns:a14="http://schemas.microsoft.com/office/drawing/2010/main">
+                    <a14:imgLayer>
+                      <a14:imgEffect>
+                        <a14:artisticBlur/>
+                      </a14:imgEffect>
+                    </a14:imgLayer>
+                  </a14:imgProps>
+                </a:ext>
+              </a:extLst>
+            </a:blip>
+            <a:stretch>
+              <a:fillRect/>
+            </a:stretch>
+          </p:blipFill>
+          <p:spPr>
+            <a:xfrm>
+              <a:off x="0" y="403"/>
+              <a:ext cx="12192000" cy="6857194"/>
+            </a:xfrm>
+            <a:prstGeom prst="rect">
+              <a:avLst/>
+            </a:prstGeom>
+          </p:spPr>
+        </p:pic>
+        <p:sp>
+          <p:nvSpPr>
+            <p:cNvPr id="27" name="Typing rules text">
+              <a:extLst>
+                <a:ext uri="{FF2B5EF4-FFF2-40B4-BE49-F238E27FC236}">
+                  <a16:creationId xmlns:a16="http://schemas.microsoft.com/office/drawing/2014/main" id="{8353842A-5344-3E4C-A476-D3611E00C15B}"/>
+                </a:ext>
+              </a:extLst>
+            </p:cNvPr>
+            <p:cNvSpPr txBox="1"/>
+            <p:nvPr/>
+          </p:nvSpPr>
+          <p:spPr>
+            <a:xfrm>
+              <a:off x="1951400" y="3027402"/>
+              <a:ext cx="8594019" cy="1107996"/>
+            </a:xfrm>
+            <a:prstGeom prst="rect">
+              <a:avLst/>
+            </a:prstGeom>
+            <a:noFill/>
+          </p:spPr>
+          <p:txBody>
+            <a:bodyPr wrap="none" rtlCol="0">
+              <a:spAutoFit/>
+            </a:bodyPr>
+            <a:lstStyle/>
+            <a:p>
+              <a:pPr algn="ctr"/>
+              <a:r>
+                <a:rPr lang="en-US" sz="4200" b="1" dirty="0">
+                  <a:latin typeface="Helvetica Rounded" pitchFamily="2" charset="77"/>
+                </a:rPr>
+                <a:t>Typing rules</a:t>
+              </a:r>
+            </a:p>
+            <a:p>
+              <a:pPr algn="ctr"/>
+              <a:r>
+                <a:rPr lang="en-US" sz="2400" b="1" dirty="0">
+                  <a:latin typeface="Helvetica Rounded" pitchFamily="2" charset="77"/>
+                </a:rPr>
+                <a:t>(associating processes with the types of their channels)</a:t>
+              </a:r>
+            </a:p>
+          </p:txBody>
+        </p:sp>
+      </p:grpSp>
+      <p:grpSp>
+        <p:nvGrpSpPr>
+          <p:cNvPr id="32" name="Preservation">
+            <a:extLst>
+              <a:ext uri="{FF2B5EF4-FFF2-40B4-BE49-F238E27FC236}">
+                <a16:creationId xmlns:a16="http://schemas.microsoft.com/office/drawing/2014/main" id="{0CF87E37-CC52-F040-85C7-8B5CF0FF2708}"/>
+              </a:ext>
+            </a:extLst>
+          </p:cNvPr>
+          <p:cNvGrpSpPr/>
+          <p:nvPr/>
+        </p:nvGrpSpPr>
+        <p:grpSpPr>
+          <a:xfrm>
+            <a:off x="0" y="403"/>
+            <a:ext cx="12192000" cy="6857194"/>
+            <a:chOff x="0" y="403"/>
+            <a:chExt cx="12192000" cy="6857194"/>
+          </a:xfrm>
+        </p:grpSpPr>
+        <p:pic>
+          <p:nvPicPr>
+            <p:cNvPr id="14" name="Preservation blurred">
+              <a:extLst>
+                <a:ext uri="{FF2B5EF4-FFF2-40B4-BE49-F238E27FC236}">
+                  <a16:creationId xmlns:a16="http://schemas.microsoft.com/office/drawing/2014/main" id="{21CB7029-FC72-0742-8484-C5DED5873ADE}"/>
+                </a:ext>
+              </a:extLst>
+            </p:cNvPr>
+            <p:cNvPicPr>
+              <a:picLocks noChangeAspect="1"/>
+            </p:cNvPicPr>
+            <p:nvPr/>
+          </p:nvPicPr>
+          <p:blipFill>
+            <a:blip r:embed="rId7">
+              <a:extLst>
+                <a:ext uri="{BEBA8EAE-BF5A-486C-A8C5-ECC9F3942E4B}">
+                  <a14:imgProps xmlns:a14="http://schemas.microsoft.com/office/drawing/2010/main">
+                    <a14:imgLayer>
+                      <a14:imgEffect>
+                        <a14:artisticBlur/>
+                      </a14:imgEffect>
+                    </a14:imgLayer>
+                  </a14:imgProps>
+                </a:ext>
+              </a:extLst>
+            </a:blip>
+            <a:stretch>
+              <a:fillRect/>
+            </a:stretch>
+          </p:blipFill>
+          <p:spPr>
+            <a:xfrm>
+              <a:off x="0" y="403"/>
+              <a:ext cx="12192000" cy="6857194"/>
+            </a:xfrm>
+            <a:prstGeom prst="rect">
+              <a:avLst/>
+            </a:prstGeom>
+          </p:spPr>
+        </p:pic>
+        <p:sp>
+          <p:nvSpPr>
+            <p:cNvPr id="31" name="Preservation text">
+              <a:extLst>
+                <a:ext uri="{FF2B5EF4-FFF2-40B4-BE49-F238E27FC236}">
+                  <a16:creationId xmlns:a16="http://schemas.microsoft.com/office/drawing/2014/main" id="{66FAEA10-F181-EF4B-B335-A323526553D5}"/>
+                </a:ext>
+              </a:extLst>
+            </p:cNvPr>
+            <p:cNvSpPr txBox="1"/>
+            <p:nvPr/>
+          </p:nvSpPr>
+          <p:spPr>
+            <a:xfrm>
+              <a:off x="4661150" y="3091934"/>
+              <a:ext cx="2869696" cy="738664"/>
+            </a:xfrm>
+            <a:prstGeom prst="rect">
+              <a:avLst/>
+            </a:prstGeom>
+            <a:noFill/>
+          </p:spPr>
+          <p:txBody>
+            <a:bodyPr wrap="none" rtlCol="0">
+              <a:spAutoFit/>
+            </a:bodyPr>
+            <a:lstStyle/>
+            <a:p>
+              <a:pPr algn="ctr"/>
+              <a:r>
+                <a:rPr lang="en-US" sz="4200" b="1" dirty="0">
+                  <a:latin typeface="Helvetica Rounded" pitchFamily="2" charset="77"/>
+                </a:rPr>
+                <a:t>Theorems</a:t>
+              </a:r>
+              <a:endParaRPr lang="en-US" sz="2400" b="1" dirty="0">
+                <a:latin typeface="Helvetica Rounded" pitchFamily="2" charset="77"/>
+              </a:endParaRPr>
+            </a:p>
+          </p:txBody>
+        </p:sp>
+      </p:grpSp>
+      <p:grpSp>
+        <p:nvGrpSpPr>
+          <p:cNvPr id="30" name="Progress">
+            <a:extLst>
+              <a:ext uri="{FF2B5EF4-FFF2-40B4-BE49-F238E27FC236}">
+                <a16:creationId xmlns:a16="http://schemas.microsoft.com/office/drawing/2014/main" id="{ED85B12E-6562-9D4F-9E20-E8B18C75B41A}"/>
+              </a:ext>
+            </a:extLst>
+          </p:cNvPr>
+          <p:cNvGrpSpPr/>
+          <p:nvPr/>
+        </p:nvGrpSpPr>
+        <p:grpSpPr>
+          <a:xfrm>
+            <a:off x="0" y="403"/>
+            <a:ext cx="12192000" cy="6857194"/>
+            <a:chOff x="0" y="403"/>
+            <a:chExt cx="12192000" cy="6857194"/>
+          </a:xfrm>
+        </p:grpSpPr>
+        <p:pic>
+          <p:nvPicPr>
+            <p:cNvPr id="16" name="Progress blurred">
+              <a:extLst>
+                <a:ext uri="{FF2B5EF4-FFF2-40B4-BE49-F238E27FC236}">
+                  <a16:creationId xmlns:a16="http://schemas.microsoft.com/office/drawing/2014/main" id="{910F09C6-4330-1846-A5C2-F07F23C5579E}"/>
+                </a:ext>
+              </a:extLst>
+            </p:cNvPr>
+            <p:cNvPicPr>
+              <a:picLocks noChangeAspect="1"/>
+            </p:cNvPicPr>
+            <p:nvPr/>
+          </p:nvPicPr>
+          <p:blipFill>
+            <a:blip r:embed="rId8">
+              <a:extLst>
+                <a:ext uri="{BEBA8EAE-BF5A-486C-A8C5-ECC9F3942E4B}">
+                  <a14:imgProps xmlns:a14="http://schemas.microsoft.com/office/drawing/2010/main">
+                    <a14:imgLayer>
+                      <a14:imgEffect>
+                        <a14:artisticBlur/>
+                      </a14:imgEffect>
+                    </a14:imgLayer>
+                  </a14:imgProps>
+                </a:ext>
+              </a:extLst>
+            </a:blip>
+            <a:stretch>
+              <a:fillRect/>
+            </a:stretch>
+          </p:blipFill>
+          <p:spPr>
+            <a:xfrm>
+              <a:off x="0" y="403"/>
+              <a:ext cx="12192000" cy="6857194"/>
+            </a:xfrm>
+            <a:prstGeom prst="rect">
+              <a:avLst/>
+            </a:prstGeom>
+          </p:spPr>
+        </p:pic>
+        <p:sp>
+          <p:nvSpPr>
+            <p:cNvPr id="29" name="Progress text">
+              <a:extLst>
+                <a:ext uri="{FF2B5EF4-FFF2-40B4-BE49-F238E27FC236}">
+                  <a16:creationId xmlns:a16="http://schemas.microsoft.com/office/drawing/2014/main" id="{AF411FFD-2ECF-564B-9C39-E8BA63AC1DC2}"/>
+                </a:ext>
+              </a:extLst>
+            </p:cNvPr>
+            <p:cNvSpPr txBox="1"/>
+            <p:nvPr/>
+          </p:nvSpPr>
+          <p:spPr>
+            <a:xfrm>
+              <a:off x="3463956" y="3179802"/>
+              <a:ext cx="5873724" cy="1107996"/>
+            </a:xfrm>
+            <a:prstGeom prst="rect">
+              <a:avLst/>
+            </a:prstGeom>
+            <a:noFill/>
+          </p:spPr>
+          <p:txBody>
+            <a:bodyPr wrap="none" rtlCol="0">
+              <a:spAutoFit/>
+            </a:bodyPr>
+            <a:lstStyle/>
+            <a:p>
+              <a:pPr algn="ctr"/>
+              <a:r>
+                <a:rPr lang="en-US" sz="4200" b="1" dirty="0">
+                  <a:latin typeface="Helvetica Rounded" pitchFamily="2" charset="77"/>
+                </a:rPr>
+                <a:t>More theorems</a:t>
+              </a:r>
+            </a:p>
+            <a:p>
+              <a:pPr algn="ctr"/>
+              <a:r>
+                <a:rPr lang="en-US" sz="2400" b="1" dirty="0">
+                  <a:latin typeface="Helvetica Rounded" pitchFamily="2" charset="77"/>
+                </a:rPr>
+                <a:t>(actually, no, let’s talk about this one)</a:t>
+              </a:r>
+            </a:p>
+          </p:txBody>
+        </p:sp>
+      </p:grpSp>
+      <p:pic>
+        <p:nvPicPr>
+          <p:cNvPr id="18" name="Progress sharp">
+            <a:extLst>
+              <a:ext uri="{FF2B5EF4-FFF2-40B4-BE49-F238E27FC236}">
+                <a16:creationId xmlns:a16="http://schemas.microsoft.com/office/drawing/2014/main" id="{97B16CAA-9354-134B-9D8A-B231C4F90E78}"/>
+              </a:ext>
+            </a:extLst>
+          </p:cNvPr>
+          <p:cNvPicPr>
+            <a:picLocks/>
+          </p:cNvPicPr>
+          <p:nvPr/>
+        </p:nvPicPr>
+        <p:blipFill>
+          <a:blip r:embed="rId9"/>
+          <a:stretch>
+            <a:fillRect/>
+          </a:stretch>
+        </p:blipFill>
+        <p:spPr>
+          <a:xfrm>
+            <a:off x="0" y="0"/>
+            <a:ext cx="12193200" cy="6858000"/>
+          </a:xfrm>
+          <a:prstGeom prst="rect">
+            <a:avLst/>
+          </a:prstGeom>
+        </p:spPr>
+      </p:pic>
+      <p:grpSp>
+        <p:nvGrpSpPr>
+          <p:cNvPr id="33" name="Explain progress">
+            <a:extLst>
+              <a:ext uri="{FF2B5EF4-FFF2-40B4-BE49-F238E27FC236}">
+                <a16:creationId xmlns:a16="http://schemas.microsoft.com/office/drawing/2014/main" id="{BCCCAC20-89B3-8640-94B5-3CCF21136E6E}"/>
+              </a:ext>
+            </a:extLst>
+          </p:cNvPr>
+          <p:cNvGrpSpPr/>
+          <p:nvPr/>
+        </p:nvGrpSpPr>
+        <p:grpSpPr>
+          <a:xfrm>
+            <a:off x="0" y="-403"/>
+            <a:ext cx="12192000" cy="6857194"/>
+            <a:chOff x="0" y="403"/>
+            <a:chExt cx="12192000" cy="6857194"/>
+          </a:xfrm>
+        </p:grpSpPr>
+        <p:pic>
+          <p:nvPicPr>
+            <p:cNvPr id="34" name="Explain progress blurred">
+              <a:extLst>
+                <a:ext uri="{FF2B5EF4-FFF2-40B4-BE49-F238E27FC236}">
+                  <a16:creationId xmlns:a16="http://schemas.microsoft.com/office/drawing/2014/main" id="{6B005C4A-BD5E-4040-9E99-ED0D9EDC263E}"/>
+                </a:ext>
+              </a:extLst>
+            </p:cNvPr>
+            <p:cNvPicPr>
+              <a:picLocks noChangeAspect="1"/>
+            </p:cNvPicPr>
+            <p:nvPr/>
+          </p:nvPicPr>
+          <p:blipFill>
+            <a:blip r:embed="rId8">
+              <a:extLst>
+                <a:ext uri="{BEBA8EAE-BF5A-486C-A8C5-ECC9F3942E4B}">
+                  <a14:imgProps xmlns:a14="http://schemas.microsoft.com/office/drawing/2010/main">
+                    <a14:imgLayer>
+                      <a14:imgEffect>
+                        <a14:artisticBlur/>
+                      </a14:imgEffect>
+                    </a14:imgLayer>
+                  </a14:imgProps>
+                </a:ext>
+              </a:extLst>
+            </a:blip>
+            <a:stretch>
+              <a:fillRect/>
+            </a:stretch>
+          </p:blipFill>
+          <p:spPr>
+            <a:xfrm>
+              <a:off x="0" y="403"/>
+              <a:ext cx="12192000" cy="6857194"/>
+            </a:xfrm>
+            <a:prstGeom prst="rect">
+              <a:avLst/>
+            </a:prstGeom>
+          </p:spPr>
+        </p:pic>
+        <p:sp>
+          <p:nvSpPr>
+            <p:cNvPr id="35" name="Explain progress text">
+              <a:extLst>
+                <a:ext uri="{FF2B5EF4-FFF2-40B4-BE49-F238E27FC236}">
+                  <a16:creationId xmlns:a16="http://schemas.microsoft.com/office/drawing/2014/main" id="{90361128-C0D9-AA46-BB96-7CCA2E56B969}"/>
+                </a:ext>
+              </a:extLst>
+            </p:cNvPr>
+            <p:cNvSpPr txBox="1"/>
+            <p:nvPr/>
+          </p:nvSpPr>
+          <p:spPr>
+            <a:xfrm>
+              <a:off x="2399562" y="3208900"/>
+              <a:ext cx="8002512" cy="738664"/>
+            </a:xfrm>
+            <a:prstGeom prst="rect">
+              <a:avLst/>
+            </a:prstGeom>
+            <a:noFill/>
+          </p:spPr>
+          <p:txBody>
+            <a:bodyPr wrap="none" rtlCol="0">
+              <a:spAutoFit/>
+            </a:bodyPr>
+            <a:lstStyle/>
+            <a:p>
+              <a:pPr algn="ctr"/>
+              <a:r>
+                <a:rPr lang="en-US" sz="4200" b="1" dirty="0">
+                  <a:latin typeface="Helvetica Rounded" pitchFamily="2" charset="77"/>
+                </a:rPr>
+                <a:t>Read: there are no deadlocks</a:t>
+              </a:r>
+              <a:endParaRPr lang="en-US" sz="2400" b="1" dirty="0">
+                <a:latin typeface="Helvetica Rounded" pitchFamily="2" charset="77"/>
+              </a:endParaRPr>
+            </a:p>
+          </p:txBody>
+        </p:sp>
+      </p:grpSp>
+    </p:spTree>
+    <p:extLst>
+      <p:ext uri="{BB962C8B-B14F-4D97-AF65-F5344CB8AC3E}">
+        <p14:creationId xmlns:p14="http://schemas.microsoft.com/office/powerpoint/2010/main" val="318344033"/>
+      </p:ext>
+    </p:extLst>
+  </p:cSld>
+  <p:clrMapOvr>
+    <a:masterClrMapping/>
+  </p:clrMapOvr>
+  <p:timing>
+    <p:tnLst>
+      <p:par>
+        <p:cTn id="1" dur="indefinite" restart="never" nodeType="tmRoot">
+          <p:childTnLst>
+            <p:seq concurrent="1" nextAc="seek">
+              <p:cTn id="2" dur="indefinite" nodeType="mainSeq">
+                <p:childTnLst>
+                  <p:par>
+                    <p:cTn id="3" fill="hold">
+                      <p:stCondLst>
+                        <p:cond delay="indefinite"/>
+                      </p:stCondLst>
+                      <p:childTnLst>
+                        <p:par>
+                          <p:cTn id="4" fill="hold">
+                            <p:stCondLst>
+                              <p:cond delay="0"/>
+                            </p:stCondLst>
+                            <p:childTnLst>
+                              <p:par>
+                                <p:cTn id="5" presetID="1" presetClass="entr" presetSubtype="0" fill="hold" nodeType="clickEffect">
+                                  <p:stCondLst>
+                                    <p:cond delay="0"/>
+                                  </p:stCondLst>
+                                  <p:childTnLst>
+                                    <p:set>
+                                      <p:cBhvr>
+                                        <p:cTn id="6" dur="1" fill="hold">
+                                          <p:stCondLst>
+                                            <p:cond delay="0"/>
+                                          </p:stCondLst>
+                                        </p:cTn>
+                                        <p:tgtEl>
+                                          <p:spTgt spid="20"/>
+                                        </p:tgtEl>
+                                        <p:attrNameLst>
+                                          <p:attrName>style.visibility</p:attrName>
+                                        </p:attrNameLst>
+                                      </p:cBhvr>
+                                      <p:to>
+                                        <p:strVal val="visible"/>
+                                      </p:to>
+                                    </p:set>
+                                  </p:childTnLst>
+                                </p:cTn>
+                              </p:par>
+                              <p:par>
+                                <p:cTn id="7" presetID="1" presetClass="exit" presetSubtype="0" fill="hold" grpId="0" nodeType="withEffect">
+                                  <p:stCondLst>
+                                    <p:cond delay="0"/>
+                                  </p:stCondLst>
+                                  <p:childTnLst>
+                                    <p:set>
+                                      <p:cBhvr>
+                                        <p:cTn id="8" dur="1" fill="hold">
+                                          <p:stCondLst>
+                                            <p:cond delay="0"/>
+                                          </p:stCondLst>
+                                        </p:cTn>
+                                        <p:tgtEl>
+                                          <p:spTgt spid="36"/>
+                                        </p:tgtEl>
+                                        <p:attrNameLst>
+                                          <p:attrName>style.visibility</p:attrName>
+                                        </p:attrNameLst>
+                                      </p:cBhvr>
+                                      <p:to>
+                                        <p:strVal val="hidden"/>
+                                      </p:to>
+                                    </p:set>
+                                  </p:childTnLst>
+                                </p:cTn>
+                              </p:par>
+                            </p:childTnLst>
+                          </p:cTn>
+                        </p:par>
+                      </p:childTnLst>
+                    </p:cTn>
+                  </p:par>
+                  <p:par>
+                    <p:cTn id="9" fill="hold">
+                      <p:stCondLst>
+                        <p:cond delay="indefinite"/>
+                      </p:stCondLst>
+                      <p:childTnLst>
+                        <p:par>
+                          <p:cTn id="10" fill="hold">
+                            <p:stCondLst>
+                              <p:cond delay="0"/>
+                            </p:stCondLst>
+                            <p:childTnLst>
+                              <p:par>
+                                <p:cTn id="11" presetID="1" presetClass="entr" presetSubtype="0" fill="hold" nodeType="clickEffect">
+                                  <p:stCondLst>
+                                    <p:cond delay="0"/>
+                                  </p:stCondLst>
+                                  <p:childTnLst>
+                                    <p:set>
+                                      <p:cBhvr>
+                                        <p:cTn id="12" dur="1" fill="hold">
+                                          <p:stCondLst>
+                                            <p:cond delay="0"/>
+                                          </p:stCondLst>
+                                        </p:cTn>
+                                        <p:tgtEl>
+                                          <p:spTgt spid="22"/>
+                                        </p:tgtEl>
+                                        <p:attrNameLst>
+                                          <p:attrName>style.visibility</p:attrName>
+                                        </p:attrNameLst>
+                                      </p:cBhvr>
+                                      <p:to>
+                                        <p:strVal val="visible"/>
+                                      </p:to>
+                                    </p:set>
+                                  </p:childTnLst>
+                                </p:cTn>
+                              </p:par>
+                              <p:par>
+                                <p:cTn id="13" presetID="1" presetClass="exit" presetSubtype="0" fill="hold" nodeType="withEffect">
+                                  <p:stCondLst>
+                                    <p:cond delay="0"/>
+                                  </p:stCondLst>
+                                  <p:childTnLst>
+                                    <p:set>
+                                      <p:cBhvr>
+                                        <p:cTn id="14" dur="1" fill="hold">
+                                          <p:stCondLst>
+                                            <p:cond delay="0"/>
+                                          </p:stCondLst>
+                                        </p:cTn>
+                                        <p:tgtEl>
+                                          <p:spTgt spid="20"/>
+                                        </p:tgtEl>
+                                        <p:attrNameLst>
+                                          <p:attrName>style.visibility</p:attrName>
+                                        </p:attrNameLst>
+                                      </p:cBhvr>
+                                      <p:to>
+                                        <p:strVal val="hidden"/>
+                                      </p:to>
+                                    </p:set>
+                                  </p:childTnLst>
+                                </p:cTn>
+                              </p:par>
+                            </p:childTnLst>
+                          </p:cTn>
+                        </p:par>
+                      </p:childTnLst>
+                    </p:cTn>
+                  </p:par>
+                  <p:par>
+                    <p:cTn id="15" fill="hold">
+                      <p:stCondLst>
+                        <p:cond delay="indefinite"/>
+                      </p:stCondLst>
+                      <p:childTnLst>
+                        <p:par>
+                          <p:cTn id="16" fill="hold">
+                            <p:stCondLst>
+                              <p:cond delay="0"/>
+                            </p:stCondLst>
+                            <p:childTnLst>
+                              <p:par>
+                                <p:cTn id="17" presetID="1" presetClass="entr" presetSubtype="0" fill="hold" nodeType="clickEffect">
+                                  <p:stCondLst>
+                                    <p:cond delay="0"/>
+                                  </p:stCondLst>
+                                  <p:childTnLst>
+                                    <p:set>
+                                      <p:cBhvr>
+                                        <p:cTn id="18" dur="1" fill="hold">
+                                          <p:stCondLst>
+                                            <p:cond delay="0"/>
+                                          </p:stCondLst>
+                                        </p:cTn>
+                                        <p:tgtEl>
+                                          <p:spTgt spid="24"/>
+                                        </p:tgtEl>
+                                        <p:attrNameLst>
+                                          <p:attrName>style.visibility</p:attrName>
+                                        </p:attrNameLst>
+                                      </p:cBhvr>
+                                      <p:to>
+                                        <p:strVal val="visible"/>
+                                      </p:to>
+                                    </p:set>
+                                  </p:childTnLst>
+                                </p:cTn>
+                              </p:par>
+                              <p:par>
+                                <p:cTn id="19" presetID="1" presetClass="exit" presetSubtype="0" fill="hold" nodeType="withEffect">
+                                  <p:stCondLst>
+                                    <p:cond delay="0"/>
+                                  </p:stCondLst>
+                                  <p:childTnLst>
+                                    <p:set>
+                                      <p:cBhvr>
+                                        <p:cTn id="20" dur="1" fill="hold">
+                                          <p:stCondLst>
+                                            <p:cond delay="0"/>
+                                          </p:stCondLst>
+                                        </p:cTn>
+                                        <p:tgtEl>
+                                          <p:spTgt spid="22"/>
+                                        </p:tgtEl>
+                                        <p:attrNameLst>
+                                          <p:attrName>style.visibility</p:attrName>
+                                        </p:attrNameLst>
+                                      </p:cBhvr>
+                                      <p:to>
+                                        <p:strVal val="hidden"/>
+                                      </p:to>
+                                    </p:set>
+                                  </p:childTnLst>
+                                </p:cTn>
+                              </p:par>
+                            </p:childTnLst>
+                          </p:cTn>
+                        </p:par>
+                      </p:childTnLst>
+                    </p:cTn>
+                  </p:par>
+                  <p:par>
+                    <p:cTn id="21" fill="hold">
+                      <p:stCondLst>
+                        <p:cond delay="indefinite"/>
+                      </p:stCondLst>
+                      <p:childTnLst>
+                        <p:par>
+                          <p:cTn id="22" fill="hold">
+                            <p:stCondLst>
+                              <p:cond delay="0"/>
+                            </p:stCondLst>
+                            <p:childTnLst>
+                              <p:par>
+                                <p:cTn id="23" presetID="1" presetClass="entr" presetSubtype="0" fill="hold" nodeType="clickEffect">
+                                  <p:stCondLst>
+                                    <p:cond delay="0"/>
+                                  </p:stCondLst>
+                                  <p:childTnLst>
+                                    <p:set>
+                                      <p:cBhvr>
+                                        <p:cTn id="24" dur="1" fill="hold">
+                                          <p:stCondLst>
+                                            <p:cond delay="0"/>
+                                          </p:stCondLst>
+                                        </p:cTn>
+                                        <p:tgtEl>
+                                          <p:spTgt spid="26"/>
+                                        </p:tgtEl>
+                                        <p:attrNameLst>
+                                          <p:attrName>style.visibility</p:attrName>
+                                        </p:attrNameLst>
+                                      </p:cBhvr>
+                                      <p:to>
+                                        <p:strVal val="visible"/>
+                                      </p:to>
+                                    </p:set>
+                                  </p:childTnLst>
+                                </p:cTn>
+                              </p:par>
+                              <p:par>
+                                <p:cTn id="25" presetID="1" presetClass="exit" presetSubtype="0" fill="hold" nodeType="withEffect">
+                                  <p:stCondLst>
+                                    <p:cond delay="0"/>
+                                  </p:stCondLst>
+                                  <p:childTnLst>
+                                    <p:set>
+                                      <p:cBhvr>
+                                        <p:cTn id="26" dur="1" fill="hold">
+                                          <p:stCondLst>
+                                            <p:cond delay="0"/>
+                                          </p:stCondLst>
+                                        </p:cTn>
+                                        <p:tgtEl>
+                                          <p:spTgt spid="24"/>
+                                        </p:tgtEl>
+                                        <p:attrNameLst>
+                                          <p:attrName>style.visibility</p:attrName>
+                                        </p:attrNameLst>
+                                      </p:cBhvr>
+                                      <p:to>
+                                        <p:strVal val="hidden"/>
+                                      </p:to>
+                                    </p:set>
+                                  </p:childTnLst>
+                                </p:cTn>
+                              </p:par>
+                            </p:childTnLst>
+                          </p:cTn>
+                        </p:par>
+                      </p:childTnLst>
+                    </p:cTn>
+                  </p:par>
+                  <p:par>
+                    <p:cTn id="27" fill="hold">
+                      <p:stCondLst>
+                        <p:cond delay="indefinite"/>
+                      </p:stCondLst>
+                      <p:childTnLst>
+                        <p:par>
+                          <p:cTn id="28" fill="hold">
+                            <p:stCondLst>
+                              <p:cond delay="0"/>
+                            </p:stCondLst>
+                            <p:childTnLst>
+                              <p:par>
+                                <p:cTn id="29" presetID="1" presetClass="entr" presetSubtype="0" fill="hold" nodeType="clickEffect">
+                                  <p:stCondLst>
+                                    <p:cond delay="0"/>
+                                  </p:stCondLst>
+                                  <p:childTnLst>
+                                    <p:set>
+                                      <p:cBhvr>
+                                        <p:cTn id="30" dur="1" fill="hold">
+                                          <p:stCondLst>
+                                            <p:cond delay="0"/>
+                                          </p:stCondLst>
+                                        </p:cTn>
+                                        <p:tgtEl>
+                                          <p:spTgt spid="28"/>
+                                        </p:tgtEl>
+                                        <p:attrNameLst>
+                                          <p:attrName>style.visibility</p:attrName>
+                                        </p:attrNameLst>
+                                      </p:cBhvr>
+                                      <p:to>
+                                        <p:strVal val="visible"/>
+                                      </p:to>
+                                    </p:set>
+                                  </p:childTnLst>
+                                </p:cTn>
+                              </p:par>
+                              <p:par>
+                                <p:cTn id="31" presetID="1" presetClass="exit" presetSubtype="0" fill="hold" nodeType="withEffect">
+                                  <p:stCondLst>
+                                    <p:cond delay="0"/>
+                                  </p:stCondLst>
+                                  <p:childTnLst>
+                                    <p:set>
+                                      <p:cBhvr>
+                                        <p:cTn id="32" dur="1" fill="hold">
+                                          <p:stCondLst>
+                                            <p:cond delay="0"/>
+                                          </p:stCondLst>
+                                        </p:cTn>
+                                        <p:tgtEl>
+                                          <p:spTgt spid="26"/>
+                                        </p:tgtEl>
+                                        <p:attrNameLst>
+                                          <p:attrName>style.visibility</p:attrName>
+                                        </p:attrNameLst>
+                                      </p:cBhvr>
+                                      <p:to>
+                                        <p:strVal val="hidden"/>
+                                      </p:to>
+                                    </p:set>
+                                  </p:childTnLst>
+                                </p:cTn>
+                              </p:par>
+                            </p:childTnLst>
+                          </p:cTn>
+                        </p:par>
+                      </p:childTnLst>
+                    </p:cTn>
+                  </p:par>
+                  <p:par>
+                    <p:cTn id="33" fill="hold">
+                      <p:stCondLst>
+                        <p:cond delay="indefinite"/>
+                      </p:stCondLst>
+                      <p:childTnLst>
+                        <p:par>
+                          <p:cTn id="34" fill="hold">
+                            <p:stCondLst>
+                              <p:cond delay="0"/>
+                            </p:stCondLst>
+                            <p:childTnLst>
+                              <p:par>
+                                <p:cTn id="35" presetID="1" presetClass="entr" presetSubtype="0" fill="hold" nodeType="clickEffect">
+                                  <p:stCondLst>
+                                    <p:cond delay="0"/>
+                                  </p:stCondLst>
+                                  <p:childTnLst>
+                                    <p:set>
+                                      <p:cBhvr>
+                                        <p:cTn id="36" dur="1" fill="hold">
+                                          <p:stCondLst>
+                                            <p:cond delay="0"/>
+                                          </p:stCondLst>
+                                        </p:cTn>
+                                        <p:tgtEl>
+                                          <p:spTgt spid="32"/>
+                                        </p:tgtEl>
+                                        <p:attrNameLst>
+                                          <p:attrName>style.visibility</p:attrName>
+                                        </p:attrNameLst>
+                                      </p:cBhvr>
+                                      <p:to>
+                                        <p:strVal val="visible"/>
+                                      </p:to>
+                                    </p:set>
+                                  </p:childTnLst>
+                                </p:cTn>
+                              </p:par>
+                              <p:par>
+                                <p:cTn id="37" presetID="1" presetClass="exit" presetSubtype="0" fill="hold" nodeType="withEffect">
+                                  <p:stCondLst>
+                                    <p:cond delay="0"/>
+                                  </p:stCondLst>
+                                  <p:childTnLst>
+                                    <p:set>
+                                      <p:cBhvr>
+                                        <p:cTn id="38" dur="1" fill="hold">
+                                          <p:stCondLst>
+                                            <p:cond delay="0"/>
+                                          </p:stCondLst>
+                                        </p:cTn>
+                                        <p:tgtEl>
+                                          <p:spTgt spid="28"/>
+                                        </p:tgtEl>
+                                        <p:attrNameLst>
+                                          <p:attrName>style.visibility</p:attrName>
+                                        </p:attrNameLst>
+                                      </p:cBhvr>
+                                      <p:to>
+                                        <p:strVal val="hidden"/>
+                                      </p:to>
+                                    </p:set>
+                                  </p:childTnLst>
+                                </p:cTn>
+                              </p:par>
+                            </p:childTnLst>
+                          </p:cTn>
+                        </p:par>
+                      </p:childTnLst>
+                    </p:cTn>
+                  </p:par>
+                  <p:par>
+                    <p:cTn id="39" fill="hold">
+                      <p:stCondLst>
+                        <p:cond delay="indefinite"/>
+                      </p:stCondLst>
+                      <p:childTnLst>
+                        <p:par>
+                          <p:cTn id="40" fill="hold">
+                            <p:stCondLst>
+                              <p:cond delay="0"/>
+                            </p:stCondLst>
+                            <p:childTnLst>
+                              <p:par>
+                                <p:cTn id="41" presetID="1" presetClass="entr" presetSubtype="0" fill="hold" nodeType="clickEffect">
+                                  <p:stCondLst>
+                                    <p:cond delay="0"/>
+                                  </p:stCondLst>
+                                  <p:childTnLst>
+                                    <p:set>
+                                      <p:cBhvr>
+                                        <p:cTn id="42" dur="1" fill="hold">
+                                          <p:stCondLst>
+                                            <p:cond delay="0"/>
+                                          </p:stCondLst>
+                                        </p:cTn>
+                                        <p:tgtEl>
+                                          <p:spTgt spid="30"/>
+                                        </p:tgtEl>
+                                        <p:attrNameLst>
+                                          <p:attrName>style.visibility</p:attrName>
+                                        </p:attrNameLst>
+                                      </p:cBhvr>
+                                      <p:to>
+                                        <p:strVal val="visible"/>
+                                      </p:to>
+                                    </p:set>
+                                  </p:childTnLst>
+                                </p:cTn>
+                              </p:par>
+                              <p:par>
+                                <p:cTn id="43" presetID="1" presetClass="exit" presetSubtype="0" fill="hold" nodeType="withEffect">
+                                  <p:stCondLst>
+                                    <p:cond delay="0"/>
+                                  </p:stCondLst>
+                                  <p:childTnLst>
+                                    <p:set>
+                                      <p:cBhvr>
+                                        <p:cTn id="44" dur="1" fill="hold">
+                                          <p:stCondLst>
+                                            <p:cond delay="0"/>
+                                          </p:stCondLst>
+                                        </p:cTn>
+                                        <p:tgtEl>
+                                          <p:spTgt spid="32"/>
+                                        </p:tgtEl>
+                                        <p:attrNameLst>
+                                          <p:attrName>style.visibility</p:attrName>
+                                        </p:attrNameLst>
+                                      </p:cBhvr>
+                                      <p:to>
+                                        <p:strVal val="hidden"/>
+                                      </p:to>
+                                    </p:set>
+                                  </p:childTnLst>
+                                </p:cTn>
+                              </p:par>
+                            </p:childTnLst>
+                          </p:cTn>
+                        </p:par>
+                      </p:childTnLst>
+                    </p:cTn>
+                  </p:par>
+                  <p:par>
+                    <p:cTn id="45" fill="hold">
+                      <p:stCondLst>
+                        <p:cond delay="indefinite"/>
+                      </p:stCondLst>
+                      <p:childTnLst>
+                        <p:par>
+                          <p:cTn id="46" fill="hold">
+                            <p:stCondLst>
+                              <p:cond delay="0"/>
+                            </p:stCondLst>
+                            <p:childTnLst>
+                              <p:par>
+                                <p:cTn id="47" presetID="1" presetClass="entr" presetSubtype="0" fill="hold" nodeType="clickEffect">
+                                  <p:stCondLst>
+                                    <p:cond delay="0"/>
+                                  </p:stCondLst>
+                                  <p:childTnLst>
+                                    <p:set>
+                                      <p:cBhvr>
+                                        <p:cTn id="48" dur="1" fill="hold">
+                                          <p:stCondLst>
+                                            <p:cond delay="0"/>
+                                          </p:stCondLst>
+                                        </p:cTn>
+                                        <p:tgtEl>
+                                          <p:spTgt spid="18"/>
+                                        </p:tgtEl>
+                                        <p:attrNameLst>
+                                          <p:attrName>style.visibility</p:attrName>
+                                        </p:attrNameLst>
+                                      </p:cBhvr>
+                                      <p:to>
+                                        <p:strVal val="visible"/>
+                                      </p:to>
+                                    </p:set>
+                                  </p:childTnLst>
+                                </p:cTn>
+                              </p:par>
+                              <p:par>
+                                <p:cTn id="49" presetID="1" presetClass="exit" presetSubtype="0" fill="hold" nodeType="withEffect">
+                                  <p:stCondLst>
+                                    <p:cond delay="0"/>
+                                  </p:stCondLst>
+                                  <p:childTnLst>
+                                    <p:set>
+                                      <p:cBhvr>
+                                        <p:cTn id="50" dur="1" fill="hold">
+                                          <p:stCondLst>
+                                            <p:cond delay="0"/>
+                                          </p:stCondLst>
+                                        </p:cTn>
+                                        <p:tgtEl>
+                                          <p:spTgt spid="30"/>
+                                        </p:tgtEl>
+                                        <p:attrNameLst>
+                                          <p:attrName>style.visibility</p:attrName>
+                                        </p:attrNameLst>
+                                      </p:cBhvr>
+                                      <p:to>
+                                        <p:strVal val="hidden"/>
+                                      </p:to>
+                                    </p:set>
+                                  </p:childTnLst>
+                                </p:cTn>
+                              </p:par>
+                            </p:childTnLst>
+                          </p:cTn>
+                        </p:par>
+                      </p:childTnLst>
+                    </p:cTn>
+                  </p:par>
+                  <p:par>
+                    <p:cTn id="51" fill="hold">
+                      <p:stCondLst>
+                        <p:cond delay="indefinite"/>
+                      </p:stCondLst>
+                      <p:childTnLst>
+                        <p:par>
+                          <p:cTn id="52" fill="hold">
+                            <p:stCondLst>
+                              <p:cond delay="0"/>
+                            </p:stCondLst>
+                            <p:childTnLst>
+                              <p:par>
+                                <p:cTn id="53" presetID="1" presetClass="entr" presetSubtype="0" fill="hold" nodeType="clickEffect">
+                                  <p:stCondLst>
+                                    <p:cond delay="0"/>
+                                  </p:stCondLst>
+                                  <p:childTnLst>
+                                    <p:set>
+                                      <p:cBhvr>
+                                        <p:cTn id="54" dur="1" fill="hold">
+                                          <p:stCondLst>
+                                            <p:cond delay="0"/>
+                                          </p:stCondLst>
+                                        </p:cTn>
+                                        <p:tgtEl>
+                                          <p:spTgt spid="33"/>
+                                        </p:tgtEl>
+                                        <p:attrNameLst>
+                                          <p:attrName>style.visibility</p:attrName>
+                                        </p:attrNameLst>
+                                      </p:cBhvr>
+                                      <p:to>
+                                        <p:strVal val="visible"/>
+                                      </p:to>
+                                    </p:set>
+                                  </p:childTnLst>
+                                </p:cTn>
+                              </p:par>
+                              <p:par>
+                                <p:cTn id="55" presetID="1" presetClass="exit" presetSubtype="0" fill="hold" nodeType="withEffect">
+                                  <p:stCondLst>
+                                    <p:cond delay="0"/>
+                                  </p:stCondLst>
+                                  <p:childTnLst>
+                                    <p:set>
+                                      <p:cBhvr>
+                                        <p:cTn id="56" dur="1" fill="hold">
+                                          <p:stCondLst>
+                                            <p:cond delay="0"/>
+                                          </p:stCondLst>
+                                        </p:cTn>
+                                        <p:tgtEl>
+                                          <p:spTgt spid="18"/>
+                                        </p:tgtEl>
+                                        <p:attrNameLst>
+                                          <p:attrName>style.visibility</p:attrName>
+                                        </p:attrNameLst>
+                                      </p:cBhvr>
+                                      <p:to>
+                                        <p:strVal val="hidden"/>
+                                      </p:to>
+                                    </p:set>
+                                  </p:childTnLst>
+                                </p:cTn>
+                              </p:par>
+                            </p:childTnLst>
+                          </p:cTn>
+                        </p:par>
+                      </p:childTnLst>
+                    </p:cTn>
+                  </p:par>
+                </p:childTnLst>
+              </p:cTn>
+              <p:prevCondLst>
+                <p:cond evt="onPrev" delay="0">
+                  <p:tgtEl>
+                    <p:sldTgt/>
+                  </p:tgtEl>
+                </p:cond>
+              </p:prevCondLst>
+              <p:nextCondLst>
+                <p:cond evt="onNext" delay="0">
+                  <p:tgtEl>
+                    <p:sldTgt/>
+                  </p:tgtEl>
+                </p:cond>
+              </p:nextCondLst>
+            </p:seq>
+          </p:childTnLst>
+        </p:cTn>
+      </p:par>
+    </p:tnLst>
+    <p:bldLst>
+      <p:bldP spid="36" grpId="0"/>
+    </p:bldLst>
+  </p:timing>
+</p:sld>
+</file>
+
+<file path=ppt/slides/slide3.xml><?xml version="1.0" encoding="utf-8"?>
+<p:sld xmlns:a="http://schemas.openxmlformats.org/drawingml/2006/main" xmlns:r="http://schemas.openxmlformats.org/officeDocument/2006/relationships" xmlns:p="http://schemas.openxmlformats.org/presentationml/2006/main">
+  <p:cSld>
+    <p:spTree>
+      <p:nvGrpSpPr>
+        <p:cNvPr id="1" name=""/>
+        <p:cNvGrpSpPr/>
+        <p:nvPr/>
+      </p:nvGrpSpPr>
+      <p:grpSpPr>
+        <a:xfrm>
+          <a:off x="0" y="0"/>
+          <a:ext cx="0" cy="0"/>
+          <a:chOff x="0" y="0"/>
+          <a:chExt cx="0" cy="0"/>
+        </a:xfrm>
+      </p:grpSpPr>
+      <p:pic>
+        <p:nvPicPr>
+          <p:cNvPr id="5" name="Picture 4">
+            <a:extLst>
+              <a:ext uri="{FF2B5EF4-FFF2-40B4-BE49-F238E27FC236}">
+                <a16:creationId xmlns:a16="http://schemas.microsoft.com/office/drawing/2014/main" id="{9FE58B64-9691-D947-80E7-0AA319C47A6A}"/>
+              </a:ext>
+            </a:extLst>
+          </p:cNvPr>
+          <p:cNvPicPr>
+            <a:picLocks noChangeAspect="1"/>
+          </p:cNvPicPr>
+          <p:nvPr/>
+        </p:nvPicPr>
+        <p:blipFill>
+          <a:blip r:embed="rId2"/>
+          <a:stretch>
+            <a:fillRect/>
+          </a:stretch>
+        </p:blipFill>
+        <p:spPr>
+          <a:xfrm>
+            <a:off x="8471452" y="3137452"/>
+            <a:ext cx="3720548" cy="3720548"/>
+          </a:xfrm>
+          <a:prstGeom prst="rect">
+            <a:avLst/>
+          </a:prstGeom>
+        </p:spPr>
+      </p:pic>
+      <p:sp>
+        <p:nvSpPr>
+          <p:cNvPr id="6" name="TextBox 5">
+            <a:extLst>
+              <a:ext uri="{FF2B5EF4-FFF2-40B4-BE49-F238E27FC236}">
+                <a16:creationId xmlns:a16="http://schemas.microsoft.com/office/drawing/2014/main" id="{FF12880E-28EC-7842-98FD-0576E0A5C531}"/>
+              </a:ext>
+            </a:extLst>
+          </p:cNvPr>
+          <p:cNvSpPr txBox="1"/>
+          <p:nvPr/>
+        </p:nvSpPr>
+        <p:spPr>
+          <a:xfrm>
+            <a:off x="2104794" y="1451113"/>
+            <a:ext cx="8226932" cy="738664"/>
+          </a:xfrm>
+          <a:prstGeom prst="rect">
+            <a:avLst/>
+          </a:prstGeom>
+          <a:noFill/>
+        </p:spPr>
+        <p:txBody>
+          <a:bodyPr wrap="none" rtlCol="0">
+            <a:spAutoFit/>
+          </a:bodyPr>
+          <a:lstStyle/>
+          <a:p>
+            <a:r>
+              <a:rPr lang="en-US" sz="4200" b="1" dirty="0">
+                <a:latin typeface="Helvetica Rounded" pitchFamily="2" charset="77"/>
+              </a:rPr>
+              <a:t>Start with an example, please!</a:t>
+            </a:r>
+          </a:p>
+        </p:txBody>
+      </p:sp>
+      <p:cxnSp>
+        <p:nvCxnSpPr>
+          <p:cNvPr id="8" name="Straight Connector 7">
+            <a:extLst>
+              <a:ext uri="{FF2B5EF4-FFF2-40B4-BE49-F238E27FC236}">
+                <a16:creationId xmlns:a16="http://schemas.microsoft.com/office/drawing/2014/main" id="{F357806F-8684-FC43-9884-7CCDBAEB0018}"/>
+              </a:ext>
+            </a:extLst>
+          </p:cNvPr>
+          <p:cNvCxnSpPr>
+            <a:cxnSpLocks/>
+          </p:cNvCxnSpPr>
+          <p:nvPr/>
+        </p:nvCxnSpPr>
+        <p:spPr>
+          <a:xfrm>
+            <a:off x="6460435" y="2902226"/>
+            <a:ext cx="1242391" cy="1302026"/>
+          </a:xfrm>
+          <a:prstGeom prst="line">
+            <a:avLst/>
+          </a:prstGeom>
+          <a:ln w="101600" cap="rnd">
+            <a:solidFill>
+              <a:srgbClr val="22363B"/>
+            </a:solidFill>
+          </a:ln>
+        </p:spPr>
+        <p:style>
+          <a:lnRef idx="1">
+            <a:schemeClr val="accent1"/>
+          </a:lnRef>
+          <a:fillRef idx="0">
+            <a:schemeClr val="accent1"/>
+          </a:fillRef>
+          <a:effectRef idx="0">
+            <a:schemeClr val="accent1"/>
+          </a:effectRef>
+          <a:fontRef idx="minor">
+            <a:schemeClr val="tx1"/>
+          </a:fontRef>
+        </p:style>
+      </p:cxnSp>
+    </p:spTree>
+    <p:extLst>
+      <p:ext uri="{BB962C8B-B14F-4D97-AF65-F5344CB8AC3E}">
+        <p14:creationId xmlns:p14="http://schemas.microsoft.com/office/powerpoint/2010/main" val="597780301"/>
+      </p:ext>
+    </p:extLst>
+  </p:cSld>
+  <p:clrMapOvr>
+    <a:masterClrMapping/>
+  </p:clrMapOvr>
+</p:sld>
+</file>
+
+<file path=ppt/slides/slide4.xml><?xml version="1.0" encoding="utf-8"?>
 <p:sld xmlns:a="http://schemas.openxmlformats.org/drawingml/2006/main" xmlns:r="http://schemas.openxmlformats.org/officeDocument/2006/relationships" xmlns:p="http://schemas.openxmlformats.org/presentationml/2006/main">
   <p:cSld>
     <p:spTree>
@@ -4547,7 +10668,9 @@
             <a:lstStyle/>
             <a:p>
               <a:pPr algn="ctr"/>
-              <a:endParaRPr lang="en-US" dirty="0"/>
+              <a:endParaRPr lang="en-US" b="1" dirty="0">
+                <a:latin typeface="Helvetica Rounded Bold" pitchFamily="2" charset="77"/>
+              </a:endParaRPr>
             </a:p>
           </p:txBody>
         </p:sp>
@@ -5079,7 +11202,9 @@
             <a:lstStyle/>
             <a:p>
               <a:pPr algn="ctr"/>
-              <a:endParaRPr lang="en-US" dirty="0"/>
+              <a:endParaRPr lang="en-US" b="1" dirty="0">
+                <a:latin typeface="Helvetica Rounded Bold" pitchFamily="2" charset="77"/>
+              </a:endParaRPr>
             </a:p>
           </p:txBody>
         </p:sp>
@@ -5593,15 +11718,33 @@
                                   </p:childTnLst>
                                 </p:cTn>
                               </p:par>
+                            </p:childTnLst>
+                          </p:cTn>
+                        </p:par>
+                      </p:childTnLst>
+                    </p:cTn>
+                  </p:par>
+                  <p:par>
+                    <p:cTn id="41" fill="hold">
+                      <p:stCondLst>
+                        <p:cond delay="indefinite"/>
+                      </p:stCondLst>
+                      <p:childTnLst>
+                        <p:par>
+                          <p:cTn id="42" fill="hold">
+                            <p:stCondLst>
+                              <p:cond delay="0"/>
+                            </p:stCondLst>
+                            <p:childTnLst>
                               <p:par>
-                                <p:cTn id="41" presetID="1" presetClass="entr" presetSubtype="0" fill="hold" nodeType="withEffect">
+                                <p:cTn id="43" presetID="1" presetClass="entr" presetSubtype="0" fill="hold" nodeType="clickEffect">
                                   <p:stCondLst>
                                     <p:cond delay="0"/>
                                   </p:stCondLst>
                                   <p:childTnLst>
                                     <p:set>
                                       <p:cBhvr>
-                                        <p:cTn id="42" dur="1" fill="hold">
+                                        <p:cTn id="44" dur="1" fill="hold">
                                           <p:stCondLst>
                                             <p:cond delay="0"/>
                                           </p:stCondLst>
@@ -5627,26 +11770,26 @@
                     </p:cTn>
                   </p:par>
                   <p:par>
-                    <p:cTn id="43" fill="hold">
+                    <p:cTn id="45" fill="hold">
                       <p:stCondLst>
                         <p:cond delay="indefinite"/>
                       </p:stCondLst>
                       <p:childTnLst>
                         <p:par>
-                          <p:cTn id="44" fill="hold">
+                          <p:cTn id="46" fill="hold">
                             <p:stCondLst>
                               <p:cond delay="0"/>
                             </p:stCondLst>
                             <p:childTnLst>
                               <p:par>
-                                <p:cTn id="45" presetID="1" presetClass="exit" presetSubtype="0" fill="hold" nodeType="clickEffect">
+                                <p:cTn id="47" presetID="1" presetClass="exit" presetSubtype="0" fill="hold" nodeType="clickEffect">
                                   <p:stCondLst>
                                     <p:cond delay="0"/>
                                   </p:stCondLst>
                                   <p:childTnLst>
                                     <p:set>
                                       <p:cBhvr>
-                                        <p:cTn id="46" dur="1" fill="hold">
+                                        <p:cTn id="48" dur="1" fill="hold">
                                           <p:stCondLst>
                                             <p:cond delay="0"/>
                                           </p:stCondLst>
@@ -5666,14 +11809,14 @@
                                 </p:cTn>
                               </p:par>
                               <p:par>
-                                <p:cTn id="47" presetID="1" presetClass="entr" presetSubtype="0" fill="hold" nodeType="withEffect">
+                                <p:cTn id="49" presetID="1" presetClass="entr" presetSubtype="0" fill="hold" nodeType="withEffect">
                                   <p:stCondLst>
                                     <p:cond delay="0"/>
                                   </p:stCondLst>
                                   <p:childTnLst>
                                     <p:set>
                                       <p:cBhvr>
-                                        <p:cTn id="48" dur="1" fill="hold">
+                                        <p:cTn id="50" dur="1" fill="hold">
                                           <p:stCondLst>
                                             <p:cond delay="0"/>
                                           </p:stCondLst>
@@ -5723,7 +11866,7 @@
 </p:sld>
 </file>
 
-<file path=ppt/slides/slide3.xml><?xml version="1.0" encoding="utf-8"?>
+<file path=ppt/slides/slide5.xml><?xml version="1.0" encoding="utf-8"?>
 <p:sld xmlns:a="http://schemas.openxmlformats.org/drawingml/2006/main" xmlns:r="http://schemas.openxmlformats.org/officeDocument/2006/relationships" xmlns:p="http://schemas.openxmlformats.org/presentationml/2006/main">
   <p:cSld>
     <p:spTree>
@@ -6161,7 +12304,9 @@
           <a:lstStyle/>
           <a:p>
             <a:pPr algn="ctr"/>
-            <a:endParaRPr lang="en-US"/>
+            <a:endParaRPr lang="en-US" b="1" dirty="0">
+              <a:latin typeface="Helvetica Rounded Bold" pitchFamily="2" charset="77"/>
+            </a:endParaRPr>
           </a:p>
         </p:txBody>
       </p:sp>
@@ -6437,7 +12582,9 @@
           <a:lstStyle/>
           <a:p>
             <a:pPr algn="ctr"/>
-            <a:endParaRPr lang="en-US"/>
+            <a:endParaRPr lang="en-US" b="1" dirty="0">
+              <a:latin typeface="Helvetica Rounded Bold" pitchFamily="2" charset="77"/>
+            </a:endParaRPr>
           </a:p>
         </p:txBody>
       </p:sp>
@@ -6879,6 +13026,796 @@
       <p:bldP spid="21" grpId="0" animBg="1"/>
     </p:bldLst>
   </p:timing>
+</p:sld>
+</file>
+
+<file path=ppt/slides/slide6.xml><?xml version="1.0" encoding="utf-8"?>
+<p:sld xmlns:a="http://schemas.openxmlformats.org/drawingml/2006/main" xmlns:r="http://schemas.openxmlformats.org/officeDocument/2006/relationships" xmlns:p="http://schemas.openxmlformats.org/presentationml/2006/main">
+  <p:cSld>
+    <p:spTree>
+      <p:nvGrpSpPr>
+        <p:cNvPr id="1" name=""/>
+        <p:cNvGrpSpPr/>
+        <p:nvPr/>
+      </p:nvGrpSpPr>
+      <p:grpSpPr>
+        <a:xfrm>
+          <a:off x="0" y="0"/>
+          <a:ext cx="0" cy="0"/>
+          <a:chOff x="0" y="0"/>
+          <a:chExt cx="0" cy="0"/>
+        </a:xfrm>
+      </p:grpSpPr>
+      <p:pic>
+        <p:nvPicPr>
+          <p:cNvPr id="5" name="Terms (boo)">
+            <a:extLst>
+              <a:ext uri="{FF2B5EF4-FFF2-40B4-BE49-F238E27FC236}">
+                <a16:creationId xmlns:a16="http://schemas.microsoft.com/office/drawing/2014/main" id="{EA78BD5A-446C-2D4A-A146-210619FA4EBC}"/>
+              </a:ext>
+            </a:extLst>
+          </p:cNvPr>
+          <p:cNvPicPr>
+            <a:picLocks noChangeAspect="1"/>
+          </p:cNvPicPr>
+          <p:nvPr/>
+        </p:nvPicPr>
+        <p:blipFill>
+          <a:blip r:embed="rId3"/>
+          <a:stretch>
+            <a:fillRect/>
+          </a:stretch>
+        </p:blipFill>
+        <p:spPr>
+          <a:xfrm>
+            <a:off x="-1" y="0"/>
+            <a:ext cx="12193200" cy="6859405"/>
+          </a:xfrm>
+          <a:prstGeom prst="rect">
+            <a:avLst/>
+          </a:prstGeom>
+        </p:spPr>
+      </p:pic>
+      <p:pic>
+        <p:nvPicPr>
+          <p:cNvPr id="4" name="Terms (yay)">
+            <a:extLst>
+              <a:ext uri="{FF2B5EF4-FFF2-40B4-BE49-F238E27FC236}">
+                <a16:creationId xmlns:a16="http://schemas.microsoft.com/office/drawing/2014/main" id="{64E238CE-E94D-1241-B91D-C3120D1125F6}"/>
+              </a:ext>
+            </a:extLst>
+          </p:cNvPr>
+          <p:cNvPicPr>
+            <a:picLocks noChangeAspect="1"/>
+          </p:cNvPicPr>
+          <p:nvPr/>
+        </p:nvPicPr>
+        <p:blipFill>
+          <a:blip r:embed="rId4"/>
+          <a:stretch>
+            <a:fillRect/>
+          </a:stretch>
+        </p:blipFill>
+        <p:spPr>
+          <a:xfrm>
+            <a:off x="0" y="0"/>
+            <a:ext cx="12193200" cy="6858000"/>
+          </a:xfrm>
+          <a:prstGeom prst="rect">
+            <a:avLst/>
+          </a:prstGeom>
+        </p:spPr>
+      </p:pic>
+      <p:pic>
+        <p:nvPicPr>
+          <p:cNvPr id="6" name="Example">
+            <a:extLst>
+              <a:ext uri="{FF2B5EF4-FFF2-40B4-BE49-F238E27FC236}">
+                <a16:creationId xmlns:a16="http://schemas.microsoft.com/office/drawing/2014/main" id="{A2DC9D62-0EAE-304D-8E3C-8809EB93C16E}"/>
+              </a:ext>
+            </a:extLst>
+          </p:cNvPr>
+          <p:cNvPicPr>
+            <a:picLocks noChangeAspect="1"/>
+          </p:cNvPicPr>
+          <p:nvPr/>
+        </p:nvPicPr>
+        <p:blipFill>
+          <a:blip r:embed="rId5"/>
+          <a:stretch>
+            <a:fillRect/>
+          </a:stretch>
+        </p:blipFill>
+        <p:spPr>
+          <a:xfrm>
+            <a:off x="0" y="0"/>
+            <a:ext cx="12193200" cy="6858000"/>
+          </a:xfrm>
+          <a:prstGeom prst="rect">
+            <a:avLst/>
+          </a:prstGeom>
+        </p:spPr>
+      </p:pic>
+      <p:pic>
+        <p:nvPicPr>
+          <p:cNvPr id="7" name="Example disambiguated">
+            <a:extLst>
+              <a:ext uri="{FF2B5EF4-FFF2-40B4-BE49-F238E27FC236}">
+                <a16:creationId xmlns:a16="http://schemas.microsoft.com/office/drawing/2014/main" id="{1C444F48-EB05-F94E-B018-E5843E10822A}"/>
+              </a:ext>
+            </a:extLst>
+          </p:cNvPr>
+          <p:cNvPicPr>
+            <a:picLocks/>
+          </p:cNvPicPr>
+          <p:nvPr/>
+        </p:nvPicPr>
+        <p:blipFill>
+          <a:blip r:embed="rId6"/>
+          <a:stretch>
+            <a:fillRect/>
+          </a:stretch>
+        </p:blipFill>
+        <p:spPr>
+          <a:xfrm>
+            <a:off x="0" y="4698"/>
+            <a:ext cx="12193200" cy="6848603"/>
+          </a:xfrm>
+          <a:prstGeom prst="rect">
+            <a:avLst/>
+          </a:prstGeom>
+        </p:spPr>
+      </p:pic>
+    </p:spTree>
+    <p:extLst>
+      <p:ext uri="{BB962C8B-B14F-4D97-AF65-F5344CB8AC3E}">
+        <p14:creationId xmlns:p14="http://schemas.microsoft.com/office/powerpoint/2010/main" val="411752223"/>
+      </p:ext>
+    </p:extLst>
+  </p:cSld>
+  <p:clrMapOvr>
+    <a:masterClrMapping/>
+  </p:clrMapOvr>
+  <p:timing>
+    <p:tnLst>
+      <p:par>
+        <p:cTn id="1" dur="indefinite" restart="never" nodeType="tmRoot">
+          <p:childTnLst>
+            <p:seq concurrent="1" nextAc="seek">
+              <p:cTn id="2" dur="indefinite" nodeType="mainSeq">
+                <p:childTnLst>
+                  <p:par>
+                    <p:cTn id="3" fill="hold">
+                      <p:stCondLst>
+                        <p:cond delay="indefinite"/>
+                      </p:stCondLst>
+                      <p:childTnLst>
+                        <p:par>
+                          <p:cTn id="4" fill="hold">
+                            <p:stCondLst>
+                              <p:cond delay="0"/>
+                            </p:stCondLst>
+                            <p:childTnLst>
+                              <p:par>
+                                <p:cTn id="5" presetID="1" presetClass="entr" presetSubtype="0" fill="hold" nodeType="clickEffect">
+                                  <p:stCondLst>
+                                    <p:cond delay="0"/>
+                                  </p:stCondLst>
+                                  <p:childTnLst>
+                                    <p:set>
+                                      <p:cBhvr>
+                                        <p:cTn id="6" dur="1" fill="hold">
+                                          <p:stCondLst>
+                                            <p:cond delay="0"/>
+                                          </p:stCondLst>
+                                        </p:cTn>
+                                        <p:tgtEl>
+                                          <p:spTgt spid="4"/>
+                                        </p:tgtEl>
+                                        <p:attrNameLst>
+                                          <p:attrName>style.visibility</p:attrName>
+                                        </p:attrNameLst>
+                                      </p:cBhvr>
+                                      <p:to>
+                                        <p:strVal val="visible"/>
+                                      </p:to>
+                                    </p:set>
+                                  </p:childTnLst>
+                                </p:cTn>
+                              </p:par>
+                              <p:par>
+                                <p:cTn id="7" presetID="1" presetClass="exit" presetSubtype="0" fill="hold" nodeType="withEffect">
+                                  <p:stCondLst>
+                                    <p:cond delay="0"/>
+                                  </p:stCondLst>
+                                  <p:childTnLst>
+                                    <p:set>
+                                      <p:cBhvr>
+                                        <p:cTn id="8" dur="1" fill="hold">
+                                          <p:stCondLst>
+                                            <p:cond delay="0"/>
+                                          </p:stCondLst>
+                                        </p:cTn>
+                                        <p:tgtEl>
+                                          <p:spTgt spid="5"/>
+                                        </p:tgtEl>
+                                        <p:attrNameLst>
+                                          <p:attrName>style.visibility</p:attrName>
+                                        </p:attrNameLst>
+                                      </p:cBhvr>
+                                      <p:to>
+                                        <p:strVal val="hidden"/>
+                                      </p:to>
+                                    </p:set>
+                                  </p:childTnLst>
+                                </p:cTn>
+                              </p:par>
+                            </p:childTnLst>
+                          </p:cTn>
+                        </p:par>
+                      </p:childTnLst>
+                    </p:cTn>
+                  </p:par>
+                  <p:par>
+                    <p:cTn id="9" fill="hold">
+                      <p:stCondLst>
+                        <p:cond delay="indefinite"/>
+                      </p:stCondLst>
+                      <p:childTnLst>
+                        <p:par>
+                          <p:cTn id="10" fill="hold">
+                            <p:stCondLst>
+                              <p:cond delay="0"/>
+                            </p:stCondLst>
+                            <p:childTnLst>
+                              <p:par>
+                                <p:cTn id="11" presetID="1" presetClass="entr" presetSubtype="0" fill="hold" nodeType="clickEffect">
+                                  <p:stCondLst>
+                                    <p:cond delay="0"/>
+                                  </p:stCondLst>
+                                  <p:childTnLst>
+                                    <p:set>
+                                      <p:cBhvr>
+                                        <p:cTn id="12" dur="1" fill="hold">
+                                          <p:stCondLst>
+                                            <p:cond delay="0"/>
+                                          </p:stCondLst>
+                                        </p:cTn>
+                                        <p:tgtEl>
+                                          <p:spTgt spid="6"/>
+                                        </p:tgtEl>
+                                        <p:attrNameLst>
+                                          <p:attrName>style.visibility</p:attrName>
+                                        </p:attrNameLst>
+                                      </p:cBhvr>
+                                      <p:to>
+                                        <p:strVal val="visible"/>
+                                      </p:to>
+                                    </p:set>
+                                  </p:childTnLst>
+                                </p:cTn>
+                              </p:par>
+                              <p:par>
+                                <p:cTn id="13" presetID="1" presetClass="exit" presetSubtype="0" fill="hold" nodeType="withEffect">
+                                  <p:stCondLst>
+                                    <p:cond delay="0"/>
+                                  </p:stCondLst>
+                                  <p:childTnLst>
+                                    <p:set>
+                                      <p:cBhvr>
+                                        <p:cTn id="14" dur="1" fill="hold">
+                                          <p:stCondLst>
+                                            <p:cond delay="0"/>
+                                          </p:stCondLst>
+                                        </p:cTn>
+                                        <p:tgtEl>
+                                          <p:spTgt spid="4"/>
+                                        </p:tgtEl>
+                                        <p:attrNameLst>
+                                          <p:attrName>style.visibility</p:attrName>
+                                        </p:attrNameLst>
+                                      </p:cBhvr>
+                                      <p:to>
+                                        <p:strVal val="hidden"/>
+                                      </p:to>
+                                    </p:set>
+                                  </p:childTnLst>
+                                </p:cTn>
+                              </p:par>
+                            </p:childTnLst>
+                          </p:cTn>
+                        </p:par>
+                      </p:childTnLst>
+                    </p:cTn>
+                  </p:par>
+                  <p:par>
+                    <p:cTn id="15" fill="hold">
+                      <p:stCondLst>
+                        <p:cond delay="indefinite"/>
+                      </p:stCondLst>
+                      <p:childTnLst>
+                        <p:par>
+                          <p:cTn id="16" fill="hold">
+                            <p:stCondLst>
+                              <p:cond delay="0"/>
+                            </p:stCondLst>
+                            <p:childTnLst>
+                              <p:par>
+                                <p:cTn id="17" presetID="1" presetClass="entr" presetSubtype="0" fill="hold" nodeType="clickEffect">
+                                  <p:stCondLst>
+                                    <p:cond delay="0"/>
+                                  </p:stCondLst>
+                                  <p:childTnLst>
+                                    <p:set>
+                                      <p:cBhvr>
+                                        <p:cTn id="18" dur="1" fill="hold">
+                                          <p:stCondLst>
+                                            <p:cond delay="0"/>
+                                          </p:stCondLst>
+                                        </p:cTn>
+                                        <p:tgtEl>
+                                          <p:spTgt spid="7"/>
+                                        </p:tgtEl>
+                                        <p:attrNameLst>
+                                          <p:attrName>style.visibility</p:attrName>
+                                        </p:attrNameLst>
+                                      </p:cBhvr>
+                                      <p:to>
+                                        <p:strVal val="visible"/>
+                                      </p:to>
+                                    </p:set>
+                                  </p:childTnLst>
+                                </p:cTn>
+                              </p:par>
+                              <p:par>
+                                <p:cTn id="19" presetID="1" presetClass="exit" presetSubtype="0" fill="hold" nodeType="withEffect">
+                                  <p:stCondLst>
+                                    <p:cond delay="0"/>
+                                  </p:stCondLst>
+                                  <p:childTnLst>
+                                    <p:set>
+                                      <p:cBhvr>
+                                        <p:cTn id="20" dur="1" fill="hold">
+                                          <p:stCondLst>
+                                            <p:cond delay="0"/>
+                                          </p:stCondLst>
+                                        </p:cTn>
+                                        <p:tgtEl>
+                                          <p:spTgt spid="6"/>
+                                        </p:tgtEl>
+                                        <p:attrNameLst>
+                                          <p:attrName>style.visibility</p:attrName>
+                                        </p:attrNameLst>
+                                      </p:cBhvr>
+                                      <p:to>
+                                        <p:strVal val="hidden"/>
+                                      </p:to>
+                                    </p:set>
+                                  </p:childTnLst>
+                                </p:cTn>
+                              </p:par>
+                            </p:childTnLst>
+                          </p:cTn>
+                        </p:par>
+                      </p:childTnLst>
+                    </p:cTn>
+                  </p:par>
+                </p:childTnLst>
+              </p:cTn>
+              <p:prevCondLst>
+                <p:cond evt="onPrev" delay="0">
+                  <p:tgtEl>
+                    <p:sldTgt/>
+                  </p:tgtEl>
+                </p:cond>
+              </p:prevCondLst>
+              <p:nextCondLst>
+                <p:cond evt="onNext" delay="0">
+                  <p:tgtEl>
+                    <p:sldTgt/>
+                  </p:tgtEl>
+                </p:cond>
+              </p:nextCondLst>
+            </p:seq>
+          </p:childTnLst>
+        </p:cTn>
+      </p:par>
+    </p:tnLst>
+  </p:timing>
+</p:sld>
+</file>
+
+<file path=ppt/slides/slide7.xml><?xml version="1.0" encoding="utf-8"?>
+<p:sld xmlns:a="http://schemas.openxmlformats.org/drawingml/2006/main" xmlns:r="http://schemas.openxmlformats.org/officeDocument/2006/relationships" xmlns:p="http://schemas.openxmlformats.org/presentationml/2006/main">
+  <p:cSld>
+    <p:spTree>
+      <p:nvGrpSpPr>
+        <p:cNvPr id="1" name=""/>
+        <p:cNvGrpSpPr/>
+        <p:nvPr/>
+      </p:nvGrpSpPr>
+      <p:grpSpPr>
+        <a:xfrm>
+          <a:off x="0" y="0"/>
+          <a:ext cx="0" cy="0"/>
+          <a:chOff x="0" y="0"/>
+          <a:chExt cx="0" cy="0"/>
+        </a:xfrm>
+      </p:grpSpPr>
+      <p:pic>
+        <p:nvPicPr>
+          <p:cNvPr id="2" name="Equations (boo)">
+            <a:extLst>
+              <a:ext uri="{FF2B5EF4-FFF2-40B4-BE49-F238E27FC236}">
+                <a16:creationId xmlns:a16="http://schemas.microsoft.com/office/drawing/2014/main" id="{DFEDAE5F-08D0-F64F-9CB9-A370239C921C}"/>
+              </a:ext>
+            </a:extLst>
+          </p:cNvPr>
+          <p:cNvPicPr>
+            <a:picLocks noChangeAspect="1"/>
+          </p:cNvPicPr>
+          <p:nvPr/>
+        </p:nvPicPr>
+        <p:blipFill>
+          <a:blip r:embed="rId3"/>
+          <a:stretch>
+            <a:fillRect/>
+          </a:stretch>
+        </p:blipFill>
+        <p:spPr>
+          <a:xfrm>
+            <a:off x="0" y="5055"/>
+            <a:ext cx="12193200" cy="6848603"/>
+          </a:xfrm>
+          <a:prstGeom prst="rect">
+            <a:avLst/>
+          </a:prstGeom>
+        </p:spPr>
+      </p:pic>
+      <p:pic>
+        <p:nvPicPr>
+          <p:cNvPr id="3" name="Equations (yay)">
+            <a:extLst>
+              <a:ext uri="{FF2B5EF4-FFF2-40B4-BE49-F238E27FC236}">
+                <a16:creationId xmlns:a16="http://schemas.microsoft.com/office/drawing/2014/main" id="{E8D32BD2-20D6-0243-BD52-08C15A5A39A7}"/>
+              </a:ext>
+            </a:extLst>
+          </p:cNvPr>
+          <p:cNvPicPr>
+            <a:picLocks noChangeAspect="1"/>
+          </p:cNvPicPr>
+          <p:nvPr/>
+        </p:nvPicPr>
+        <p:blipFill>
+          <a:blip r:embed="rId4"/>
+          <a:stretch>
+            <a:fillRect/>
+          </a:stretch>
+        </p:blipFill>
+        <p:spPr>
+          <a:xfrm>
+            <a:off x="0" y="4698"/>
+            <a:ext cx="12193200" cy="6848603"/>
+          </a:xfrm>
+          <a:prstGeom prst="rect">
+            <a:avLst/>
+          </a:prstGeom>
+        </p:spPr>
+      </p:pic>
+    </p:spTree>
+    <p:extLst>
+      <p:ext uri="{BB962C8B-B14F-4D97-AF65-F5344CB8AC3E}">
+        <p14:creationId xmlns:p14="http://schemas.microsoft.com/office/powerpoint/2010/main" val="1538358958"/>
+      </p:ext>
+    </p:extLst>
+  </p:cSld>
+  <p:clrMapOvr>
+    <a:masterClrMapping/>
+  </p:clrMapOvr>
+  <p:timing>
+    <p:tnLst>
+      <p:par>
+        <p:cTn id="1" dur="indefinite" restart="never" nodeType="tmRoot">
+          <p:childTnLst>
+            <p:seq concurrent="1" nextAc="seek">
+              <p:cTn id="2" dur="indefinite" nodeType="mainSeq">
+                <p:childTnLst>
+                  <p:par>
+                    <p:cTn id="3" fill="hold">
+                      <p:stCondLst>
+                        <p:cond delay="indefinite"/>
+                      </p:stCondLst>
+                      <p:childTnLst>
+                        <p:par>
+                          <p:cTn id="4" fill="hold">
+                            <p:stCondLst>
+                              <p:cond delay="0"/>
+                            </p:stCondLst>
+                            <p:childTnLst>
+                              <p:par>
+                                <p:cTn id="5" presetID="1" presetClass="entr" presetSubtype="0" fill="hold" nodeType="clickEffect">
+                                  <p:stCondLst>
+                                    <p:cond delay="0"/>
+                                  </p:stCondLst>
+                                  <p:childTnLst>
+                                    <p:set>
+                                      <p:cBhvr>
+                                        <p:cTn id="6" dur="1" fill="hold">
+                                          <p:stCondLst>
+                                            <p:cond delay="0"/>
+                                          </p:stCondLst>
+                                        </p:cTn>
+                                        <p:tgtEl>
+                                          <p:spTgt spid="3"/>
+                                        </p:tgtEl>
+                                        <p:attrNameLst>
+                                          <p:attrName>style.visibility</p:attrName>
+                                        </p:attrNameLst>
+                                      </p:cBhvr>
+                                      <p:to>
+                                        <p:strVal val="visible"/>
+                                      </p:to>
+                                    </p:set>
+                                  </p:childTnLst>
+                                </p:cTn>
+                              </p:par>
+                            </p:childTnLst>
+                          </p:cTn>
+                        </p:par>
+                      </p:childTnLst>
+                    </p:cTn>
+                  </p:par>
+                </p:childTnLst>
+              </p:cTn>
+              <p:prevCondLst>
+                <p:cond evt="onPrev" delay="0">
+                  <p:tgtEl>
+                    <p:sldTgt/>
+                  </p:tgtEl>
+                </p:cond>
+              </p:prevCondLst>
+              <p:nextCondLst>
+                <p:cond evt="onNext" delay="0">
+                  <p:tgtEl>
+                    <p:sldTgt/>
+                  </p:tgtEl>
+                </p:cond>
+              </p:nextCondLst>
+            </p:seq>
+          </p:childTnLst>
+        </p:cTn>
+      </p:par>
+    </p:tnLst>
+  </p:timing>
+</p:sld>
+</file>
+
+<file path=ppt/slides/slide8.xml><?xml version="1.0" encoding="utf-8"?>
+<p:sld xmlns:a="http://schemas.openxmlformats.org/drawingml/2006/main" xmlns:r="http://schemas.openxmlformats.org/officeDocument/2006/relationships" xmlns:p="http://schemas.openxmlformats.org/presentationml/2006/main">
+  <p:cSld>
+    <p:spTree>
+      <p:nvGrpSpPr>
+        <p:cNvPr id="1" name=""/>
+        <p:cNvGrpSpPr/>
+        <p:nvPr/>
+      </p:nvGrpSpPr>
+      <p:grpSpPr>
+        <a:xfrm>
+          <a:off x="0" y="0"/>
+          <a:ext cx="0" cy="0"/>
+          <a:chOff x="0" y="0"/>
+          <a:chExt cx="0" cy="0"/>
+        </a:xfrm>
+      </p:grpSpPr>
+      <p:pic>
+        <p:nvPicPr>
+          <p:cNvPr id="2" name="Reductions (boo)">
+            <a:extLst>
+              <a:ext uri="{FF2B5EF4-FFF2-40B4-BE49-F238E27FC236}">
+                <a16:creationId xmlns:a16="http://schemas.microsoft.com/office/drawing/2014/main" id="{DFEDAE5F-08D0-F64F-9CB9-A370239C921C}"/>
+              </a:ext>
+            </a:extLst>
+          </p:cNvPr>
+          <p:cNvPicPr>
+            <a:picLocks noChangeAspect="1"/>
+          </p:cNvPicPr>
+          <p:nvPr/>
+        </p:nvPicPr>
+        <p:blipFill>
+          <a:blip r:embed="rId3"/>
+          <a:stretch>
+            <a:fillRect/>
+          </a:stretch>
+        </p:blipFill>
+        <p:spPr>
+          <a:xfrm>
+            <a:off x="0" y="5055"/>
+            <a:ext cx="12193199" cy="6848603"/>
+          </a:xfrm>
+          <a:prstGeom prst="rect">
+            <a:avLst/>
+          </a:prstGeom>
+        </p:spPr>
+      </p:pic>
+      <p:pic>
+        <p:nvPicPr>
+          <p:cNvPr id="3" name="Reductions (yay)">
+            <a:extLst>
+              <a:ext uri="{FF2B5EF4-FFF2-40B4-BE49-F238E27FC236}">
+                <a16:creationId xmlns:a16="http://schemas.microsoft.com/office/drawing/2014/main" id="{E8D32BD2-20D6-0243-BD52-08C15A5A39A7}"/>
+              </a:ext>
+            </a:extLst>
+          </p:cNvPr>
+          <p:cNvPicPr>
+            <a:picLocks noChangeAspect="1"/>
+          </p:cNvPicPr>
+          <p:nvPr/>
+        </p:nvPicPr>
+        <p:blipFill>
+          <a:blip r:embed="rId4"/>
+          <a:stretch>
+            <a:fillRect/>
+          </a:stretch>
+        </p:blipFill>
+        <p:spPr>
+          <a:xfrm>
+            <a:off x="0" y="4698"/>
+            <a:ext cx="12193199" cy="6848603"/>
+          </a:xfrm>
+          <a:prstGeom prst="rect">
+            <a:avLst/>
+          </a:prstGeom>
+        </p:spPr>
+      </p:pic>
+    </p:spTree>
+    <p:extLst>
+      <p:ext uri="{BB962C8B-B14F-4D97-AF65-F5344CB8AC3E}">
+        <p14:creationId xmlns:p14="http://schemas.microsoft.com/office/powerpoint/2010/main" val="293720399"/>
+      </p:ext>
+    </p:extLst>
+  </p:cSld>
+  <p:clrMapOvr>
+    <a:masterClrMapping/>
+  </p:clrMapOvr>
+  <p:timing>
+    <p:tnLst>
+      <p:par>
+        <p:cTn id="1" dur="indefinite" restart="never" nodeType="tmRoot">
+          <p:childTnLst>
+            <p:seq concurrent="1" nextAc="seek">
+              <p:cTn id="2" dur="indefinite" nodeType="mainSeq">
+                <p:childTnLst>
+                  <p:par>
+                    <p:cTn id="3" fill="hold">
+                      <p:stCondLst>
+                        <p:cond delay="indefinite"/>
+                      </p:stCondLst>
+                      <p:childTnLst>
+                        <p:par>
+                          <p:cTn id="4" fill="hold">
+                            <p:stCondLst>
+                              <p:cond delay="0"/>
+                            </p:stCondLst>
+                            <p:childTnLst>
+                              <p:par>
+                                <p:cTn id="5" presetID="1" presetClass="entr" presetSubtype="0" fill="hold" nodeType="clickEffect">
+                                  <p:stCondLst>
+                                    <p:cond delay="0"/>
+                                  </p:stCondLst>
+                                  <p:childTnLst>
+                                    <p:set>
+                                      <p:cBhvr>
+                                        <p:cTn id="6" dur="1" fill="hold">
+                                          <p:stCondLst>
+                                            <p:cond delay="0"/>
+                                          </p:stCondLst>
+                                        </p:cTn>
+                                        <p:tgtEl>
+                                          <p:spTgt spid="3"/>
+                                        </p:tgtEl>
+                                        <p:attrNameLst>
+                                          <p:attrName>style.visibility</p:attrName>
+                                        </p:attrNameLst>
+                                      </p:cBhvr>
+                                      <p:to>
+                                        <p:strVal val="visible"/>
+                                      </p:to>
+                                    </p:set>
+                                  </p:childTnLst>
+                                </p:cTn>
+                              </p:par>
+                            </p:childTnLst>
+                          </p:cTn>
+                        </p:par>
+                      </p:childTnLst>
+                    </p:cTn>
+                  </p:par>
+                </p:childTnLst>
+              </p:cTn>
+              <p:prevCondLst>
+                <p:cond evt="onPrev" delay="0">
+                  <p:tgtEl>
+                    <p:sldTgt/>
+                  </p:tgtEl>
+                </p:cond>
+              </p:prevCondLst>
+              <p:nextCondLst>
+                <p:cond evt="onNext" delay="0">
+                  <p:tgtEl>
+                    <p:sldTgt/>
+                  </p:tgtEl>
+                </p:cond>
+              </p:nextCondLst>
+            </p:seq>
+          </p:childTnLst>
+        </p:cTn>
+      </p:par>
+    </p:tnLst>
+  </p:timing>
+</p:sld>
+</file>
+
+<file path=ppt/slides/slide9.xml><?xml version="1.0" encoding="utf-8"?>
+<p:sld xmlns:a="http://schemas.openxmlformats.org/drawingml/2006/main" xmlns:r="http://schemas.openxmlformats.org/officeDocument/2006/relationships" xmlns:p="http://schemas.openxmlformats.org/presentationml/2006/main">
+  <p:cSld>
+    <p:spTree>
+      <p:nvGrpSpPr>
+        <p:cNvPr id="1" name=""/>
+        <p:cNvGrpSpPr/>
+        <p:nvPr/>
+      </p:nvGrpSpPr>
+      <p:grpSpPr>
+        <a:xfrm>
+          <a:off x="0" y="0"/>
+          <a:ext cx="0" cy="0"/>
+          <a:chOff x="0" y="0"/>
+          <a:chExt cx="0" cy="0"/>
+        </a:xfrm>
+      </p:grpSpPr>
+      <p:sp>
+        <p:nvSpPr>
+          <p:cNvPr id="2" name="Title 1">
+            <a:extLst>
+              <a:ext uri="{FF2B5EF4-FFF2-40B4-BE49-F238E27FC236}">
+                <a16:creationId xmlns:a16="http://schemas.microsoft.com/office/drawing/2014/main" id="{926D4BFE-094B-FA4E-B8B3-C6FB543E88D8}"/>
+              </a:ext>
+            </a:extLst>
+          </p:cNvPr>
+          <p:cNvSpPr>
+            <a:spLocks noGrp="1"/>
+          </p:cNvSpPr>
+          <p:nvPr>
+            <p:ph type="title"/>
+          </p:nvPr>
+        </p:nvSpPr>
+        <p:spPr>
+          <a:xfrm>
+            <a:off x="0" y="0"/>
+            <a:ext cx="12192000" cy="6858000"/>
+          </a:xfrm>
+        </p:spPr>
+        <p:txBody>
+          <a:bodyPr anchor="ctr"/>
+          <a:lstStyle/>
+          <a:p>
+            <a:pPr algn="ctr"/>
+            <a:r>
+              <a:rPr lang="en-US" dirty="0"/>
+              <a:t>So what about types?</a:t>
+            </a:r>
+          </a:p>
+        </p:txBody>
+      </p:sp>
+    </p:spTree>
+    <p:extLst>
+      <p:ext uri="{BB962C8B-B14F-4D97-AF65-F5344CB8AC3E}">
+        <p14:creationId xmlns:p14="http://schemas.microsoft.com/office/powerpoint/2010/main" val="80079145"/>
+      </p:ext>
+    </p:extLst>
+  </p:cSld>
+  <p:clrMapOvr>
+    <a:masterClrMapping/>
+  </p:clrMapOvr>
 </p:sld>
 </file>
 
